--- a/docs/GEFCO_ZAVAR_-_Aplikácia_PREBAL_WRP_2021.pptx
+++ b/docs/GEFCO_ZAVAR_-_Aplikácia_PREBAL_WRP_2021.pptx
@@ -145,6 +145,11 @@
       </a:defRPr>
     </a:lvl9pPr>
   </p:defaultTextStyle>
+  <p:extLst>
+    <p:ext uri="{EFAFB233-063F-42B5-8137-9DF3F51BA10A}">
+      <p15:sldGuideLst xmlns:p15="http://schemas.microsoft.com/office/powerpoint/2012/main"/>
+    </p:ext>
+  </p:extLst>
 </p:presentation>
 </file>
 
@@ -420,7 +425,7 @@
           <a:p>
             <a:fld id="{92F08DFE-53C9-447A-8742-F1DA635D1C27}" type="datetime1">
               <a:rPr lang="sk-SK" smtClean="0"/>
-              <a:t>8. 10. 2021</a:t>
+              <a:t>2. 11. 2021</a:t>
             </a:fld>
             <a:endParaRPr lang="fr-FR" dirty="0"/>
           </a:p>
@@ -473,7 +478,7 @@
           <a:p>
             <a:fld id="{27A0FBAD-D4E9-4C5B-B135-0E69E735CDD1}" type="datetime1">
               <a:rPr lang="sk-SK" smtClean="0"/>
-              <a:t>8. 10. 2021</a:t>
+              <a:t>2. 11. 2021</a:t>
             </a:fld>
             <a:endParaRPr lang="fr-FR" dirty="0"/>
           </a:p>
@@ -986,7 +991,7 @@
           <a:p>
             <a:fld id="{04066E28-93CD-45BE-AB40-52003B49EDC6}" type="datetime1">
               <a:rPr lang="sk-SK" smtClean="0"/>
-              <a:t>8. 10. 2021</a:t>
+              <a:t>2. 11. 2021</a:t>
             </a:fld>
             <a:endParaRPr lang="fr-FR" dirty="0"/>
           </a:p>
@@ -1332,7 +1337,7 @@
           <a:p>
             <a:fld id="{CB40C53E-D4AF-4F5C-9F56-4FDB0B003776}" type="datetime1">
               <a:rPr lang="sk-SK" smtClean="0"/>
-              <a:t>8. 10. 2021</a:t>
+              <a:t>2. 11. 2021</a:t>
             </a:fld>
             <a:endParaRPr lang="fr-FR" dirty="0"/>
           </a:p>
@@ -1873,7 +1878,7 @@
           <a:p>
             <a:fld id="{71BE8446-0ADC-4197-B232-B6DB28D28CAD}" type="datetime1">
               <a:rPr lang="sk-SK" smtClean="0"/>
-              <a:t>8. 10. 2021</a:t>
+              <a:t>2. 11. 2021</a:t>
             </a:fld>
             <a:endParaRPr lang="fr-FR" dirty="0"/>
           </a:p>
@@ -2287,7 +2292,7 @@
           <a:p>
             <a:fld id="{20EB8313-CA8D-48B7-9551-BA1F311345E9}" type="datetime1">
               <a:rPr lang="sk-SK" smtClean="0"/>
-              <a:t>8. 10. 2021</a:t>
+              <a:t>2. 11. 2021</a:t>
             </a:fld>
             <a:endParaRPr lang="fr-FR" dirty="0"/>
           </a:p>
@@ -2668,7 +2673,7 @@
           <a:p>
             <a:fld id="{860DAAFF-72EB-42AF-9BDA-4DC3ADF0B2A6}" type="datetime1">
               <a:rPr lang="sk-SK" smtClean="0"/>
-              <a:t>8. 10. 2021</a:t>
+              <a:t>2. 11. 2021</a:t>
             </a:fld>
             <a:endParaRPr lang="fr-FR" dirty="0"/>
           </a:p>
@@ -2923,7 +2928,7 @@
           <a:p>
             <a:fld id="{A1E64145-F9AA-4D40-9114-455EB5181F7C}" type="datetime1">
               <a:rPr lang="sk-SK" smtClean="0"/>
-              <a:t>8. 10. 2021</a:t>
+              <a:t>2. 11. 2021</a:t>
             </a:fld>
             <a:endParaRPr lang="fr-FR" dirty="0"/>
           </a:p>
@@ -3413,7 +3418,7 @@
           <a:p>
             <a:fld id="{6427B1A5-1306-4C9F-A9A3-B304CF605A2F}" type="datetime1">
               <a:rPr lang="fr-FR" smtClean="0"/>
-              <a:t>08/10/2021</a:t>
+              <a:t>02/11/2021</a:t>
             </a:fld>
             <a:endParaRPr lang="fr-FR" dirty="0"/>
           </a:p>
@@ -3698,7 +3703,7 @@
           <a:p>
             <a:fld id="{1605EEF8-9AD7-47F6-ADE3-1CD734B4E265}" type="datetime1">
               <a:rPr lang="fr-FR" smtClean="0"/>
-              <a:t>08/10/2021</a:t>
+              <a:t>02/11/2021</a:t>
             </a:fld>
             <a:endParaRPr lang="fr-FR" dirty="0"/>
           </a:p>
@@ -4317,7 +4322,7 @@
           <a:p>
             <a:fld id="{9BD865CE-6F44-4679-A640-904906A5245A}" type="datetime1">
               <a:rPr lang="sk-SK" smtClean="0"/>
-              <a:t>8. 10. 2021</a:t>
+              <a:t>2. 11. 2021</a:t>
             </a:fld>
             <a:endParaRPr lang="fr-FR" dirty="0"/>
           </a:p>
@@ -4722,7 +4727,7 @@
           <a:p>
             <a:fld id="{5798F42E-32F6-43B8-86F9-4FDC0CBB3277}" type="datetime1">
               <a:rPr lang="fr-FR" smtClean="0"/>
-              <a:t>08/10/2021</a:t>
+              <a:t>02/11/2021</a:t>
             </a:fld>
             <a:endParaRPr lang="fr-FR" dirty="0"/>
           </a:p>
@@ -5310,7 +5315,7 @@
           <a:p>
             <a:fld id="{A60E4CFB-6248-436E-B899-F9D0ED697CFB}" type="datetime1">
               <a:rPr lang="fr-FR" smtClean="0"/>
-              <a:t>08/10/2021</a:t>
+              <a:t>02/11/2021</a:t>
             </a:fld>
             <a:endParaRPr lang="fr-FR" dirty="0"/>
           </a:p>
@@ -5753,7 +5758,7 @@
           <a:p>
             <a:fld id="{73ED81F7-DB11-4B43-8925-8097B6FE38E1}" type="datetime1">
               <a:rPr lang="fr-FR" smtClean="0"/>
-              <a:t>08/10/2021</a:t>
+              <a:t>02/11/2021</a:t>
             </a:fld>
             <a:endParaRPr lang="fr-FR" dirty="0"/>
           </a:p>
@@ -6099,7 +6104,7 @@
           <a:p>
             <a:fld id="{8FBC19F8-5C8B-4EAC-A1A1-3D00948E3CE2}" type="datetime1">
               <a:rPr lang="fr-FR" smtClean="0"/>
-              <a:t>08/10/2021</a:t>
+              <a:t>02/11/2021</a:t>
             </a:fld>
             <a:endParaRPr lang="fr-FR" dirty="0"/>
           </a:p>
@@ -6439,7 +6444,7 @@
           <a:p>
             <a:fld id="{2AFC52BC-7FC9-4CE2-8B74-4D5CA7B53C95}" type="datetime1">
               <a:rPr lang="fr-FR" smtClean="0"/>
-              <a:t>08/10/2021</a:t>
+              <a:t>02/11/2021</a:t>
             </a:fld>
             <a:endParaRPr lang="fr-FR" dirty="0"/>
           </a:p>
@@ -6796,7 +6801,7 @@
           <a:p>
             <a:fld id="{FBCB3977-1320-406F-84D3-13666011C3F7}" type="datetime1">
               <a:rPr lang="fr-FR" smtClean="0"/>
-              <a:t>08/10/2021</a:t>
+              <a:t>02/11/2021</a:t>
             </a:fld>
             <a:endParaRPr lang="fr-FR" dirty="0"/>
           </a:p>
@@ -7308,7 +7313,7 @@
           <a:p>
             <a:fld id="{94F2F17B-75D3-4246-9989-1454BC9F0646}" type="datetime1">
               <a:rPr lang="fr-FR" smtClean="0"/>
-              <a:t>08/10/2021</a:t>
+              <a:t>02/11/2021</a:t>
             </a:fld>
             <a:endParaRPr lang="fr-FR" dirty="0"/>
           </a:p>
@@ -7657,7 +7662,7 @@
           <a:p>
             <a:fld id="{B5B43520-7CFD-440F-BC67-061680F179BA}" type="datetime1">
               <a:rPr lang="fr-FR" smtClean="0"/>
-              <a:t>08/10/2021</a:t>
+              <a:t>02/11/2021</a:t>
             </a:fld>
             <a:endParaRPr lang="fr-FR" dirty="0"/>
           </a:p>
@@ -8115,7 +8120,7 @@
           <a:p>
             <a:fld id="{36EC2424-6C09-49F3-B3C1-4701CC5D9872}" type="datetime1">
               <a:rPr lang="fr-FR" smtClean="0"/>
-              <a:t>08/10/2021</a:t>
+              <a:t>02/11/2021</a:t>
             </a:fld>
             <a:endParaRPr lang="fr-FR" dirty="0"/>
           </a:p>
@@ -8783,7 +8788,7 @@
           <a:p>
             <a:fld id="{F43400B9-FB55-4A8B-B603-7C6E1112857E}" type="datetime1">
               <a:rPr lang="fr-FR" smtClean="0"/>
-              <a:t>08/10/2021</a:t>
+              <a:t>02/11/2021</a:t>
             </a:fld>
             <a:endParaRPr lang="fr-FR" dirty="0"/>
           </a:p>
@@ -9124,7 +9129,7 @@
           <a:p>
             <a:fld id="{BC63CC94-25C4-4E69-99D4-7AD9197B31D5}" type="datetime1">
               <a:rPr lang="fr-FR" smtClean="0"/>
-              <a:t>08/10/2021</a:t>
+              <a:t>02/11/2021</a:t>
             </a:fld>
             <a:endParaRPr lang="fr-FR" dirty="0"/>
           </a:p>
@@ -9387,7 +9392,7 @@
           <a:p>
             <a:fld id="{D008620D-FA9C-4769-ADA7-796E2D27DDC3}" type="datetime1">
               <a:rPr lang="fr-FR" smtClean="0"/>
-              <a:t>08/10/2021</a:t>
+              <a:t>02/11/2021</a:t>
             </a:fld>
             <a:endParaRPr lang="fr-FR" dirty="0"/>
           </a:p>
@@ -9963,7 +9968,7 @@
           <a:p>
             <a:fld id="{37353AE1-02CF-4123-B318-DE9BDC3F6DD8}" type="datetime1">
               <a:rPr lang="sk-SK" smtClean="0"/>
-              <a:t>8. 10. 2021</a:t>
+              <a:t>2. 11. 2021</a:t>
             </a:fld>
             <a:endParaRPr lang="fr-FR" dirty="0"/>
           </a:p>
@@ -10275,7 +10280,7 @@
           <a:p>
             <a:fld id="{A883C26D-D2FE-41B5-8814-F95EF8B452AF}" type="datetime1">
               <a:rPr lang="sk-SK" smtClean="0"/>
-              <a:t>8. 10. 2021</a:t>
+              <a:t>2. 11. 2021</a:t>
             </a:fld>
             <a:endParaRPr lang="fr-FR" dirty="0"/>
           </a:p>
@@ -11166,7 +11171,7 @@
           <a:p>
             <a:fld id="{A212F57F-20B9-4AD3-A509-310A2175595A}" type="datetime1">
               <a:rPr lang="sk-SK" smtClean="0"/>
-              <a:t>8. 10. 2021</a:t>
+              <a:t>2. 11. 2021</a:t>
             </a:fld>
             <a:endParaRPr lang="fr-FR" dirty="0"/>
           </a:p>
@@ -11552,7 +11557,7 @@
           <a:p>
             <a:fld id="{C0FE6284-ECB9-41EE-9C9D-1C3416521672}" type="datetime1">
               <a:rPr lang="sk-SK" smtClean="0"/>
-              <a:t>8. 10. 2021</a:t>
+              <a:t>2. 11. 2021</a:t>
             </a:fld>
             <a:endParaRPr lang="fr-FR" dirty="0"/>
           </a:p>
@@ -11906,7 +11911,7 @@
           <a:p>
             <a:fld id="{83E561B9-A34F-4FE6-830C-E958905561CB}" type="datetime1">
               <a:rPr lang="sk-SK" smtClean="0"/>
-              <a:t>8. 10. 2021</a:t>
+              <a:t>2. 11. 2021</a:t>
             </a:fld>
             <a:endParaRPr lang="fr-FR" dirty="0"/>
           </a:p>
@@ -12419,7 +12424,7 @@
           <a:p>
             <a:fld id="{4F1A406D-9AFA-4A6B-8645-00460B40FB17}" type="datetime1">
               <a:rPr lang="sk-SK" smtClean="0"/>
-              <a:t>8. 10. 2021</a:t>
+              <a:t>2. 11. 2021</a:t>
             </a:fld>
             <a:endParaRPr lang="fr-FR" dirty="0"/>
           </a:p>
@@ -13192,7 +13197,7 @@
           <a:p>
             <a:fld id="{384706DE-B2C0-4741-AC03-30F081C2D286}" type="datetime1">
               <a:rPr lang="fr-FR" smtClean="0"/>
-              <a:t>08/10/2021</a:t>
+              <a:t>02/11/2021</a:t>
             </a:fld>
             <a:endParaRPr lang="fr-FR" dirty="0"/>
           </a:p>
@@ -14820,7 +14825,7 @@
                 <a:tabLst/>
                 <a:defRPr/>
               </a:pPr>
-              <a:t>8. 10. 2021</a:t>
+              <a:t>2. 11. 2021</a:t>
             </a:fld>
             <a:endParaRPr kumimoji="0" lang="fr-FR" sz="1000" b="0" i="0" u="none" strike="noStrike" kern="1200" cap="none" spc="0" normalizeH="0" baseline="0" noProof="0" dirty="0">
               <a:ln>
@@ -15064,7 +15069,7 @@
                 <a:tabLst/>
                 <a:defRPr/>
               </a:pPr>
-              <a:t>8. 10. 2021</a:t>
+              <a:t>2. 11. 2021</a:t>
             </a:fld>
             <a:endParaRPr kumimoji="0" lang="fr-FR" sz="1000" b="0" i="0" u="none" strike="noStrike" kern="1200" cap="none" spc="0" normalizeH="0" baseline="0" noProof="0" dirty="0">
               <a:ln>
@@ -15200,7 +15205,7 @@
         </p:blipFill>
         <p:spPr>
           <a:xfrm>
-            <a:off x="0" y="580163"/>
+            <a:off x="0" y="610115"/>
             <a:ext cx="12192000" cy="5697673"/>
           </a:xfrm>
           <a:prstGeom prst="rect">
@@ -15208,6 +15213,591 @@
           </a:prstGeom>
         </p:spPr>
       </p:pic>
+      <p:sp>
+        <p:nvSpPr>
+          <p:cNvPr id="3" name="Obdĺžnik 2">
+            <a:extLst>
+              <a:ext uri="{FF2B5EF4-FFF2-40B4-BE49-F238E27FC236}">
+                <a16:creationId xmlns:a16="http://schemas.microsoft.com/office/drawing/2014/main" id="{C67FD631-4EA9-4F43-ADD0-F8539C07956F}"/>
+              </a:ext>
+            </a:extLst>
+          </p:cNvPr>
+          <p:cNvSpPr/>
+          <p:nvPr/>
+        </p:nvSpPr>
+        <p:spPr>
+          <a:xfrm>
+            <a:off x="1703147" y="0"/>
+            <a:ext cx="8318461" cy="580163"/>
+          </a:xfrm>
+          <a:prstGeom prst="rect">
+            <a:avLst/>
+          </a:prstGeom>
+          <a:ln/>
+        </p:spPr>
+        <p:style>
+          <a:lnRef idx="2">
+            <a:schemeClr val="accent6"/>
+          </a:lnRef>
+          <a:fillRef idx="1">
+            <a:schemeClr val="lt1"/>
+          </a:fillRef>
+          <a:effectRef idx="0">
+            <a:schemeClr val="accent6"/>
+          </a:effectRef>
+          <a:fontRef idx="minor">
+            <a:schemeClr val="dk1"/>
+          </a:fontRef>
+        </p:style>
+        <p:txBody>
+          <a:bodyPr rtlCol="0" anchor="ctr"/>
+          <a:lstStyle/>
+          <a:p>
+            <a:pPr algn="ctr"/>
+            <a:r>
+              <a:rPr lang="sk-SK" dirty="0">
+                <a:solidFill>
+                  <a:srgbClr val="FF0000"/>
+                </a:solidFill>
+              </a:rPr>
+              <a:t>Podstránka „Nastavenie SKU“ –správa </a:t>
+            </a:r>
+            <a:r>
+              <a:rPr lang="sk-SK" dirty="0" err="1">
+                <a:solidFill>
+                  <a:srgbClr val="FF0000"/>
+                </a:solidFill>
+              </a:rPr>
+              <a:t>prebaľovacích</a:t>
+            </a:r>
+            <a:r>
+              <a:rPr lang="sk-SK" dirty="0">
+                <a:solidFill>
+                  <a:srgbClr val="FF0000"/>
+                </a:solidFill>
+              </a:rPr>
+              <a:t> štandardov.</a:t>
+            </a:r>
+          </a:p>
+        </p:txBody>
+      </p:sp>
+      <p:sp>
+        <p:nvSpPr>
+          <p:cNvPr id="6" name="Obdĺžnik 5">
+            <a:extLst>
+              <a:ext uri="{FF2B5EF4-FFF2-40B4-BE49-F238E27FC236}">
+                <a16:creationId xmlns:a16="http://schemas.microsoft.com/office/drawing/2014/main" id="{C8EC0A74-337D-4030-BA3C-F4DA4CCF83D0}"/>
+              </a:ext>
+            </a:extLst>
+          </p:cNvPr>
+          <p:cNvSpPr/>
+          <p:nvPr/>
+        </p:nvSpPr>
+        <p:spPr>
+          <a:xfrm>
+            <a:off x="9166884" y="3541986"/>
+            <a:ext cx="1797269" cy="987973"/>
+          </a:xfrm>
+          <a:prstGeom prst="rect">
+            <a:avLst/>
+          </a:prstGeom>
+          <a:ln/>
+        </p:spPr>
+        <p:style>
+          <a:lnRef idx="2">
+            <a:schemeClr val="accent6"/>
+          </a:lnRef>
+          <a:fillRef idx="1">
+            <a:schemeClr val="lt1"/>
+          </a:fillRef>
+          <a:effectRef idx="0">
+            <a:schemeClr val="accent6"/>
+          </a:effectRef>
+          <a:fontRef idx="minor">
+            <a:schemeClr val="dk1"/>
+          </a:fontRef>
+        </p:style>
+        <p:txBody>
+          <a:bodyPr rtlCol="0" anchor="ctr"/>
+          <a:lstStyle/>
+          <a:p>
+            <a:pPr algn="ctr"/>
+            <a:r>
+              <a:rPr lang="sk-SK" dirty="0">
+                <a:solidFill>
+                  <a:srgbClr val="FF0000"/>
+                </a:solidFill>
+              </a:rPr>
+              <a:t>Tlačidlo na exportovanie štandardu/</a:t>
+            </a:r>
+            <a:r>
+              <a:rPr lang="sk-SK" dirty="0" err="1">
+                <a:solidFill>
+                  <a:srgbClr val="FF0000"/>
+                </a:solidFill>
+              </a:rPr>
+              <a:t>ou</a:t>
+            </a:r>
+            <a:endParaRPr lang="sk-SK" dirty="0">
+              <a:solidFill>
+                <a:srgbClr val="FF0000"/>
+              </a:solidFill>
+            </a:endParaRPr>
+          </a:p>
+        </p:txBody>
+      </p:sp>
+      <p:sp>
+        <p:nvSpPr>
+          <p:cNvPr id="7" name="Obdĺžnik 6">
+            <a:extLst>
+              <a:ext uri="{FF2B5EF4-FFF2-40B4-BE49-F238E27FC236}">
+                <a16:creationId xmlns:a16="http://schemas.microsoft.com/office/drawing/2014/main" id="{D9357A48-8736-4D23-83E6-CCB288A6DFBD}"/>
+              </a:ext>
+            </a:extLst>
+          </p:cNvPr>
+          <p:cNvSpPr/>
+          <p:nvPr/>
+        </p:nvSpPr>
+        <p:spPr>
+          <a:xfrm>
+            <a:off x="9827172" y="4740166"/>
+            <a:ext cx="1860331" cy="1507719"/>
+          </a:xfrm>
+          <a:prstGeom prst="rect">
+            <a:avLst/>
+          </a:prstGeom>
+          <a:ln/>
+        </p:spPr>
+        <p:style>
+          <a:lnRef idx="2">
+            <a:schemeClr val="accent6"/>
+          </a:lnRef>
+          <a:fillRef idx="1">
+            <a:schemeClr val="lt1"/>
+          </a:fillRef>
+          <a:effectRef idx="0">
+            <a:schemeClr val="accent6"/>
+          </a:effectRef>
+          <a:fontRef idx="minor">
+            <a:schemeClr val="dk1"/>
+          </a:fontRef>
+        </p:style>
+        <p:txBody>
+          <a:bodyPr rtlCol="0" anchor="ctr"/>
+          <a:lstStyle/>
+          <a:p>
+            <a:pPr algn="ctr"/>
+            <a:r>
+              <a:rPr lang="sk-SK" dirty="0">
+                <a:solidFill>
+                  <a:srgbClr val="FF0000"/>
+                </a:solidFill>
+              </a:rPr>
+              <a:t>Tlačidlo na pridanie nového štandardu</a:t>
+            </a:r>
+          </a:p>
+        </p:txBody>
+      </p:sp>
+      <p:sp>
+        <p:nvSpPr>
+          <p:cNvPr id="8" name="Obdĺžnik 7">
+            <a:extLst>
+              <a:ext uri="{FF2B5EF4-FFF2-40B4-BE49-F238E27FC236}">
+                <a16:creationId xmlns:a16="http://schemas.microsoft.com/office/drawing/2014/main" id="{FE4163EA-BC19-4477-8BFE-387850794D6C}"/>
+              </a:ext>
+            </a:extLst>
+          </p:cNvPr>
+          <p:cNvSpPr/>
+          <p:nvPr/>
+        </p:nvSpPr>
+        <p:spPr>
+          <a:xfrm>
+            <a:off x="388883" y="3748353"/>
+            <a:ext cx="1732405" cy="1745672"/>
+          </a:xfrm>
+          <a:prstGeom prst="rect">
+            <a:avLst/>
+          </a:prstGeom>
+          <a:ln/>
+        </p:spPr>
+        <p:style>
+          <a:lnRef idx="2">
+            <a:schemeClr val="accent6"/>
+          </a:lnRef>
+          <a:fillRef idx="1">
+            <a:schemeClr val="lt1"/>
+          </a:fillRef>
+          <a:effectRef idx="0">
+            <a:schemeClr val="accent6"/>
+          </a:effectRef>
+          <a:fontRef idx="minor">
+            <a:schemeClr val="dk1"/>
+          </a:fontRef>
+        </p:style>
+        <p:txBody>
+          <a:bodyPr rtlCol="0" anchor="ctr"/>
+          <a:lstStyle/>
+          <a:p>
+            <a:pPr algn="ctr"/>
+            <a:r>
+              <a:rPr lang="sk-SK" dirty="0">
+                <a:solidFill>
+                  <a:srgbClr val="FF0000"/>
+                </a:solidFill>
+              </a:rPr>
+              <a:t>Filter na filtrovanie štandardov podľa zvoleného filtra</a:t>
+            </a:r>
+          </a:p>
+        </p:txBody>
+      </p:sp>
+      <p:cxnSp>
+        <p:nvCxnSpPr>
+          <p:cNvPr id="14" name="Rovná spojovacia šípka 13">
+            <a:extLst>
+              <a:ext uri="{FF2B5EF4-FFF2-40B4-BE49-F238E27FC236}">
+                <a16:creationId xmlns:a16="http://schemas.microsoft.com/office/drawing/2014/main" id="{9C95CA91-7F78-471D-9994-FDFA935CE45F}"/>
+              </a:ext>
+            </a:extLst>
+          </p:cNvPr>
+          <p:cNvCxnSpPr>
+            <a:cxnSpLocks/>
+          </p:cNvCxnSpPr>
+          <p:nvPr/>
+        </p:nvCxnSpPr>
+        <p:spPr>
+          <a:xfrm flipH="1" flipV="1">
+            <a:off x="180109" y="3879273"/>
+            <a:ext cx="208774" cy="429491"/>
+          </a:xfrm>
+          <a:prstGeom prst="straightConnector1">
+            <a:avLst/>
+          </a:prstGeom>
+          <a:ln>
+            <a:tailEnd type="triangle"/>
+          </a:ln>
+        </p:spPr>
+        <p:style>
+          <a:lnRef idx="1">
+            <a:schemeClr val="accent6"/>
+          </a:lnRef>
+          <a:fillRef idx="0">
+            <a:schemeClr val="accent6"/>
+          </a:fillRef>
+          <a:effectRef idx="0">
+            <a:schemeClr val="accent6"/>
+          </a:effectRef>
+          <a:fontRef idx="minor">
+            <a:schemeClr val="tx1"/>
+          </a:fontRef>
+        </p:style>
+      </p:cxnSp>
+      <p:cxnSp>
+        <p:nvCxnSpPr>
+          <p:cNvPr id="17" name="Rovná spojovacia šípka 16">
+            <a:extLst>
+              <a:ext uri="{FF2B5EF4-FFF2-40B4-BE49-F238E27FC236}">
+                <a16:creationId xmlns:a16="http://schemas.microsoft.com/office/drawing/2014/main" id="{49B1424E-F988-4AC8-8FE9-362985FDB355}"/>
+              </a:ext>
+            </a:extLst>
+          </p:cNvPr>
+          <p:cNvCxnSpPr>
+            <a:cxnSpLocks/>
+          </p:cNvCxnSpPr>
+          <p:nvPr/>
+        </p:nvCxnSpPr>
+        <p:spPr>
+          <a:xfrm flipV="1">
+            <a:off x="180109" y="1803315"/>
+            <a:ext cx="0" cy="2157238"/>
+          </a:xfrm>
+          <a:prstGeom prst="straightConnector1">
+            <a:avLst/>
+          </a:prstGeom>
+          <a:ln>
+            <a:tailEnd type="triangle"/>
+          </a:ln>
+        </p:spPr>
+        <p:style>
+          <a:lnRef idx="1">
+            <a:schemeClr val="accent6"/>
+          </a:lnRef>
+          <a:fillRef idx="0">
+            <a:schemeClr val="accent6"/>
+          </a:fillRef>
+          <a:effectRef idx="0">
+            <a:schemeClr val="accent6"/>
+          </a:effectRef>
+          <a:fontRef idx="minor">
+            <a:schemeClr val="tx1"/>
+          </a:fontRef>
+        </p:style>
+      </p:cxnSp>
+      <p:cxnSp>
+        <p:nvCxnSpPr>
+          <p:cNvPr id="21" name="Rovná spojovacia šípka 20">
+            <a:extLst>
+              <a:ext uri="{FF2B5EF4-FFF2-40B4-BE49-F238E27FC236}">
+                <a16:creationId xmlns:a16="http://schemas.microsoft.com/office/drawing/2014/main" id="{B7C8E0DB-38BF-437D-BD23-AC0B6B04541D}"/>
+              </a:ext>
+            </a:extLst>
+          </p:cNvPr>
+          <p:cNvCxnSpPr/>
+          <p:nvPr/>
+        </p:nvCxnSpPr>
+        <p:spPr>
+          <a:xfrm flipV="1">
+            <a:off x="180109" y="1534160"/>
+            <a:ext cx="317731" cy="274320"/>
+          </a:xfrm>
+          <a:prstGeom prst="straightConnector1">
+            <a:avLst/>
+          </a:prstGeom>
+          <a:ln>
+            <a:tailEnd type="triangle"/>
+          </a:ln>
+        </p:spPr>
+        <p:style>
+          <a:lnRef idx="1">
+            <a:schemeClr val="accent6"/>
+          </a:lnRef>
+          <a:fillRef idx="0">
+            <a:schemeClr val="accent6"/>
+          </a:fillRef>
+          <a:effectRef idx="0">
+            <a:schemeClr val="accent6"/>
+          </a:effectRef>
+          <a:fontRef idx="minor">
+            <a:schemeClr val="tx1"/>
+          </a:fontRef>
+        </p:style>
+      </p:cxnSp>
+      <p:sp>
+        <p:nvSpPr>
+          <p:cNvPr id="22" name="Obdĺžnik 21">
+            <a:extLst>
+              <a:ext uri="{FF2B5EF4-FFF2-40B4-BE49-F238E27FC236}">
+                <a16:creationId xmlns:a16="http://schemas.microsoft.com/office/drawing/2014/main" id="{0F06B1AE-C4FB-4896-A059-CBE19EF6F7ED}"/>
+              </a:ext>
+            </a:extLst>
+          </p:cNvPr>
+          <p:cNvSpPr/>
+          <p:nvPr/>
+        </p:nvSpPr>
+        <p:spPr>
+          <a:xfrm>
+            <a:off x="2330061" y="3960553"/>
+            <a:ext cx="4244359" cy="2818886"/>
+          </a:xfrm>
+          <a:prstGeom prst="rect">
+            <a:avLst/>
+          </a:prstGeom>
+          <a:ln/>
+        </p:spPr>
+        <p:style>
+          <a:lnRef idx="2">
+            <a:schemeClr val="accent6"/>
+          </a:lnRef>
+          <a:fillRef idx="1">
+            <a:schemeClr val="lt1"/>
+          </a:fillRef>
+          <a:effectRef idx="0">
+            <a:schemeClr val="accent6"/>
+          </a:effectRef>
+          <a:fontRef idx="minor">
+            <a:schemeClr val="dk1"/>
+          </a:fontRef>
+        </p:style>
+        <p:txBody>
+          <a:bodyPr rtlCol="0" anchor="ctr"/>
+          <a:lstStyle/>
+          <a:p>
+            <a:pPr rtl="0" fontAlgn="base">
+              <a:spcBef>
+                <a:spcPts val="0"/>
+              </a:spcBef>
+              <a:spcAft>
+                <a:spcPts val="0"/>
+              </a:spcAft>
+            </a:pPr>
+            <a:r>
+              <a:rPr lang="sk-SK" dirty="0">
+                <a:solidFill>
+                  <a:srgbClr val="FF0000"/>
+                </a:solidFill>
+              </a:rPr>
+              <a:t>Tabuľka so štandardmi. Každý riadok tabuľky popisuje daný štandard </a:t>
+            </a:r>
+            <a:r>
+              <a:rPr lang="sk-SK" dirty="0" err="1">
+                <a:solidFill>
+                  <a:srgbClr val="FF0000"/>
+                </a:solidFill>
+              </a:rPr>
+              <a:t>tj</a:t>
+            </a:r>
+            <a:r>
+              <a:rPr lang="sk-SK" dirty="0">
+                <a:solidFill>
+                  <a:srgbClr val="FF0000"/>
+                </a:solidFill>
+              </a:rPr>
+              <a:t>. SKU kód, COFOR kód, dodávateľ, destinácia, počet kusov vo vstupnom balení, počet kusov vo výstupnom obale, </a:t>
+            </a:r>
+            <a:r>
+              <a:rPr lang="sk-SK" sz="1800" b="0" i="0" u="none" strike="noStrike" dirty="0">
+                <a:solidFill>
+                  <a:srgbClr val="FF0000"/>
+                </a:solidFill>
+                <a:effectLst/>
+                <a:latin typeface="Georgia" panose="02040502050405020303" pitchFamily="18" charset="0"/>
+              </a:rPr>
+              <a:t>počet boxov na vstupnej palete (číslo),</a:t>
+            </a:r>
+            <a:br>
+              <a:rPr lang="sk-SK" sz="1800" b="0" i="0" u="none" strike="noStrike" dirty="0">
+                <a:solidFill>
+                  <a:srgbClr val="FF0000"/>
+                </a:solidFill>
+                <a:effectLst/>
+                <a:latin typeface="Georgia" panose="02040502050405020303" pitchFamily="18" charset="0"/>
+              </a:rPr>
+            </a:br>
+            <a:r>
+              <a:rPr lang="sk-SK" sz="1800" b="0" i="0" u="none" strike="noStrike" dirty="0">
+                <a:solidFill>
+                  <a:srgbClr val="FF0000"/>
+                </a:solidFill>
+                <a:effectLst/>
+                <a:latin typeface="Georgia" panose="02040502050405020303" pitchFamily="18" charset="0"/>
+              </a:rPr>
+              <a:t> atď. viď „Katalóg požiadaviek“ kapitola 3.3.3 Popis štandardu.</a:t>
+            </a:r>
+          </a:p>
+          <a:p>
+            <a:pPr algn="ctr"/>
+            <a:endParaRPr lang="sk-SK" dirty="0"/>
+          </a:p>
+        </p:txBody>
+      </p:sp>
+      <p:cxnSp>
+        <p:nvCxnSpPr>
+          <p:cNvPr id="24" name="Rovná spojovacia šípka 23">
+            <a:extLst>
+              <a:ext uri="{FF2B5EF4-FFF2-40B4-BE49-F238E27FC236}">
+                <a16:creationId xmlns:a16="http://schemas.microsoft.com/office/drawing/2014/main" id="{D31A8179-E404-4D1B-9031-4129E94132B5}"/>
+              </a:ext>
+            </a:extLst>
+          </p:cNvPr>
+          <p:cNvCxnSpPr>
+            <a:cxnSpLocks/>
+          </p:cNvCxnSpPr>
+          <p:nvPr/>
+        </p:nvCxnSpPr>
+        <p:spPr>
+          <a:xfrm flipV="1">
+            <a:off x="3622876" y="3429000"/>
+            <a:ext cx="0" cy="531554"/>
+          </a:xfrm>
+          <a:prstGeom prst="straightConnector1">
+            <a:avLst/>
+          </a:prstGeom>
+          <a:ln>
+            <a:tailEnd type="triangle"/>
+          </a:ln>
+        </p:spPr>
+        <p:style>
+          <a:lnRef idx="1">
+            <a:schemeClr val="accent6"/>
+          </a:lnRef>
+          <a:fillRef idx="0">
+            <a:schemeClr val="accent6"/>
+          </a:fillRef>
+          <a:effectRef idx="0">
+            <a:schemeClr val="accent6"/>
+          </a:effectRef>
+          <a:fontRef idx="minor">
+            <a:schemeClr val="tx1"/>
+          </a:fontRef>
+        </p:style>
+      </p:cxnSp>
+      <p:cxnSp>
+        <p:nvCxnSpPr>
+          <p:cNvPr id="27" name="Rovná spojovacia šípka 26">
+            <a:extLst>
+              <a:ext uri="{FF2B5EF4-FFF2-40B4-BE49-F238E27FC236}">
+                <a16:creationId xmlns:a16="http://schemas.microsoft.com/office/drawing/2014/main" id="{480536C9-4AC1-493B-8944-7CCFD3C3F94A}"/>
+              </a:ext>
+            </a:extLst>
+          </p:cNvPr>
+          <p:cNvCxnSpPr/>
+          <p:nvPr/>
+        </p:nvCxnSpPr>
+        <p:spPr>
+          <a:xfrm flipV="1">
+            <a:off x="10370916" y="1803315"/>
+            <a:ext cx="405114" cy="1738671"/>
+          </a:xfrm>
+          <a:prstGeom prst="straightConnector1">
+            <a:avLst/>
+          </a:prstGeom>
+          <a:ln>
+            <a:tailEnd type="triangle"/>
+          </a:ln>
+        </p:spPr>
+        <p:style>
+          <a:lnRef idx="1">
+            <a:schemeClr val="accent6"/>
+          </a:lnRef>
+          <a:fillRef idx="0">
+            <a:schemeClr val="accent6"/>
+          </a:fillRef>
+          <a:effectRef idx="0">
+            <a:schemeClr val="accent6"/>
+          </a:effectRef>
+          <a:fontRef idx="minor">
+            <a:schemeClr val="tx1"/>
+          </a:fontRef>
+        </p:style>
+      </p:cxnSp>
+      <p:cxnSp>
+        <p:nvCxnSpPr>
+          <p:cNvPr id="29" name="Rovná spojovacia šípka 28">
+            <a:extLst>
+              <a:ext uri="{FF2B5EF4-FFF2-40B4-BE49-F238E27FC236}">
+                <a16:creationId xmlns:a16="http://schemas.microsoft.com/office/drawing/2014/main" id="{CD4D6456-FF03-421E-A461-48845070B01A}"/>
+              </a:ext>
+            </a:extLst>
+          </p:cNvPr>
+          <p:cNvCxnSpPr/>
+          <p:nvPr/>
+        </p:nvCxnSpPr>
+        <p:spPr>
+          <a:xfrm flipV="1">
+            <a:off x="11273742" y="1803315"/>
+            <a:ext cx="104172" cy="2936851"/>
+          </a:xfrm>
+          <a:prstGeom prst="straightConnector1">
+            <a:avLst/>
+          </a:prstGeom>
+          <a:ln>
+            <a:tailEnd type="triangle"/>
+          </a:ln>
+        </p:spPr>
+        <p:style>
+          <a:lnRef idx="1">
+            <a:schemeClr val="accent6"/>
+          </a:lnRef>
+          <a:fillRef idx="0">
+            <a:schemeClr val="accent6"/>
+          </a:fillRef>
+          <a:effectRef idx="0">
+            <a:schemeClr val="accent6"/>
+          </a:effectRef>
+          <a:fontRef idx="minor">
+            <a:schemeClr val="tx1"/>
+          </a:fontRef>
+        </p:style>
+      </p:cxnSp>
     </p:spTree>
     <p:extLst>
       <p:ext uri="{BB962C8B-B14F-4D97-AF65-F5344CB8AC3E}">
@@ -15308,7 +15898,7 @@
                 <a:tabLst/>
                 <a:defRPr/>
               </a:pPr>
-              <a:t>8. 10. 2021</a:t>
+              <a:t>2. 11. 2021</a:t>
             </a:fld>
             <a:endParaRPr kumimoji="0" lang="fr-FR" sz="1000" b="0" i="0" u="none" strike="noStrike" kern="1200" cap="none" spc="0" normalizeH="0" baseline="0" noProof="0" dirty="0">
               <a:ln>
@@ -15444,7 +16034,7 @@
         </p:blipFill>
         <p:spPr>
           <a:xfrm>
-            <a:off x="0" y="580163"/>
+            <a:off x="23142" y="463750"/>
             <a:ext cx="12192000" cy="5697673"/>
           </a:xfrm>
           <a:prstGeom prst="rect">
@@ -15452,6 +16042,253 @@
           </a:prstGeom>
         </p:spPr>
       </p:pic>
+      <p:sp>
+        <p:nvSpPr>
+          <p:cNvPr id="4" name="Obdĺžnik 3">
+            <a:extLst>
+              <a:ext uri="{FF2B5EF4-FFF2-40B4-BE49-F238E27FC236}">
+                <a16:creationId xmlns:a16="http://schemas.microsoft.com/office/drawing/2014/main" id="{A31598E8-F5A3-422C-89F1-3F10282992FA}"/>
+              </a:ext>
+            </a:extLst>
+          </p:cNvPr>
+          <p:cNvSpPr/>
+          <p:nvPr/>
+        </p:nvSpPr>
+        <p:spPr>
+          <a:xfrm>
+            <a:off x="544010" y="3981690"/>
+            <a:ext cx="5683170" cy="2176041"/>
+          </a:xfrm>
+          <a:prstGeom prst="rect">
+            <a:avLst/>
+          </a:prstGeom>
+          <a:ln/>
+        </p:spPr>
+        <p:style>
+          <a:lnRef idx="2">
+            <a:schemeClr val="accent6"/>
+          </a:lnRef>
+          <a:fillRef idx="1">
+            <a:schemeClr val="lt1"/>
+          </a:fillRef>
+          <a:effectRef idx="0">
+            <a:schemeClr val="accent6"/>
+          </a:effectRef>
+          <a:fontRef idx="minor">
+            <a:schemeClr val="dk1"/>
+          </a:fontRef>
+        </p:style>
+        <p:txBody>
+          <a:bodyPr rtlCol="0" anchor="ctr"/>
+          <a:lstStyle/>
+          <a:p>
+            <a:pPr algn="ctr"/>
+            <a:r>
+              <a:rPr lang="sk-SK" dirty="0">
+                <a:solidFill>
+                  <a:srgbClr val="FF0000"/>
+                </a:solidFill>
+              </a:rPr>
+              <a:t>Po stlačení filtra sa nám zobrazí ponuka, podľa čoho chceme vyhľadávať. Keď sme navolili podľa čoho chceme vyhľadať stlačíme tlačidlo</a:t>
+            </a:r>
+          </a:p>
+          <a:p>
+            <a:pPr algn="ctr"/>
+            <a:endParaRPr lang="sk-SK" dirty="0">
+              <a:solidFill>
+                <a:srgbClr val="FF0000"/>
+              </a:solidFill>
+            </a:endParaRPr>
+          </a:p>
+          <a:p>
+            <a:pPr algn="ctr"/>
+            <a:r>
+              <a:rPr lang="sk-SK" dirty="0">
+                <a:solidFill>
+                  <a:srgbClr val="FF0000"/>
+                </a:solidFill>
+              </a:rPr>
+              <a:t> „</a:t>
+            </a:r>
+            <a:r>
+              <a:rPr lang="sk-SK" dirty="0" err="1">
+                <a:solidFill>
+                  <a:srgbClr val="0070C0"/>
+                </a:solidFill>
+              </a:rPr>
+              <a:t>Vyhladať</a:t>
+            </a:r>
+            <a:r>
+              <a:rPr lang="sk-SK" dirty="0">
+                <a:solidFill>
+                  <a:srgbClr val="FF0000"/>
+                </a:solidFill>
+              </a:rPr>
+              <a:t>“ vpravo dole patriac k filtru. </a:t>
+            </a:r>
+          </a:p>
+          <a:p>
+            <a:pPr algn="ctr"/>
+            <a:endParaRPr lang="sk-SK" dirty="0">
+              <a:solidFill>
+                <a:srgbClr val="FF0000"/>
+              </a:solidFill>
+            </a:endParaRPr>
+          </a:p>
+          <a:p>
+            <a:pPr algn="ctr"/>
+            <a:r>
+              <a:rPr lang="sk-SK" dirty="0" err="1">
+                <a:solidFill>
+                  <a:srgbClr val="FF0000"/>
+                </a:solidFill>
+              </a:rPr>
+              <a:t>Ked</a:t>
+            </a:r>
+            <a:r>
+              <a:rPr lang="sk-SK" dirty="0">
+                <a:solidFill>
+                  <a:srgbClr val="FF0000"/>
+                </a:solidFill>
+              </a:rPr>
+              <a:t> chceme zmazať filter stlačíme „</a:t>
+            </a:r>
+            <a:r>
+              <a:rPr lang="sk-SK" dirty="0">
+                <a:solidFill>
+                  <a:srgbClr val="00B050"/>
+                </a:solidFill>
+              </a:rPr>
+              <a:t>Vymazať</a:t>
+            </a:r>
+            <a:r>
+              <a:rPr lang="sk-SK" dirty="0">
+                <a:solidFill>
+                  <a:srgbClr val="FF0000"/>
+                </a:solidFill>
+              </a:rPr>
+              <a:t>“</a:t>
+            </a:r>
+          </a:p>
+        </p:txBody>
+      </p:sp>
+      <p:cxnSp>
+        <p:nvCxnSpPr>
+          <p:cNvPr id="7" name="Rovná spojovacia šípka 6">
+            <a:extLst>
+              <a:ext uri="{FF2B5EF4-FFF2-40B4-BE49-F238E27FC236}">
+                <a16:creationId xmlns:a16="http://schemas.microsoft.com/office/drawing/2014/main" id="{5E702F4F-FEC6-4AAE-9B28-3F03BA7048F2}"/>
+              </a:ext>
+            </a:extLst>
+          </p:cNvPr>
+          <p:cNvCxnSpPr/>
+          <p:nvPr/>
+        </p:nvCxnSpPr>
+        <p:spPr>
+          <a:xfrm flipH="1" flipV="1">
+            <a:off x="3588152" y="1724628"/>
+            <a:ext cx="231494" cy="2245488"/>
+          </a:xfrm>
+          <a:prstGeom prst="straightConnector1">
+            <a:avLst/>
+          </a:prstGeom>
+          <a:ln>
+            <a:tailEnd type="triangle"/>
+          </a:ln>
+        </p:spPr>
+        <p:style>
+          <a:lnRef idx="1">
+            <a:schemeClr val="accent6"/>
+          </a:lnRef>
+          <a:fillRef idx="0">
+            <a:schemeClr val="accent6"/>
+          </a:fillRef>
+          <a:effectRef idx="0">
+            <a:schemeClr val="accent6"/>
+          </a:effectRef>
+          <a:fontRef idx="minor">
+            <a:schemeClr val="tx1"/>
+          </a:fontRef>
+        </p:style>
+      </p:cxnSp>
+      <p:cxnSp>
+        <p:nvCxnSpPr>
+          <p:cNvPr id="9" name="Rovná spojovacia šípka 8">
+            <a:extLst>
+              <a:ext uri="{FF2B5EF4-FFF2-40B4-BE49-F238E27FC236}">
+                <a16:creationId xmlns:a16="http://schemas.microsoft.com/office/drawing/2014/main" id="{60D60ECC-B9FF-4111-84EB-393D46D9B87B}"/>
+              </a:ext>
+            </a:extLst>
+          </p:cNvPr>
+          <p:cNvCxnSpPr/>
+          <p:nvPr/>
+        </p:nvCxnSpPr>
+        <p:spPr>
+          <a:xfrm flipV="1">
+            <a:off x="5301205" y="1724628"/>
+            <a:ext cx="6180881" cy="3646025"/>
+          </a:xfrm>
+          <a:prstGeom prst="straightConnector1">
+            <a:avLst/>
+          </a:prstGeom>
+          <a:ln>
+            <a:tailEnd type="triangle"/>
+          </a:ln>
+        </p:spPr>
+        <p:style>
+          <a:lnRef idx="2">
+            <a:schemeClr val="accent1"/>
+          </a:lnRef>
+          <a:fillRef idx="0">
+            <a:schemeClr val="accent1"/>
+          </a:fillRef>
+          <a:effectRef idx="1">
+            <a:schemeClr val="accent1"/>
+          </a:effectRef>
+          <a:fontRef idx="minor">
+            <a:schemeClr val="tx1"/>
+          </a:fontRef>
+        </p:style>
+      </p:cxnSp>
+      <p:cxnSp>
+        <p:nvCxnSpPr>
+          <p:cNvPr id="11" name="Rovná spojovacia šípka 10">
+            <a:extLst>
+              <a:ext uri="{FF2B5EF4-FFF2-40B4-BE49-F238E27FC236}">
+                <a16:creationId xmlns:a16="http://schemas.microsoft.com/office/drawing/2014/main" id="{338FAF00-FDB8-42D7-AD67-ACD05E11F7BC}"/>
+              </a:ext>
+            </a:extLst>
+          </p:cNvPr>
+          <p:cNvCxnSpPr/>
+          <p:nvPr/>
+        </p:nvCxnSpPr>
+        <p:spPr>
+          <a:xfrm flipV="1">
+            <a:off x="5798916" y="1724628"/>
+            <a:ext cx="5000264" cy="4178461"/>
+          </a:xfrm>
+          <a:prstGeom prst="straightConnector1">
+            <a:avLst/>
+          </a:prstGeom>
+          <a:ln>
+            <a:tailEnd type="triangle"/>
+          </a:ln>
+        </p:spPr>
+        <p:style>
+          <a:lnRef idx="1">
+            <a:schemeClr val="accent6"/>
+          </a:lnRef>
+          <a:fillRef idx="0">
+            <a:schemeClr val="accent6"/>
+          </a:fillRef>
+          <a:effectRef idx="0">
+            <a:schemeClr val="accent6"/>
+          </a:effectRef>
+          <a:fontRef idx="minor">
+            <a:schemeClr val="tx1"/>
+          </a:fontRef>
+        </p:style>
+      </p:cxnSp>
     </p:spTree>
     <p:extLst>
       <p:ext uri="{BB962C8B-B14F-4D97-AF65-F5344CB8AC3E}">
@@ -15552,7 +16389,7 @@
                 <a:tabLst/>
                 <a:defRPr/>
               </a:pPr>
-              <a:t>8. 10. 2021</a:t>
+              <a:t>2. 11. 2021</a:t>
             </a:fld>
             <a:endParaRPr kumimoji="0" lang="fr-FR" sz="1000" b="0" i="0" u="none" strike="noStrike" kern="1200" cap="none" spc="0" normalizeH="0" baseline="0" noProof="0" dirty="0">
               <a:ln>
@@ -15696,6 +16533,136 @@
           </a:prstGeom>
         </p:spPr>
       </p:pic>
+      <p:sp>
+        <p:nvSpPr>
+          <p:cNvPr id="4" name="Obdĺžnik 3">
+            <a:extLst>
+              <a:ext uri="{FF2B5EF4-FFF2-40B4-BE49-F238E27FC236}">
+                <a16:creationId xmlns:a16="http://schemas.microsoft.com/office/drawing/2014/main" id="{EE93FD8A-9171-4025-AC37-2A12E7A406AF}"/>
+              </a:ext>
+            </a:extLst>
+          </p:cNvPr>
+          <p:cNvSpPr/>
+          <p:nvPr/>
+        </p:nvSpPr>
+        <p:spPr>
+          <a:xfrm>
+            <a:off x="8843058" y="2488557"/>
+            <a:ext cx="3125165" cy="1504709"/>
+          </a:xfrm>
+          <a:prstGeom prst="rect">
+            <a:avLst/>
+          </a:prstGeom>
+          <a:ln/>
+        </p:spPr>
+        <p:style>
+          <a:lnRef idx="2">
+            <a:schemeClr val="accent6"/>
+          </a:lnRef>
+          <a:fillRef idx="1">
+            <a:schemeClr val="lt1"/>
+          </a:fillRef>
+          <a:effectRef idx="0">
+            <a:schemeClr val="accent6"/>
+          </a:effectRef>
+          <a:fontRef idx="minor">
+            <a:schemeClr val="dk1"/>
+          </a:fontRef>
+        </p:style>
+        <p:txBody>
+          <a:bodyPr rtlCol="0" anchor="ctr"/>
+          <a:lstStyle/>
+          <a:p>
+            <a:pPr algn="ctr"/>
+            <a:r>
+              <a:rPr lang="sk-SK" dirty="0">
+                <a:solidFill>
+                  <a:srgbClr val="FF0000"/>
+                </a:solidFill>
+              </a:rPr>
+              <a:t>Po stlačení tlačidla „Pridať nový“ nám vybehne okno na pridanie nového štandardu. Kde treba vyplniť potrebné údaje nového štandardu.</a:t>
+            </a:r>
+          </a:p>
+        </p:txBody>
+      </p:sp>
+      <p:cxnSp>
+        <p:nvCxnSpPr>
+          <p:cNvPr id="7" name="Rovná spojovacia šípka 6">
+            <a:extLst>
+              <a:ext uri="{FF2B5EF4-FFF2-40B4-BE49-F238E27FC236}">
+                <a16:creationId xmlns:a16="http://schemas.microsoft.com/office/drawing/2014/main" id="{6D50C413-9963-43C5-AE6C-4F46D4D03EBB}"/>
+              </a:ext>
+            </a:extLst>
+          </p:cNvPr>
+          <p:cNvCxnSpPr/>
+          <p:nvPr/>
+        </p:nvCxnSpPr>
+        <p:spPr>
+          <a:xfrm flipV="1">
+            <a:off x="11076972" y="2141316"/>
+            <a:ext cx="208344" cy="347241"/>
+          </a:xfrm>
+          <a:prstGeom prst="straightConnector1">
+            <a:avLst/>
+          </a:prstGeom>
+          <a:ln>
+            <a:tailEnd type="triangle"/>
+          </a:ln>
+        </p:spPr>
+        <p:style>
+          <a:lnRef idx="2">
+            <a:schemeClr val="accent6"/>
+          </a:lnRef>
+          <a:fillRef idx="0">
+            <a:schemeClr val="accent6"/>
+          </a:fillRef>
+          <a:effectRef idx="1">
+            <a:schemeClr val="accent6"/>
+          </a:effectRef>
+          <a:fontRef idx="minor">
+            <a:schemeClr val="tx1"/>
+          </a:fontRef>
+        </p:style>
+      </p:cxnSp>
+      <p:cxnSp>
+        <p:nvCxnSpPr>
+          <p:cNvPr id="9" name="Rovná spojovacia šípka 8">
+            <a:extLst>
+              <a:ext uri="{FF2B5EF4-FFF2-40B4-BE49-F238E27FC236}">
+                <a16:creationId xmlns:a16="http://schemas.microsoft.com/office/drawing/2014/main" id="{F90ECF27-FA23-4FEB-9A9F-05FF15CB6CC8}"/>
+              </a:ext>
+            </a:extLst>
+          </p:cNvPr>
+          <p:cNvCxnSpPr/>
+          <p:nvPr/>
+        </p:nvCxnSpPr>
+        <p:spPr>
+          <a:xfrm flipH="1">
+            <a:off x="8252749" y="3784922"/>
+            <a:ext cx="590309" cy="92597"/>
+          </a:xfrm>
+          <a:prstGeom prst="straightConnector1">
+            <a:avLst/>
+          </a:prstGeom>
+          <a:ln>
+            <a:tailEnd type="triangle"/>
+          </a:ln>
+        </p:spPr>
+        <p:style>
+          <a:lnRef idx="2">
+            <a:schemeClr val="accent6"/>
+          </a:lnRef>
+          <a:fillRef idx="0">
+            <a:schemeClr val="accent6"/>
+          </a:fillRef>
+          <a:effectRef idx="1">
+            <a:schemeClr val="accent6"/>
+          </a:effectRef>
+          <a:fontRef idx="minor">
+            <a:schemeClr val="tx1"/>
+          </a:fontRef>
+        </p:style>
+      </p:cxnSp>
     </p:spTree>
     <p:extLst>
       <p:ext uri="{BB962C8B-B14F-4D97-AF65-F5344CB8AC3E}">
@@ -15796,7 +16763,7 @@
                 <a:tabLst/>
                 <a:defRPr/>
               </a:pPr>
-              <a:t>8. 10. 2021</a:t>
+              <a:t>2. 11. 2021</a:t>
             </a:fld>
             <a:endParaRPr kumimoji="0" lang="fr-FR" sz="1000" b="0" i="0" u="none" strike="noStrike" kern="1200" cap="none" spc="0" normalizeH="0" baseline="0" noProof="0" dirty="0">
               <a:ln>
@@ -15940,6 +16907,58 @@
           </a:prstGeom>
         </p:spPr>
       </p:pic>
+      <p:sp>
+        <p:nvSpPr>
+          <p:cNvPr id="4" name="Obdĺžnik 3">
+            <a:extLst>
+              <a:ext uri="{FF2B5EF4-FFF2-40B4-BE49-F238E27FC236}">
+                <a16:creationId xmlns:a16="http://schemas.microsoft.com/office/drawing/2014/main" id="{E53FE728-D978-4841-9844-ACDF27FC7870}"/>
+              </a:ext>
+            </a:extLst>
+          </p:cNvPr>
+          <p:cNvSpPr/>
+          <p:nvPr/>
+        </p:nvSpPr>
+        <p:spPr>
+          <a:xfrm>
+            <a:off x="1264222" y="1620456"/>
+            <a:ext cx="3562421" cy="2326511"/>
+          </a:xfrm>
+          <a:prstGeom prst="rect">
+            <a:avLst/>
+          </a:prstGeom>
+          <a:ln/>
+        </p:spPr>
+        <p:style>
+          <a:lnRef idx="2">
+            <a:schemeClr val="accent6"/>
+          </a:lnRef>
+          <a:fillRef idx="1">
+            <a:schemeClr val="lt1"/>
+          </a:fillRef>
+          <a:effectRef idx="0">
+            <a:schemeClr val="accent6"/>
+          </a:effectRef>
+          <a:fontRef idx="minor">
+            <a:schemeClr val="dk1"/>
+          </a:fontRef>
+        </p:style>
+        <p:txBody>
+          <a:bodyPr rtlCol="0" anchor="ctr"/>
+          <a:lstStyle/>
+          <a:p>
+            <a:pPr algn="ctr"/>
+            <a:r>
+              <a:rPr lang="sk-SK" dirty="0">
+                <a:solidFill>
+                  <a:srgbClr val="FF0000"/>
+                </a:solidFill>
+              </a:rPr>
+              <a:t>Po výbere/kliknutí „Prebal“ a podstránky „Spustenie prebaľovania“ sa zobrazí samostatná stránka.</a:t>
+            </a:r>
+          </a:p>
+        </p:txBody>
+      </p:sp>
     </p:spTree>
     <p:extLst>
       <p:ext uri="{BB962C8B-B14F-4D97-AF65-F5344CB8AC3E}">
@@ -16040,7 +17059,7 @@
                 <a:tabLst/>
                 <a:defRPr/>
               </a:pPr>
-              <a:t>8. 10. 2021</a:t>
+              <a:t>2. 11. 2021</a:t>
             </a:fld>
             <a:endParaRPr kumimoji="0" lang="fr-FR" sz="1000" b="0" i="0" u="none" strike="noStrike" kern="1200" cap="none" spc="0" normalizeH="0" baseline="0" noProof="0" dirty="0">
               <a:ln>
@@ -16184,6 +17203,188 @@
           </a:prstGeom>
         </p:spPr>
       </p:pic>
+      <p:sp>
+        <p:nvSpPr>
+          <p:cNvPr id="4" name="Obdĺžnik 3">
+            <a:extLst>
+              <a:ext uri="{FF2B5EF4-FFF2-40B4-BE49-F238E27FC236}">
+                <a16:creationId xmlns:a16="http://schemas.microsoft.com/office/drawing/2014/main" id="{A3B26E99-8A3D-4BBE-B354-E5F79B9A9889}"/>
+              </a:ext>
+            </a:extLst>
+          </p:cNvPr>
+          <p:cNvSpPr/>
+          <p:nvPr/>
+        </p:nvSpPr>
+        <p:spPr>
+          <a:xfrm>
+            <a:off x="381965" y="2233913"/>
+            <a:ext cx="4190035" cy="1469986"/>
+          </a:xfrm>
+          <a:prstGeom prst="rect">
+            <a:avLst/>
+          </a:prstGeom>
+          <a:ln/>
+        </p:spPr>
+        <p:style>
+          <a:lnRef idx="2">
+            <a:schemeClr val="accent6"/>
+          </a:lnRef>
+          <a:fillRef idx="1">
+            <a:schemeClr val="lt1"/>
+          </a:fillRef>
+          <a:effectRef idx="0">
+            <a:schemeClr val="accent6"/>
+          </a:effectRef>
+          <a:fontRef idx="minor">
+            <a:schemeClr val="dk1"/>
+          </a:fontRef>
+        </p:style>
+        <p:txBody>
+          <a:bodyPr rtlCol="0" anchor="ctr"/>
+          <a:lstStyle/>
+          <a:p>
+            <a:pPr algn="ctr"/>
+            <a:r>
+              <a:rPr lang="sk-SK" dirty="0">
+                <a:solidFill>
+                  <a:srgbClr val="FF0000"/>
+                </a:solidFill>
+              </a:rPr>
+              <a:t>Na spustenie prebaľovania je najprv zadať/naskenovať svoj osobný kód</a:t>
+            </a:r>
+          </a:p>
+        </p:txBody>
+      </p:sp>
+      <p:sp>
+        <p:nvSpPr>
+          <p:cNvPr id="6" name="Obdĺžnik 5">
+            <a:extLst>
+              <a:ext uri="{FF2B5EF4-FFF2-40B4-BE49-F238E27FC236}">
+                <a16:creationId xmlns:a16="http://schemas.microsoft.com/office/drawing/2014/main" id="{B63F1297-3215-4D67-B1D4-1C73433A0943}"/>
+              </a:ext>
+            </a:extLst>
+          </p:cNvPr>
+          <p:cNvSpPr/>
+          <p:nvPr/>
+        </p:nvSpPr>
+        <p:spPr>
+          <a:xfrm>
+            <a:off x="5268410" y="2233913"/>
+            <a:ext cx="4190035" cy="1469986"/>
+          </a:xfrm>
+          <a:prstGeom prst="rect">
+            <a:avLst/>
+          </a:prstGeom>
+          <a:ln/>
+        </p:spPr>
+        <p:style>
+          <a:lnRef idx="2">
+            <a:schemeClr val="accent6"/>
+          </a:lnRef>
+          <a:fillRef idx="1">
+            <a:schemeClr val="lt1"/>
+          </a:fillRef>
+          <a:effectRef idx="0">
+            <a:schemeClr val="accent6"/>
+          </a:effectRef>
+          <a:fontRef idx="minor">
+            <a:schemeClr val="dk1"/>
+          </a:fontRef>
+        </p:style>
+        <p:txBody>
+          <a:bodyPr rtlCol="0" anchor="ctr"/>
+          <a:lstStyle/>
+          <a:p>
+            <a:pPr algn="ctr"/>
+            <a:r>
+              <a:rPr lang="sk-SK" dirty="0">
+                <a:solidFill>
+                  <a:srgbClr val="FF0000"/>
+                </a:solidFill>
+              </a:rPr>
+              <a:t>Ak chceme aby prebaľovalo viac operátorov, len ho pridáme kliknutím na tlačidlo „Pridať operátora“. Aj ten musí potom zadať svoje osobný kód.</a:t>
+            </a:r>
+          </a:p>
+        </p:txBody>
+      </p:sp>
+      <p:cxnSp>
+        <p:nvCxnSpPr>
+          <p:cNvPr id="8" name="Rovná spojovacia šípka 7">
+            <a:extLst>
+              <a:ext uri="{FF2B5EF4-FFF2-40B4-BE49-F238E27FC236}">
+                <a16:creationId xmlns:a16="http://schemas.microsoft.com/office/drawing/2014/main" id="{ABAB1B30-3247-4AB4-9B23-6FB8317C3206}"/>
+              </a:ext>
+            </a:extLst>
+          </p:cNvPr>
+          <p:cNvCxnSpPr/>
+          <p:nvPr/>
+        </p:nvCxnSpPr>
+        <p:spPr>
+          <a:xfrm flipV="1">
+            <a:off x="2121288" y="1805651"/>
+            <a:ext cx="0" cy="428262"/>
+          </a:xfrm>
+          <a:prstGeom prst="straightConnector1">
+            <a:avLst/>
+          </a:prstGeom>
+          <a:ln>
+            <a:tailEnd type="triangle"/>
+          </a:ln>
+        </p:spPr>
+        <p:style>
+          <a:lnRef idx="1">
+            <a:schemeClr val="accent6"/>
+          </a:lnRef>
+          <a:fillRef idx="0">
+            <a:schemeClr val="accent6"/>
+          </a:fillRef>
+          <a:effectRef idx="0">
+            <a:schemeClr val="accent6"/>
+          </a:effectRef>
+          <a:fontRef idx="minor">
+            <a:schemeClr val="tx1"/>
+          </a:fontRef>
+        </p:style>
+      </p:cxnSp>
+      <p:cxnSp>
+        <p:nvCxnSpPr>
+          <p:cNvPr id="10" name="Rovná spojovacia šípka 9">
+            <a:extLst>
+              <a:ext uri="{FF2B5EF4-FFF2-40B4-BE49-F238E27FC236}">
+                <a16:creationId xmlns:a16="http://schemas.microsoft.com/office/drawing/2014/main" id="{2B808E5F-7A84-412A-A8B7-02E85D43AC82}"/>
+              </a:ext>
+            </a:extLst>
+          </p:cNvPr>
+          <p:cNvCxnSpPr/>
+          <p:nvPr/>
+        </p:nvCxnSpPr>
+        <p:spPr>
+          <a:xfrm flipV="1">
+            <a:off x="9155575" y="1909823"/>
+            <a:ext cx="648182" cy="324090"/>
+          </a:xfrm>
+          <a:prstGeom prst="straightConnector1">
+            <a:avLst/>
+          </a:prstGeom>
+          <a:ln>
+            <a:tailEnd type="triangle"/>
+          </a:ln>
+        </p:spPr>
+        <p:style>
+          <a:lnRef idx="1">
+            <a:schemeClr val="accent6"/>
+          </a:lnRef>
+          <a:fillRef idx="0">
+            <a:schemeClr val="accent6"/>
+          </a:fillRef>
+          <a:effectRef idx="0">
+            <a:schemeClr val="accent6"/>
+          </a:effectRef>
+          <a:fontRef idx="minor">
+            <a:schemeClr val="tx1"/>
+          </a:fontRef>
+        </p:style>
+      </p:cxnSp>
     </p:spTree>
     <p:extLst>
       <p:ext uri="{BB962C8B-B14F-4D97-AF65-F5344CB8AC3E}">
@@ -16284,7 +17485,7 @@
                 <a:tabLst/>
                 <a:defRPr/>
               </a:pPr>
-              <a:t>8. 10. 2021</a:t>
+              <a:t>2. 11. 2021</a:t>
             </a:fld>
             <a:endParaRPr kumimoji="0" lang="fr-FR" sz="1000" b="0" i="0" u="none" strike="noStrike" kern="1200" cap="none" spc="0" normalizeH="0" baseline="0" noProof="0" dirty="0">
               <a:ln>
@@ -16428,6 +17629,136 @@
           </a:prstGeom>
         </p:spPr>
       </p:pic>
+      <p:sp>
+        <p:nvSpPr>
+          <p:cNvPr id="4" name="Obdĺžnik 3">
+            <a:extLst>
+              <a:ext uri="{FF2B5EF4-FFF2-40B4-BE49-F238E27FC236}">
+                <a16:creationId xmlns:a16="http://schemas.microsoft.com/office/drawing/2014/main" id="{DE93D73F-656E-4A78-8A55-C80E4FE11C7A}"/>
+              </a:ext>
+            </a:extLst>
+          </p:cNvPr>
+          <p:cNvSpPr/>
+          <p:nvPr/>
+        </p:nvSpPr>
+        <p:spPr>
+          <a:xfrm>
+            <a:off x="1264222" y="2280213"/>
+            <a:ext cx="5229175" cy="1469984"/>
+          </a:xfrm>
+          <a:prstGeom prst="rect">
+            <a:avLst/>
+          </a:prstGeom>
+          <a:ln/>
+        </p:spPr>
+        <p:style>
+          <a:lnRef idx="2">
+            <a:schemeClr val="accent6"/>
+          </a:lnRef>
+          <a:fillRef idx="1">
+            <a:schemeClr val="lt1"/>
+          </a:fillRef>
+          <a:effectRef idx="0">
+            <a:schemeClr val="accent6"/>
+          </a:effectRef>
+          <a:fontRef idx="minor">
+            <a:schemeClr val="dk1"/>
+          </a:fontRef>
+        </p:style>
+        <p:txBody>
+          <a:bodyPr rtlCol="0" anchor="ctr"/>
+          <a:lstStyle/>
+          <a:p>
+            <a:pPr algn="ctr"/>
+            <a:r>
+              <a:rPr lang="sk-SK" dirty="0">
+                <a:solidFill>
+                  <a:srgbClr val="FF0000"/>
+                </a:solidFill>
+              </a:rPr>
+              <a:t>Po pridaní jedného operátora, treba zadať osobné kódy, po ich zadaní operátor zadá referenciu štandardu a IDP.</a:t>
+            </a:r>
+          </a:p>
+        </p:txBody>
+      </p:sp>
+      <p:cxnSp>
+        <p:nvCxnSpPr>
+          <p:cNvPr id="7" name="Rovná spojovacia šípka 6">
+            <a:extLst>
+              <a:ext uri="{FF2B5EF4-FFF2-40B4-BE49-F238E27FC236}">
+                <a16:creationId xmlns:a16="http://schemas.microsoft.com/office/drawing/2014/main" id="{72EDE212-AC66-4A45-852C-BC2A88D50CEC}"/>
+              </a:ext>
+            </a:extLst>
+          </p:cNvPr>
+          <p:cNvCxnSpPr/>
+          <p:nvPr/>
+        </p:nvCxnSpPr>
+        <p:spPr>
+          <a:xfrm flipV="1">
+            <a:off x="2121288" y="1817225"/>
+            <a:ext cx="0" cy="462988"/>
+          </a:xfrm>
+          <a:prstGeom prst="straightConnector1">
+            <a:avLst/>
+          </a:prstGeom>
+          <a:ln>
+            <a:tailEnd type="triangle"/>
+          </a:ln>
+        </p:spPr>
+        <p:style>
+          <a:lnRef idx="1">
+            <a:schemeClr val="accent6"/>
+          </a:lnRef>
+          <a:fillRef idx="0">
+            <a:schemeClr val="accent6"/>
+          </a:fillRef>
+          <a:effectRef idx="0">
+            <a:schemeClr val="accent6"/>
+          </a:effectRef>
+          <a:fontRef idx="minor">
+            <a:schemeClr val="tx1"/>
+          </a:fontRef>
+        </p:style>
+      </p:cxnSp>
+      <p:cxnSp>
+        <p:nvCxnSpPr>
+          <p:cNvPr id="9" name="Rovná spojovacia šípka 8">
+            <a:extLst>
+              <a:ext uri="{FF2B5EF4-FFF2-40B4-BE49-F238E27FC236}">
+                <a16:creationId xmlns:a16="http://schemas.microsoft.com/office/drawing/2014/main" id="{F26488E2-8BB1-4F91-807A-6D4300CD17E8}"/>
+              </a:ext>
+            </a:extLst>
+          </p:cNvPr>
+          <p:cNvCxnSpPr/>
+          <p:nvPr/>
+        </p:nvCxnSpPr>
+        <p:spPr>
+          <a:xfrm flipV="1">
+            <a:off x="2121288" y="1817225"/>
+            <a:ext cx="1767806" cy="462988"/>
+          </a:xfrm>
+          <a:prstGeom prst="straightConnector1">
+            <a:avLst/>
+          </a:prstGeom>
+          <a:ln>
+            <a:tailEnd type="triangle"/>
+          </a:ln>
+        </p:spPr>
+        <p:style>
+          <a:lnRef idx="1">
+            <a:schemeClr val="accent6"/>
+          </a:lnRef>
+          <a:fillRef idx="0">
+            <a:schemeClr val="accent6"/>
+          </a:fillRef>
+          <a:effectRef idx="0">
+            <a:schemeClr val="accent6"/>
+          </a:effectRef>
+          <a:fontRef idx="minor">
+            <a:schemeClr val="tx1"/>
+          </a:fontRef>
+        </p:style>
+      </p:cxnSp>
     </p:spTree>
     <p:extLst>
       <p:ext uri="{BB962C8B-B14F-4D97-AF65-F5344CB8AC3E}">
@@ -16528,7 +17859,7 @@
                 <a:tabLst/>
                 <a:defRPr/>
               </a:pPr>
-              <a:t>8. 10. 2021</a:t>
+              <a:t>2. 11. 2021</a:t>
             </a:fld>
             <a:endParaRPr kumimoji="0" lang="fr-FR" sz="1000" b="0" i="0" u="none" strike="noStrike" kern="1200" cap="none" spc="0" normalizeH="0" baseline="0" noProof="0" dirty="0">
               <a:ln>
@@ -16672,6 +18003,422 @@
           </a:prstGeom>
         </p:spPr>
       </p:pic>
+      <p:sp>
+        <p:nvSpPr>
+          <p:cNvPr id="4" name="Obdĺžnik 3">
+            <a:extLst>
+              <a:ext uri="{FF2B5EF4-FFF2-40B4-BE49-F238E27FC236}">
+                <a16:creationId xmlns:a16="http://schemas.microsoft.com/office/drawing/2014/main" id="{27023783-ACF7-4E64-B479-655B9E53911C}"/>
+              </a:ext>
+            </a:extLst>
+          </p:cNvPr>
+          <p:cNvSpPr/>
+          <p:nvPr/>
+        </p:nvSpPr>
+        <p:spPr>
+          <a:xfrm>
+            <a:off x="127322" y="2118167"/>
+            <a:ext cx="2847372" cy="4181936"/>
+          </a:xfrm>
+          <a:prstGeom prst="rect">
+            <a:avLst/>
+          </a:prstGeom>
+          <a:ln/>
+        </p:spPr>
+        <p:style>
+          <a:lnRef idx="2">
+            <a:schemeClr val="accent6"/>
+          </a:lnRef>
+          <a:fillRef idx="1">
+            <a:schemeClr val="lt1"/>
+          </a:fillRef>
+          <a:effectRef idx="0">
+            <a:schemeClr val="accent6"/>
+          </a:effectRef>
+          <a:fontRef idx="minor">
+            <a:schemeClr val="dk1"/>
+          </a:fontRef>
+        </p:style>
+        <p:txBody>
+          <a:bodyPr rtlCol="0" anchor="ctr"/>
+          <a:lstStyle/>
+          <a:p>
+            <a:pPr algn="ctr"/>
+            <a:r>
+              <a:rPr lang="sk-SK" dirty="0">
+                <a:solidFill>
+                  <a:srgbClr val="FF0000"/>
+                </a:solidFill>
+              </a:rPr>
+              <a:t>Zadávajú (buď ručne alebo čítačkou ) sa údaje o prebale </a:t>
+            </a:r>
+            <a:r>
+              <a:rPr lang="sk-SK" dirty="0" err="1">
+                <a:solidFill>
+                  <a:srgbClr val="FF0000"/>
+                </a:solidFill>
+              </a:rPr>
+              <a:t>tj</a:t>
+            </a:r>
+            <a:r>
+              <a:rPr lang="sk-SK" dirty="0">
+                <a:solidFill>
+                  <a:srgbClr val="FF0000"/>
+                </a:solidFill>
+              </a:rPr>
+              <a:t>. referencia a IDP</a:t>
+            </a:r>
+          </a:p>
+        </p:txBody>
+      </p:sp>
+      <p:cxnSp>
+        <p:nvCxnSpPr>
+          <p:cNvPr id="7" name="Rovná spojovacia šípka 6">
+            <a:extLst>
+              <a:ext uri="{FF2B5EF4-FFF2-40B4-BE49-F238E27FC236}">
+                <a16:creationId xmlns:a16="http://schemas.microsoft.com/office/drawing/2014/main" id="{CB8887F2-DC5B-407C-9ACF-81C196EA96A9}"/>
+              </a:ext>
+            </a:extLst>
+          </p:cNvPr>
+          <p:cNvCxnSpPr>
+            <a:cxnSpLocks/>
+          </p:cNvCxnSpPr>
+          <p:nvPr/>
+        </p:nvCxnSpPr>
+        <p:spPr>
+          <a:xfrm flipV="1">
+            <a:off x="2974694" y="2237069"/>
+            <a:ext cx="619245" cy="471408"/>
+          </a:xfrm>
+          <a:prstGeom prst="straightConnector1">
+            <a:avLst/>
+          </a:prstGeom>
+          <a:ln>
+            <a:tailEnd type="triangle"/>
+          </a:ln>
+        </p:spPr>
+        <p:style>
+          <a:lnRef idx="1">
+            <a:schemeClr val="accent6"/>
+          </a:lnRef>
+          <a:fillRef idx="0">
+            <a:schemeClr val="accent6"/>
+          </a:fillRef>
+          <a:effectRef idx="0">
+            <a:schemeClr val="accent6"/>
+          </a:effectRef>
+          <a:fontRef idx="minor">
+            <a:schemeClr val="tx1"/>
+          </a:fontRef>
+        </p:style>
+      </p:cxnSp>
+      <p:cxnSp>
+        <p:nvCxnSpPr>
+          <p:cNvPr id="8" name="Rovná spojovacia šípka 7">
+            <a:extLst>
+              <a:ext uri="{FF2B5EF4-FFF2-40B4-BE49-F238E27FC236}">
+                <a16:creationId xmlns:a16="http://schemas.microsoft.com/office/drawing/2014/main" id="{2C8AB19C-0545-444E-866C-C887E79972B4}"/>
+              </a:ext>
+            </a:extLst>
+          </p:cNvPr>
+          <p:cNvCxnSpPr>
+            <a:cxnSpLocks/>
+          </p:cNvCxnSpPr>
+          <p:nvPr/>
+        </p:nvCxnSpPr>
+        <p:spPr>
+          <a:xfrm flipV="1">
+            <a:off x="2974694" y="2237069"/>
+            <a:ext cx="2476982" cy="471407"/>
+          </a:xfrm>
+          <a:prstGeom prst="straightConnector1">
+            <a:avLst/>
+          </a:prstGeom>
+          <a:ln>
+            <a:tailEnd type="triangle"/>
+          </a:ln>
+        </p:spPr>
+        <p:style>
+          <a:lnRef idx="1">
+            <a:schemeClr val="accent6"/>
+          </a:lnRef>
+          <a:fillRef idx="0">
+            <a:schemeClr val="accent6"/>
+          </a:fillRef>
+          <a:effectRef idx="0">
+            <a:schemeClr val="accent6"/>
+          </a:effectRef>
+          <a:fontRef idx="minor">
+            <a:schemeClr val="tx1"/>
+          </a:fontRef>
+        </p:style>
+      </p:cxnSp>
+      <p:cxnSp>
+        <p:nvCxnSpPr>
+          <p:cNvPr id="11" name="Rovná spojovacia šípka 10">
+            <a:extLst>
+              <a:ext uri="{FF2B5EF4-FFF2-40B4-BE49-F238E27FC236}">
+                <a16:creationId xmlns:a16="http://schemas.microsoft.com/office/drawing/2014/main" id="{645A36DA-C03F-4556-AE92-F4DF8E894D87}"/>
+              </a:ext>
+            </a:extLst>
+          </p:cNvPr>
+          <p:cNvCxnSpPr>
+            <a:cxnSpLocks/>
+          </p:cNvCxnSpPr>
+          <p:nvPr/>
+        </p:nvCxnSpPr>
+        <p:spPr>
+          <a:xfrm flipV="1">
+            <a:off x="2974692" y="2470788"/>
+            <a:ext cx="2476984" cy="425136"/>
+          </a:xfrm>
+          <a:prstGeom prst="straightConnector1">
+            <a:avLst/>
+          </a:prstGeom>
+          <a:ln>
+            <a:tailEnd type="triangle"/>
+          </a:ln>
+        </p:spPr>
+        <p:style>
+          <a:lnRef idx="1">
+            <a:schemeClr val="accent6"/>
+          </a:lnRef>
+          <a:fillRef idx="0">
+            <a:schemeClr val="accent6"/>
+          </a:fillRef>
+          <a:effectRef idx="0">
+            <a:schemeClr val="accent6"/>
+          </a:effectRef>
+          <a:fontRef idx="minor">
+            <a:schemeClr val="tx1"/>
+          </a:fontRef>
+        </p:style>
+      </p:cxnSp>
+      <p:cxnSp>
+        <p:nvCxnSpPr>
+          <p:cNvPr id="12" name="Rovná spojovacia šípka 11">
+            <a:extLst>
+              <a:ext uri="{FF2B5EF4-FFF2-40B4-BE49-F238E27FC236}">
+                <a16:creationId xmlns:a16="http://schemas.microsoft.com/office/drawing/2014/main" id="{685BB0F7-ADB7-4E9E-B278-036FFBD8E477}"/>
+              </a:ext>
+            </a:extLst>
+          </p:cNvPr>
+          <p:cNvCxnSpPr>
+            <a:cxnSpLocks/>
+          </p:cNvCxnSpPr>
+          <p:nvPr/>
+        </p:nvCxnSpPr>
+        <p:spPr>
+          <a:xfrm flipV="1">
+            <a:off x="2974693" y="2470787"/>
+            <a:ext cx="671333" cy="425137"/>
+          </a:xfrm>
+          <a:prstGeom prst="straightConnector1">
+            <a:avLst/>
+          </a:prstGeom>
+          <a:ln>
+            <a:tailEnd type="triangle"/>
+          </a:ln>
+        </p:spPr>
+        <p:style>
+          <a:lnRef idx="1">
+            <a:schemeClr val="accent6"/>
+          </a:lnRef>
+          <a:fillRef idx="0">
+            <a:schemeClr val="accent6"/>
+          </a:fillRef>
+          <a:effectRef idx="0">
+            <a:schemeClr val="accent6"/>
+          </a:effectRef>
+          <a:fontRef idx="minor">
+            <a:schemeClr val="tx1"/>
+          </a:fontRef>
+        </p:style>
+      </p:cxnSp>
+      <p:sp>
+        <p:nvSpPr>
+          <p:cNvPr id="16" name="Obdĺžnik 15">
+            <a:extLst>
+              <a:ext uri="{FF2B5EF4-FFF2-40B4-BE49-F238E27FC236}">
+                <a16:creationId xmlns:a16="http://schemas.microsoft.com/office/drawing/2014/main" id="{A23A7758-9242-4721-8DEC-BB307A71E492}"/>
+              </a:ext>
+            </a:extLst>
+          </p:cNvPr>
+          <p:cNvSpPr/>
+          <p:nvPr/>
+        </p:nvSpPr>
+        <p:spPr>
+          <a:xfrm>
+            <a:off x="3443469" y="3345082"/>
+            <a:ext cx="2390172" cy="2685327"/>
+          </a:xfrm>
+          <a:prstGeom prst="rect">
+            <a:avLst/>
+          </a:prstGeom>
+          <a:ln/>
+        </p:spPr>
+        <p:style>
+          <a:lnRef idx="2">
+            <a:schemeClr val="accent6"/>
+          </a:lnRef>
+          <a:fillRef idx="1">
+            <a:schemeClr val="lt1"/>
+          </a:fillRef>
+          <a:effectRef idx="0">
+            <a:schemeClr val="accent6"/>
+          </a:effectRef>
+          <a:fontRef idx="minor">
+            <a:schemeClr val="dk1"/>
+          </a:fontRef>
+        </p:style>
+        <p:txBody>
+          <a:bodyPr rtlCol="0" anchor="ctr"/>
+          <a:lstStyle/>
+          <a:p>
+            <a:pPr algn="ctr"/>
+            <a:r>
+              <a:rPr lang="sk-SK" dirty="0">
+                <a:solidFill>
+                  <a:srgbClr val="FF0000"/>
+                </a:solidFill>
+              </a:rPr>
+              <a:t>Po vyplnení údajov na prebal stlačíme tlačidlo „Vyhľadaj pracovný postup“ ktoré nám zobrazí daný pracovný postup.</a:t>
+            </a:r>
+          </a:p>
+        </p:txBody>
+      </p:sp>
+      <p:cxnSp>
+        <p:nvCxnSpPr>
+          <p:cNvPr id="18" name="Rovná spojovacia šípka 17">
+            <a:extLst>
+              <a:ext uri="{FF2B5EF4-FFF2-40B4-BE49-F238E27FC236}">
+                <a16:creationId xmlns:a16="http://schemas.microsoft.com/office/drawing/2014/main" id="{C614F6AA-5EF5-4332-BCC9-DBA8F0417D0B}"/>
+              </a:ext>
+            </a:extLst>
+          </p:cNvPr>
+          <p:cNvCxnSpPr>
+            <a:cxnSpLocks/>
+          </p:cNvCxnSpPr>
+          <p:nvPr/>
+        </p:nvCxnSpPr>
+        <p:spPr>
+          <a:xfrm flipV="1">
+            <a:off x="5451676" y="2895924"/>
+            <a:ext cx="439838" cy="449158"/>
+          </a:xfrm>
+          <a:prstGeom prst="straightConnector1">
+            <a:avLst/>
+          </a:prstGeom>
+          <a:ln>
+            <a:tailEnd type="triangle"/>
+          </a:ln>
+        </p:spPr>
+        <p:style>
+          <a:lnRef idx="1">
+            <a:schemeClr val="accent6"/>
+          </a:lnRef>
+          <a:fillRef idx="0">
+            <a:schemeClr val="accent6"/>
+          </a:fillRef>
+          <a:effectRef idx="0">
+            <a:schemeClr val="accent6"/>
+          </a:effectRef>
+          <a:fontRef idx="minor">
+            <a:schemeClr val="tx1"/>
+          </a:fontRef>
+        </p:style>
+      </p:cxnSp>
+      <p:sp>
+        <p:nvSpPr>
+          <p:cNvPr id="20" name="Obdĺžnik 19">
+            <a:extLst>
+              <a:ext uri="{FF2B5EF4-FFF2-40B4-BE49-F238E27FC236}">
+                <a16:creationId xmlns:a16="http://schemas.microsoft.com/office/drawing/2014/main" id="{BFCDCDC1-43BA-4214-8022-E8CCAC4C1FC9}"/>
+              </a:ext>
+            </a:extLst>
+          </p:cNvPr>
+          <p:cNvSpPr/>
+          <p:nvPr/>
+        </p:nvSpPr>
+        <p:spPr>
+          <a:xfrm>
+            <a:off x="6302416" y="3345081"/>
+            <a:ext cx="2170252" cy="1886675"/>
+          </a:xfrm>
+          <a:prstGeom prst="rect">
+            <a:avLst/>
+          </a:prstGeom>
+          <a:ln/>
+        </p:spPr>
+        <p:style>
+          <a:lnRef idx="2">
+            <a:schemeClr val="accent6"/>
+          </a:lnRef>
+          <a:fillRef idx="1">
+            <a:schemeClr val="lt1"/>
+          </a:fillRef>
+          <a:effectRef idx="0">
+            <a:schemeClr val="accent6"/>
+          </a:effectRef>
+          <a:fontRef idx="minor">
+            <a:schemeClr val="dk1"/>
+          </a:fontRef>
+        </p:style>
+        <p:txBody>
+          <a:bodyPr rtlCol="0" anchor="ctr"/>
+          <a:lstStyle/>
+          <a:p>
+            <a:pPr algn="ctr"/>
+            <a:r>
+              <a:rPr lang="sk-SK" dirty="0">
+                <a:solidFill>
+                  <a:srgbClr val="FF0000"/>
+                </a:solidFill>
+              </a:rPr>
+              <a:t>Tlačidlo „Vymazať zadané údaje “ vymaže údaje pre prebal.</a:t>
+            </a:r>
+          </a:p>
+        </p:txBody>
+      </p:sp>
+      <p:cxnSp>
+        <p:nvCxnSpPr>
+          <p:cNvPr id="22" name="Rovná spojovacia šípka 21">
+            <a:extLst>
+              <a:ext uri="{FF2B5EF4-FFF2-40B4-BE49-F238E27FC236}">
+                <a16:creationId xmlns:a16="http://schemas.microsoft.com/office/drawing/2014/main" id="{F6239851-2FE2-420E-ADA3-9577EC8F5FAE}"/>
+              </a:ext>
+            </a:extLst>
+          </p:cNvPr>
+          <p:cNvCxnSpPr/>
+          <p:nvPr/>
+        </p:nvCxnSpPr>
+        <p:spPr>
+          <a:xfrm flipH="1" flipV="1">
+            <a:off x="7569843" y="2895924"/>
+            <a:ext cx="462987" cy="449158"/>
+          </a:xfrm>
+          <a:prstGeom prst="straightConnector1">
+            <a:avLst/>
+          </a:prstGeom>
+          <a:ln>
+            <a:tailEnd type="triangle"/>
+          </a:ln>
+        </p:spPr>
+        <p:style>
+          <a:lnRef idx="1">
+            <a:schemeClr val="accent6"/>
+          </a:lnRef>
+          <a:fillRef idx="0">
+            <a:schemeClr val="accent6"/>
+          </a:fillRef>
+          <a:effectRef idx="0">
+            <a:schemeClr val="accent6"/>
+          </a:effectRef>
+          <a:fontRef idx="minor">
+            <a:schemeClr val="tx1"/>
+          </a:fontRef>
+        </p:style>
+      </p:cxnSp>
     </p:spTree>
     <p:extLst>
       <p:ext uri="{BB962C8B-B14F-4D97-AF65-F5344CB8AC3E}">
@@ -16772,7 +18519,7 @@
                 <a:tabLst/>
                 <a:defRPr/>
               </a:pPr>
-              <a:t>8. 10. 2021</a:t>
+              <a:t>2. 11. 2021</a:t>
             </a:fld>
             <a:endParaRPr kumimoji="0" lang="fr-FR" sz="1000" b="0" i="0" u="none" strike="noStrike" kern="1200" cap="none" spc="0" normalizeH="0" baseline="0" noProof="0" dirty="0">
               <a:ln>
@@ -16916,6 +18663,284 @@
           </a:prstGeom>
         </p:spPr>
       </p:pic>
+      <p:sp>
+        <p:nvSpPr>
+          <p:cNvPr id="3" name="Obdĺžnik 2">
+            <a:extLst>
+              <a:ext uri="{FF2B5EF4-FFF2-40B4-BE49-F238E27FC236}">
+                <a16:creationId xmlns:a16="http://schemas.microsoft.com/office/drawing/2014/main" id="{976AD5D2-76BD-476D-BA07-27B538A9ED41}"/>
+              </a:ext>
+            </a:extLst>
+          </p:cNvPr>
+          <p:cNvSpPr/>
+          <p:nvPr/>
+        </p:nvSpPr>
+        <p:spPr>
+          <a:xfrm>
+            <a:off x="9421792" y="1770927"/>
+            <a:ext cx="2627454" cy="3264060"/>
+          </a:xfrm>
+          <a:prstGeom prst="rect">
+            <a:avLst/>
+          </a:prstGeom>
+          <a:ln/>
+        </p:spPr>
+        <p:style>
+          <a:lnRef idx="2">
+            <a:schemeClr val="accent6"/>
+          </a:lnRef>
+          <a:fillRef idx="1">
+            <a:schemeClr val="lt1"/>
+          </a:fillRef>
+          <a:effectRef idx="0">
+            <a:schemeClr val="accent6"/>
+          </a:effectRef>
+          <a:fontRef idx="minor">
+            <a:schemeClr val="dk1"/>
+          </a:fontRef>
+        </p:style>
+        <p:txBody>
+          <a:bodyPr rtlCol="0" anchor="ctr"/>
+          <a:lstStyle/>
+          <a:p>
+            <a:pPr algn="ctr"/>
+            <a:r>
+              <a:rPr lang="sk-SK" dirty="0">
+                <a:solidFill>
+                  <a:srgbClr val="FF0000"/>
+                </a:solidFill>
+              </a:rPr>
+              <a:t>Pri pracovnom postupe sú dve tlačidlá. Tlačidlo „Prebalené“ znamená ukončenie prebalu. A tlačidlo „Spustiť nový prebal“ s presunie na zadanie informácii k prebalu( referencia, IDP)</a:t>
+            </a:r>
+          </a:p>
+        </p:txBody>
+      </p:sp>
+      <p:cxnSp>
+        <p:nvCxnSpPr>
+          <p:cNvPr id="7" name="Rovná spojovacia šípka 6">
+            <a:extLst>
+              <a:ext uri="{FF2B5EF4-FFF2-40B4-BE49-F238E27FC236}">
+                <a16:creationId xmlns:a16="http://schemas.microsoft.com/office/drawing/2014/main" id="{39F98A03-FC87-40D6-A85E-C3D3788EE0F4}"/>
+              </a:ext>
+            </a:extLst>
+          </p:cNvPr>
+          <p:cNvCxnSpPr/>
+          <p:nvPr/>
+        </p:nvCxnSpPr>
+        <p:spPr>
+          <a:xfrm flipH="1" flipV="1">
+            <a:off x="11574684" y="1527858"/>
+            <a:ext cx="173620" cy="243069"/>
+          </a:xfrm>
+          <a:prstGeom prst="straightConnector1">
+            <a:avLst/>
+          </a:prstGeom>
+          <a:ln>
+            <a:tailEnd type="triangle"/>
+          </a:ln>
+        </p:spPr>
+        <p:style>
+          <a:lnRef idx="1">
+            <a:schemeClr val="accent6"/>
+          </a:lnRef>
+          <a:fillRef idx="0">
+            <a:schemeClr val="accent6"/>
+          </a:fillRef>
+          <a:effectRef idx="0">
+            <a:schemeClr val="accent6"/>
+          </a:effectRef>
+          <a:fontRef idx="minor">
+            <a:schemeClr val="tx1"/>
+          </a:fontRef>
+        </p:style>
+      </p:cxnSp>
+      <p:cxnSp>
+        <p:nvCxnSpPr>
+          <p:cNvPr id="8" name="Rovná spojovacia šípka 7">
+            <a:extLst>
+              <a:ext uri="{FF2B5EF4-FFF2-40B4-BE49-F238E27FC236}">
+                <a16:creationId xmlns:a16="http://schemas.microsoft.com/office/drawing/2014/main" id="{9AAA3423-26E5-43B6-820F-0BA3C234DC2F}"/>
+              </a:ext>
+            </a:extLst>
+          </p:cNvPr>
+          <p:cNvCxnSpPr>
+            <a:cxnSpLocks/>
+          </p:cNvCxnSpPr>
+          <p:nvPr/>
+        </p:nvCxnSpPr>
+        <p:spPr>
+          <a:xfrm flipV="1">
+            <a:off x="11748304" y="1157469"/>
+            <a:ext cx="63662" cy="613458"/>
+          </a:xfrm>
+          <a:prstGeom prst="straightConnector1">
+            <a:avLst/>
+          </a:prstGeom>
+          <a:ln>
+            <a:tailEnd type="triangle"/>
+          </a:ln>
+        </p:spPr>
+        <p:style>
+          <a:lnRef idx="1">
+            <a:schemeClr val="accent6"/>
+          </a:lnRef>
+          <a:fillRef idx="0">
+            <a:schemeClr val="accent6"/>
+          </a:fillRef>
+          <a:effectRef idx="0">
+            <a:schemeClr val="accent6"/>
+          </a:effectRef>
+          <a:fontRef idx="minor">
+            <a:schemeClr val="tx1"/>
+          </a:fontRef>
+        </p:style>
+      </p:cxnSp>
+      <p:sp>
+        <p:nvSpPr>
+          <p:cNvPr id="6" name="Obdĺžnik 5">
+            <a:extLst>
+              <a:ext uri="{FF2B5EF4-FFF2-40B4-BE49-F238E27FC236}">
+                <a16:creationId xmlns:a16="http://schemas.microsoft.com/office/drawing/2014/main" id="{556DFA07-CA49-420F-AB6A-7BE6FF31C0C2}"/>
+              </a:ext>
+            </a:extLst>
+          </p:cNvPr>
+          <p:cNvSpPr/>
+          <p:nvPr/>
+        </p:nvSpPr>
+        <p:spPr>
+          <a:xfrm>
+            <a:off x="142754" y="1216954"/>
+            <a:ext cx="1121468" cy="370389"/>
+          </a:xfrm>
+          <a:prstGeom prst="rect">
+            <a:avLst/>
+          </a:prstGeom>
+          <a:solidFill>
+            <a:schemeClr val="dk1">
+              <a:alpha val="50000"/>
+            </a:schemeClr>
+          </a:solidFill>
+          <a:ln>
+            <a:noFill/>
+          </a:ln>
+        </p:spPr>
+        <p:style>
+          <a:lnRef idx="0">
+            <a:scrgbClr r="0" g="0" b="0"/>
+          </a:lnRef>
+          <a:fillRef idx="0">
+            <a:scrgbClr r="0" g="0" b="0"/>
+          </a:fillRef>
+          <a:effectRef idx="0">
+            <a:scrgbClr r="0" g="0" b="0"/>
+          </a:effectRef>
+          <a:fontRef idx="minor">
+            <a:schemeClr val="lt1"/>
+          </a:fontRef>
+        </p:style>
+        <p:txBody>
+          <a:bodyPr rtlCol="0" anchor="ctr"/>
+          <a:lstStyle/>
+          <a:p>
+            <a:pPr algn="ctr"/>
+            <a:r>
+              <a:rPr lang="sk-SK" dirty="0"/>
+              <a:t>Pauza</a:t>
+            </a:r>
+          </a:p>
+        </p:txBody>
+      </p:sp>
+      <p:sp>
+        <p:nvSpPr>
+          <p:cNvPr id="9" name="Obdĺžnik 8">
+            <a:extLst>
+              <a:ext uri="{FF2B5EF4-FFF2-40B4-BE49-F238E27FC236}">
+                <a16:creationId xmlns:a16="http://schemas.microsoft.com/office/drawing/2014/main" id="{576BB205-A82B-4D43-A8ED-1C22EE237F34}"/>
+              </a:ext>
+            </a:extLst>
+          </p:cNvPr>
+          <p:cNvSpPr/>
+          <p:nvPr/>
+        </p:nvSpPr>
+        <p:spPr>
+          <a:xfrm>
+            <a:off x="168166" y="2049517"/>
+            <a:ext cx="1953122" cy="2017986"/>
+          </a:xfrm>
+          <a:prstGeom prst="rect">
+            <a:avLst/>
+          </a:prstGeom>
+          <a:ln/>
+        </p:spPr>
+        <p:style>
+          <a:lnRef idx="2">
+            <a:schemeClr val="accent6"/>
+          </a:lnRef>
+          <a:fillRef idx="1">
+            <a:schemeClr val="lt1"/>
+          </a:fillRef>
+          <a:effectRef idx="0">
+            <a:schemeClr val="accent6"/>
+          </a:effectRef>
+          <a:fontRef idx="minor">
+            <a:schemeClr val="dk1"/>
+          </a:fontRef>
+        </p:style>
+        <p:txBody>
+          <a:bodyPr rtlCol="0" anchor="ctr"/>
+          <a:lstStyle/>
+          <a:p>
+            <a:pPr algn="ctr"/>
+            <a:r>
+              <a:rPr lang="sk-SK" dirty="0">
+                <a:solidFill>
+                  <a:srgbClr val="FF0000"/>
+                </a:solidFill>
+              </a:rPr>
+              <a:t>Tlačidlo „Pauza“ je na pozastavenie a pustenie pokračovania prebalu</a:t>
+            </a:r>
+          </a:p>
+        </p:txBody>
+      </p:sp>
+      <p:cxnSp>
+        <p:nvCxnSpPr>
+          <p:cNvPr id="11" name="Rovná spojovacia šípka 10">
+            <a:extLst>
+              <a:ext uri="{FF2B5EF4-FFF2-40B4-BE49-F238E27FC236}">
+                <a16:creationId xmlns:a16="http://schemas.microsoft.com/office/drawing/2014/main" id="{15DE656E-6E83-4611-A7B2-6B8D54489B8A}"/>
+              </a:ext>
+            </a:extLst>
+          </p:cNvPr>
+          <p:cNvCxnSpPr/>
+          <p:nvPr/>
+        </p:nvCxnSpPr>
+        <p:spPr>
+          <a:xfrm flipV="1">
+            <a:off x="568216" y="1587343"/>
+            <a:ext cx="0" cy="462174"/>
+          </a:xfrm>
+          <a:prstGeom prst="straightConnector1">
+            <a:avLst/>
+          </a:prstGeom>
+          <a:ln>
+            <a:tailEnd type="triangle"/>
+          </a:ln>
+        </p:spPr>
+        <p:style>
+          <a:lnRef idx="3">
+            <a:schemeClr val="accent6"/>
+          </a:lnRef>
+          <a:fillRef idx="0">
+            <a:schemeClr val="accent6"/>
+          </a:fillRef>
+          <a:effectRef idx="2">
+            <a:schemeClr val="accent6"/>
+          </a:effectRef>
+          <a:fontRef idx="minor">
+            <a:schemeClr val="tx1"/>
+          </a:fontRef>
+        </p:style>
+      </p:cxnSp>
     </p:spTree>
     <p:extLst>
       <p:ext uri="{BB962C8B-B14F-4D97-AF65-F5344CB8AC3E}">
@@ -17016,7 +19041,7 @@
                 <a:tabLst/>
                 <a:defRPr/>
               </a:pPr>
-              <a:t>8. 10. 2021</a:t>
+              <a:t>2. 11. 2021</a:t>
             </a:fld>
             <a:endParaRPr kumimoji="0" lang="fr-FR" sz="1000" b="0" i="0" u="none" strike="noStrike" kern="1200" cap="none" spc="0" normalizeH="0" baseline="0" noProof="0" dirty="0">
               <a:ln>
@@ -17260,7 +19285,7 @@
                 <a:tabLst/>
                 <a:defRPr/>
               </a:pPr>
-              <a:t>8. 10. 2021</a:t>
+              <a:t>2. 11. 2021</a:t>
             </a:fld>
             <a:endParaRPr kumimoji="0" lang="fr-FR" sz="1000" b="0" i="0" u="none" strike="noStrike" kern="1200" cap="none" spc="0" normalizeH="0" baseline="0" noProof="0" dirty="0">
               <a:ln>
@@ -18198,7 +20223,7 @@
                 <a:tabLst/>
                 <a:defRPr/>
               </a:pPr>
-              <a:t>8. 10. 2021</a:t>
+              <a:t>2. 11. 2021</a:t>
             </a:fld>
             <a:endParaRPr kumimoji="0" lang="fr-FR" sz="1000" b="0" i="0" u="none" strike="noStrike" kern="1200" cap="none" spc="0" normalizeH="0" baseline="0" noProof="0" dirty="0">
               <a:ln>
@@ -18342,6 +20367,190 @@
           </a:prstGeom>
         </p:spPr>
       </p:pic>
+      <p:sp>
+        <p:nvSpPr>
+          <p:cNvPr id="4" name="Obdĺžnik 3">
+            <a:extLst>
+              <a:ext uri="{FF2B5EF4-FFF2-40B4-BE49-F238E27FC236}">
+                <a16:creationId xmlns:a16="http://schemas.microsoft.com/office/drawing/2014/main" id="{F6A8E2D4-BA10-4A14-B0F3-2DC15285DB31}"/>
+              </a:ext>
+            </a:extLst>
+          </p:cNvPr>
+          <p:cNvSpPr/>
+          <p:nvPr/>
+        </p:nvSpPr>
+        <p:spPr>
+          <a:xfrm>
+            <a:off x="335666" y="3183038"/>
+            <a:ext cx="2291787" cy="2465408"/>
+          </a:xfrm>
+          <a:prstGeom prst="rect">
+            <a:avLst/>
+          </a:prstGeom>
+          <a:ln/>
+        </p:spPr>
+        <p:style>
+          <a:lnRef idx="2">
+            <a:schemeClr val="accent6"/>
+          </a:lnRef>
+          <a:fillRef idx="1">
+            <a:schemeClr val="lt1"/>
+          </a:fillRef>
+          <a:effectRef idx="0">
+            <a:schemeClr val="accent6"/>
+          </a:effectRef>
+          <a:fontRef idx="minor">
+            <a:schemeClr val="dk1"/>
+          </a:fontRef>
+        </p:style>
+        <p:txBody>
+          <a:bodyPr rtlCol="0" anchor="ctr"/>
+          <a:lstStyle/>
+          <a:p>
+            <a:pPr algn="ctr"/>
+            <a:r>
+              <a:rPr lang="sk-SK" dirty="0">
+                <a:solidFill>
+                  <a:srgbClr val="FF0000"/>
+                </a:solidFill>
+              </a:rPr>
+              <a:t>Bude možné vyhľadania/filter, kliknutie na filter sa nám zobrazia možnosti filtrovania.</a:t>
+            </a:r>
+          </a:p>
+        </p:txBody>
+      </p:sp>
+      <p:cxnSp>
+        <p:nvCxnSpPr>
+          <p:cNvPr id="8" name="Rovná spojovacia šípka 7">
+            <a:extLst>
+              <a:ext uri="{FF2B5EF4-FFF2-40B4-BE49-F238E27FC236}">
+                <a16:creationId xmlns:a16="http://schemas.microsoft.com/office/drawing/2014/main" id="{7760A22E-5EE1-4F4B-A31D-D31885829DA0}"/>
+              </a:ext>
+            </a:extLst>
+          </p:cNvPr>
+          <p:cNvCxnSpPr>
+            <a:cxnSpLocks/>
+          </p:cNvCxnSpPr>
+          <p:nvPr/>
+        </p:nvCxnSpPr>
+        <p:spPr>
+          <a:xfrm flipH="1" flipV="1">
+            <a:off x="704851" y="1562582"/>
+            <a:ext cx="1031352" cy="1620456"/>
+          </a:xfrm>
+          <a:prstGeom prst="straightConnector1">
+            <a:avLst/>
+          </a:prstGeom>
+          <a:ln>
+            <a:tailEnd type="triangle"/>
+          </a:ln>
+        </p:spPr>
+        <p:style>
+          <a:lnRef idx="1">
+            <a:schemeClr val="accent6"/>
+          </a:lnRef>
+          <a:fillRef idx="0">
+            <a:schemeClr val="accent6"/>
+          </a:fillRef>
+          <a:effectRef idx="0">
+            <a:schemeClr val="accent6"/>
+          </a:effectRef>
+          <a:fontRef idx="minor">
+            <a:schemeClr val="tx1"/>
+          </a:fontRef>
+        </p:style>
+      </p:cxnSp>
+      <p:sp>
+        <p:nvSpPr>
+          <p:cNvPr id="11" name="Obdĺžnik 10">
+            <a:extLst>
+              <a:ext uri="{FF2B5EF4-FFF2-40B4-BE49-F238E27FC236}">
+                <a16:creationId xmlns:a16="http://schemas.microsoft.com/office/drawing/2014/main" id="{03D6FE18-3A28-448A-B475-1B694D1D6DA7}"/>
+              </a:ext>
+            </a:extLst>
+          </p:cNvPr>
+          <p:cNvSpPr/>
+          <p:nvPr/>
+        </p:nvSpPr>
+        <p:spPr>
+          <a:xfrm>
+            <a:off x="4421529" y="3183038"/>
+            <a:ext cx="3611301" cy="2835797"/>
+          </a:xfrm>
+          <a:prstGeom prst="rect">
+            <a:avLst/>
+          </a:prstGeom>
+          <a:ln/>
+        </p:spPr>
+        <p:style>
+          <a:lnRef idx="2">
+            <a:schemeClr val="accent6"/>
+          </a:lnRef>
+          <a:fillRef idx="1">
+            <a:schemeClr val="lt1"/>
+          </a:fillRef>
+          <a:effectRef idx="0">
+            <a:schemeClr val="accent6"/>
+          </a:effectRef>
+          <a:fontRef idx="minor">
+            <a:schemeClr val="dk1"/>
+          </a:fontRef>
+        </p:style>
+        <p:txBody>
+          <a:bodyPr rtlCol="0" anchor="ctr"/>
+          <a:lstStyle/>
+          <a:p>
+            <a:pPr algn="ctr"/>
+            <a:r>
+              <a:rPr lang="sk-SK" dirty="0">
+                <a:solidFill>
+                  <a:srgbClr val="FF0000"/>
+                </a:solidFill>
+              </a:rPr>
+              <a:t>Bude možné údaje exportovať, bude to v podobe CSV alebo XLSX.</a:t>
+            </a:r>
+          </a:p>
+        </p:txBody>
+      </p:sp>
+      <p:cxnSp>
+        <p:nvCxnSpPr>
+          <p:cNvPr id="13" name="Rovná spojovacia šípka 12">
+            <a:extLst>
+              <a:ext uri="{FF2B5EF4-FFF2-40B4-BE49-F238E27FC236}">
+                <a16:creationId xmlns:a16="http://schemas.microsoft.com/office/drawing/2014/main" id="{95DF0466-EEB5-4D9D-ADBA-E3105DA25D6E}"/>
+              </a:ext>
+            </a:extLst>
+          </p:cNvPr>
+          <p:cNvCxnSpPr/>
+          <p:nvPr/>
+        </p:nvCxnSpPr>
+        <p:spPr>
+          <a:xfrm flipV="1">
+            <a:off x="6910086" y="1805651"/>
+            <a:ext cx="4247909" cy="1377387"/>
+          </a:xfrm>
+          <a:prstGeom prst="straightConnector1">
+            <a:avLst/>
+          </a:prstGeom>
+          <a:ln>
+            <a:tailEnd type="triangle"/>
+          </a:ln>
+        </p:spPr>
+        <p:style>
+          <a:lnRef idx="1">
+            <a:schemeClr val="accent6"/>
+          </a:lnRef>
+          <a:fillRef idx="0">
+            <a:schemeClr val="accent6"/>
+          </a:fillRef>
+          <a:effectRef idx="0">
+            <a:schemeClr val="accent6"/>
+          </a:effectRef>
+          <a:fontRef idx="minor">
+            <a:schemeClr val="tx1"/>
+          </a:fontRef>
+        </p:style>
+      </p:cxnSp>
     </p:spTree>
     <p:extLst>
       <p:ext uri="{BB962C8B-B14F-4D97-AF65-F5344CB8AC3E}">
@@ -18442,7 +20651,7 @@
                 <a:tabLst/>
                 <a:defRPr/>
               </a:pPr>
-              <a:t>8. 10. 2021</a:t>
+              <a:t>2. 11. 2021</a:t>
             </a:fld>
             <a:endParaRPr kumimoji="0" lang="fr-FR" sz="1000" b="0" i="0" u="none" strike="noStrike" kern="1200" cap="none" spc="0" normalizeH="0" baseline="0" noProof="0" dirty="0">
               <a:ln>
@@ -18586,6 +20795,193 @@
           </a:prstGeom>
         </p:spPr>
       </p:pic>
+      <p:sp>
+        <p:nvSpPr>
+          <p:cNvPr id="4" name="Obdĺžnik 3">
+            <a:extLst>
+              <a:ext uri="{FF2B5EF4-FFF2-40B4-BE49-F238E27FC236}">
+                <a16:creationId xmlns:a16="http://schemas.microsoft.com/office/drawing/2014/main" id="{4F585791-EBAA-4266-9523-931032A33ACF}"/>
+              </a:ext>
+            </a:extLst>
+          </p:cNvPr>
+          <p:cNvSpPr/>
+          <p:nvPr/>
+        </p:nvSpPr>
+        <p:spPr>
+          <a:xfrm>
+            <a:off x="1794076" y="4062714"/>
+            <a:ext cx="7164729" cy="1620456"/>
+          </a:xfrm>
+          <a:prstGeom prst="rect">
+            <a:avLst/>
+          </a:prstGeom>
+          <a:ln/>
+        </p:spPr>
+        <p:style>
+          <a:lnRef idx="2">
+            <a:schemeClr val="accent6"/>
+          </a:lnRef>
+          <a:fillRef idx="1">
+            <a:schemeClr val="lt1"/>
+          </a:fillRef>
+          <a:effectRef idx="0">
+            <a:schemeClr val="accent6"/>
+          </a:effectRef>
+          <a:fontRef idx="minor">
+            <a:schemeClr val="dk1"/>
+          </a:fontRef>
+        </p:style>
+        <p:txBody>
+          <a:bodyPr rtlCol="0" anchor="ctr"/>
+          <a:lstStyle/>
+          <a:p>
+            <a:pPr algn="ctr"/>
+            <a:r>
+              <a:rPr lang="sk-SK" dirty="0">
+                <a:solidFill>
+                  <a:srgbClr val="FF0000"/>
+                </a:solidFill>
+              </a:rPr>
+              <a:t>Filter má niekoľko možností vyhľadania. Tak isto ako v „Nastavení SKU“ je tu tlačidlo na zmazanie filtra a na vyhľadanie podľa </a:t>
+            </a:r>
+            <a:r>
+              <a:rPr lang="sk-SK" dirty="0" err="1">
+                <a:solidFill>
+                  <a:srgbClr val="FF0000"/>
+                </a:solidFill>
+              </a:rPr>
+              <a:t>fitra</a:t>
+            </a:r>
+            <a:r>
+              <a:rPr lang="sk-SK" dirty="0">
+                <a:solidFill>
+                  <a:srgbClr val="FF0000"/>
+                </a:solidFill>
+              </a:rPr>
+              <a:t>.</a:t>
+            </a:r>
+          </a:p>
+        </p:txBody>
+      </p:sp>
+      <p:cxnSp>
+        <p:nvCxnSpPr>
+          <p:cNvPr id="7" name="Rovná spojovacia šípka 6">
+            <a:extLst>
+              <a:ext uri="{FF2B5EF4-FFF2-40B4-BE49-F238E27FC236}">
+                <a16:creationId xmlns:a16="http://schemas.microsoft.com/office/drawing/2014/main" id="{64CA60B4-6737-41D5-893E-8DE6E4E57492}"/>
+              </a:ext>
+            </a:extLst>
+          </p:cNvPr>
+          <p:cNvCxnSpPr/>
+          <p:nvPr/>
+        </p:nvCxnSpPr>
+        <p:spPr>
+          <a:xfrm flipH="1" flipV="1">
+            <a:off x="2291787" y="2176041"/>
+            <a:ext cx="300942" cy="1875098"/>
+          </a:xfrm>
+          <a:prstGeom prst="straightConnector1">
+            <a:avLst/>
+          </a:prstGeom>
+          <a:ln>
+            <a:tailEnd type="triangle"/>
+          </a:ln>
+        </p:spPr>
+        <p:style>
+          <a:lnRef idx="1">
+            <a:schemeClr val="accent6"/>
+          </a:lnRef>
+          <a:fillRef idx="0">
+            <a:schemeClr val="accent6"/>
+          </a:fillRef>
+          <a:effectRef idx="0">
+            <a:schemeClr val="accent6"/>
+          </a:effectRef>
+          <a:fontRef idx="minor">
+            <a:schemeClr val="tx1"/>
+          </a:fontRef>
+        </p:style>
+      </p:cxnSp>
+      <p:cxnSp>
+        <p:nvCxnSpPr>
+          <p:cNvPr id="9" name="Rovná spojovacia šípka 8">
+            <a:extLst>
+              <a:ext uri="{FF2B5EF4-FFF2-40B4-BE49-F238E27FC236}">
+                <a16:creationId xmlns:a16="http://schemas.microsoft.com/office/drawing/2014/main" id="{B62E9D47-C6EF-4181-BF19-B89FC5FC16E5}"/>
+              </a:ext>
+            </a:extLst>
+          </p:cNvPr>
+          <p:cNvCxnSpPr/>
+          <p:nvPr/>
+        </p:nvCxnSpPr>
+        <p:spPr>
+          <a:xfrm flipV="1">
+            <a:off x="8218025" y="2141316"/>
+            <a:ext cx="2430684" cy="1921398"/>
+          </a:xfrm>
+          <a:prstGeom prst="straightConnector1">
+            <a:avLst/>
+          </a:prstGeom>
+          <a:ln>
+            <a:tailEnd type="triangle"/>
+          </a:ln>
+        </p:spPr>
+        <p:style>
+          <a:lnRef idx="1">
+            <a:schemeClr val="accent6"/>
+          </a:lnRef>
+          <a:fillRef idx="0">
+            <a:schemeClr val="accent6"/>
+          </a:fillRef>
+          <a:effectRef idx="0">
+            <a:schemeClr val="accent6"/>
+          </a:effectRef>
+          <a:fontRef idx="minor">
+            <a:schemeClr val="tx1"/>
+          </a:fontRef>
+        </p:style>
+      </p:cxnSp>
+      <p:cxnSp>
+        <p:nvCxnSpPr>
+          <p:cNvPr id="11" name="Rovná spojovacia šípka 10">
+            <a:extLst>
+              <a:ext uri="{FF2B5EF4-FFF2-40B4-BE49-F238E27FC236}">
+                <a16:creationId xmlns:a16="http://schemas.microsoft.com/office/drawing/2014/main" id="{17AD96C6-47E1-425F-A6AF-630D1C1CEDF7}"/>
+              </a:ext>
+            </a:extLst>
+          </p:cNvPr>
+          <p:cNvCxnSpPr>
+            <a:cxnSpLocks/>
+          </p:cNvCxnSpPr>
+          <p:nvPr/>
+        </p:nvCxnSpPr>
+        <p:spPr>
+          <a:xfrm flipV="1">
+            <a:off x="8218025" y="2060294"/>
+            <a:ext cx="3055717" cy="2002420"/>
+          </a:xfrm>
+          <a:prstGeom prst="straightConnector1">
+            <a:avLst/>
+          </a:prstGeom>
+          <a:ln>
+            <a:tailEnd type="triangle"/>
+          </a:ln>
+        </p:spPr>
+        <p:style>
+          <a:lnRef idx="1">
+            <a:schemeClr val="accent6"/>
+          </a:lnRef>
+          <a:fillRef idx="0">
+            <a:schemeClr val="accent6"/>
+          </a:fillRef>
+          <a:effectRef idx="0">
+            <a:schemeClr val="accent6"/>
+          </a:effectRef>
+          <a:fontRef idx="minor">
+            <a:schemeClr val="tx1"/>
+          </a:fontRef>
+        </p:style>
+      </p:cxnSp>
     </p:spTree>
     <p:extLst>
       <p:ext uri="{BB962C8B-B14F-4D97-AF65-F5344CB8AC3E}">
@@ -18686,7 +21082,7 @@
                 <a:tabLst/>
                 <a:defRPr/>
               </a:pPr>
-              <a:t>8. 10. 2021</a:t>
+              <a:t>2. 11. 2021</a:t>
             </a:fld>
             <a:endParaRPr kumimoji="0" lang="fr-FR" sz="1000" b="0" i="0" u="none" strike="noStrike" kern="1200" cap="none" spc="0" normalizeH="0" baseline="0" noProof="0" dirty="0">
               <a:ln>
@@ -18930,7 +21326,7 @@
                 <a:tabLst/>
                 <a:defRPr/>
               </a:pPr>
-              <a:t>8. 10. 2021</a:t>
+              <a:t>2. 11. 2021</a:t>
             </a:fld>
             <a:endParaRPr kumimoji="0" lang="fr-FR" sz="1000" b="0" i="0" u="none" strike="noStrike" kern="1200" cap="none" spc="0" normalizeH="0" baseline="0" noProof="0" dirty="0">
               <a:ln>
@@ -19174,7 +21570,7 @@
                 <a:tabLst/>
                 <a:defRPr/>
               </a:pPr>
-              <a:t>8. 10. 2021</a:t>
+              <a:t>2. 11. 2021</a:t>
             </a:fld>
             <a:endParaRPr kumimoji="0" lang="fr-FR" sz="1000" b="0" i="0" u="none" strike="noStrike" kern="1200" cap="none" spc="0" normalizeH="0" baseline="0" noProof="0" dirty="0">
               <a:ln>
@@ -19318,6 +21714,190 @@
           </a:prstGeom>
         </p:spPr>
       </p:pic>
+      <p:sp>
+        <p:nvSpPr>
+          <p:cNvPr id="4" name="Obdĺžnik 3">
+            <a:extLst>
+              <a:ext uri="{FF2B5EF4-FFF2-40B4-BE49-F238E27FC236}">
+                <a16:creationId xmlns:a16="http://schemas.microsoft.com/office/drawing/2014/main" id="{D512A34E-2E4B-472B-9BC3-9EA684C2AF61}"/>
+              </a:ext>
+            </a:extLst>
+          </p:cNvPr>
+          <p:cNvSpPr/>
+          <p:nvPr/>
+        </p:nvSpPr>
+        <p:spPr>
+          <a:xfrm>
+            <a:off x="856527" y="3588152"/>
+            <a:ext cx="3402957" cy="2349661"/>
+          </a:xfrm>
+          <a:prstGeom prst="rect">
+            <a:avLst/>
+          </a:prstGeom>
+          <a:ln/>
+        </p:spPr>
+        <p:style>
+          <a:lnRef idx="2">
+            <a:schemeClr val="accent6"/>
+          </a:lnRef>
+          <a:fillRef idx="1">
+            <a:schemeClr val="lt1"/>
+          </a:fillRef>
+          <a:effectRef idx="0">
+            <a:schemeClr val="accent6"/>
+          </a:effectRef>
+          <a:fontRef idx="minor">
+            <a:schemeClr val="dk1"/>
+          </a:fontRef>
+        </p:style>
+        <p:txBody>
+          <a:bodyPr rtlCol="0" anchor="ctr"/>
+          <a:lstStyle/>
+          <a:p>
+            <a:pPr algn="ctr"/>
+            <a:r>
+              <a:rPr lang="sk-SK" dirty="0">
+                <a:solidFill>
+                  <a:srgbClr val="FF0000"/>
+                </a:solidFill>
+              </a:rPr>
+              <a:t>Je tu filter na vyhľadanie podľa mailovej adresy a na čas odoslania. Opäť dve tlačidlá „Vyhľadať“ a „Vymazať“ na filter.</a:t>
+            </a:r>
+          </a:p>
+        </p:txBody>
+      </p:sp>
+      <p:cxnSp>
+        <p:nvCxnSpPr>
+          <p:cNvPr id="7" name="Rovná spojovacia šípka 6">
+            <a:extLst>
+              <a:ext uri="{FF2B5EF4-FFF2-40B4-BE49-F238E27FC236}">
+                <a16:creationId xmlns:a16="http://schemas.microsoft.com/office/drawing/2014/main" id="{C77DDBAC-E6E9-456F-8421-A6327D28B504}"/>
+              </a:ext>
+            </a:extLst>
+          </p:cNvPr>
+          <p:cNvCxnSpPr>
+            <a:cxnSpLocks/>
+          </p:cNvCxnSpPr>
+          <p:nvPr/>
+        </p:nvCxnSpPr>
+        <p:spPr>
+          <a:xfrm flipV="1">
+            <a:off x="1516284" y="1898248"/>
+            <a:ext cx="605004" cy="1678329"/>
+          </a:xfrm>
+          <a:prstGeom prst="straightConnector1">
+            <a:avLst/>
+          </a:prstGeom>
+          <a:ln>
+            <a:tailEnd type="triangle"/>
+          </a:ln>
+        </p:spPr>
+        <p:style>
+          <a:lnRef idx="1">
+            <a:schemeClr val="accent6"/>
+          </a:lnRef>
+          <a:fillRef idx="0">
+            <a:schemeClr val="accent6"/>
+          </a:fillRef>
+          <a:effectRef idx="0">
+            <a:schemeClr val="accent6"/>
+          </a:effectRef>
+          <a:fontRef idx="minor">
+            <a:schemeClr val="tx1"/>
+          </a:fontRef>
+        </p:style>
+      </p:cxnSp>
+      <p:sp>
+        <p:nvSpPr>
+          <p:cNvPr id="11" name="Obdĺžnik 10">
+            <a:extLst>
+              <a:ext uri="{FF2B5EF4-FFF2-40B4-BE49-F238E27FC236}">
+                <a16:creationId xmlns:a16="http://schemas.microsoft.com/office/drawing/2014/main" id="{DBB6ABE0-F9A5-4D98-9C4A-024FF246A1F6}"/>
+              </a:ext>
+            </a:extLst>
+          </p:cNvPr>
+          <p:cNvSpPr/>
+          <p:nvPr/>
+        </p:nvSpPr>
+        <p:spPr>
+          <a:xfrm>
+            <a:off x="6096000" y="3576577"/>
+            <a:ext cx="5239473" cy="2361236"/>
+          </a:xfrm>
+          <a:prstGeom prst="rect">
+            <a:avLst/>
+          </a:prstGeom>
+          <a:ln/>
+        </p:spPr>
+        <p:style>
+          <a:lnRef idx="2">
+            <a:schemeClr val="accent6"/>
+          </a:lnRef>
+          <a:fillRef idx="1">
+            <a:schemeClr val="lt1"/>
+          </a:fillRef>
+          <a:effectRef idx="0">
+            <a:schemeClr val="accent6"/>
+          </a:effectRef>
+          <a:fontRef idx="minor">
+            <a:schemeClr val="dk1"/>
+          </a:fontRef>
+        </p:style>
+        <p:txBody>
+          <a:bodyPr rtlCol="0" anchor="ctr"/>
+          <a:lstStyle/>
+          <a:p>
+            <a:pPr algn="ctr"/>
+            <a:r>
+              <a:rPr lang="sk-SK" dirty="0">
+                <a:solidFill>
+                  <a:srgbClr val="FF0000"/>
+                </a:solidFill>
+              </a:rPr>
+              <a:t>Tlačidlo „Pridať nový“ mail na odosielanie exportov.</a:t>
+            </a:r>
+          </a:p>
+        </p:txBody>
+      </p:sp>
+      <p:cxnSp>
+        <p:nvCxnSpPr>
+          <p:cNvPr id="13" name="Rovná spojovacia šípka 12">
+            <a:extLst>
+              <a:ext uri="{FF2B5EF4-FFF2-40B4-BE49-F238E27FC236}">
+                <a16:creationId xmlns:a16="http://schemas.microsoft.com/office/drawing/2014/main" id="{3A856BF5-9793-49C2-AD2E-4F579772B07A}"/>
+              </a:ext>
+            </a:extLst>
+          </p:cNvPr>
+          <p:cNvCxnSpPr/>
+          <p:nvPr/>
+        </p:nvCxnSpPr>
+        <p:spPr>
+          <a:xfrm flipV="1">
+            <a:off x="10266744" y="2176041"/>
+            <a:ext cx="856527" cy="1412111"/>
+          </a:xfrm>
+          <a:prstGeom prst="straightConnector1">
+            <a:avLst/>
+          </a:prstGeom>
+          <a:ln>
+            <a:tailEnd type="triangle"/>
+          </a:ln>
+        </p:spPr>
+        <p:style>
+          <a:lnRef idx="1">
+            <a:schemeClr val="accent6"/>
+          </a:lnRef>
+          <a:fillRef idx="0">
+            <a:schemeClr val="accent6"/>
+          </a:fillRef>
+          <a:effectRef idx="0">
+            <a:schemeClr val="accent6"/>
+          </a:effectRef>
+          <a:fontRef idx="minor">
+            <a:schemeClr val="tx1"/>
+          </a:fontRef>
+        </p:style>
+      </p:cxnSp>
     </p:spTree>
     <p:extLst>
       <p:ext uri="{BB962C8B-B14F-4D97-AF65-F5344CB8AC3E}">
@@ -19418,7 +21998,7 @@
                 <a:tabLst/>
                 <a:defRPr/>
               </a:pPr>
-              <a:t>8. 10. 2021</a:t>
+              <a:t>2. 11. 2021</a:t>
             </a:fld>
             <a:endParaRPr kumimoji="0" lang="fr-FR" sz="1000" b="0" i="0" u="none" strike="noStrike" kern="1200" cap="none" spc="0" normalizeH="0" baseline="0" noProof="0" dirty="0">
               <a:ln>
@@ -19662,7 +22242,7 @@
                 <a:tabLst/>
                 <a:defRPr/>
               </a:pPr>
-              <a:t>8. 10. 2021</a:t>
+              <a:t>2. 11. 2021</a:t>
             </a:fld>
             <a:endParaRPr kumimoji="0" lang="fr-FR" sz="1000" b="0" i="0" u="none" strike="noStrike" kern="1200" cap="none" spc="0" normalizeH="0" baseline="0" noProof="0" dirty="0">
               <a:ln>
@@ -19805,7 +22385,402 @@
             <a:avLst/>
           </a:prstGeom>
         </p:spPr>
+        <p:style>
+          <a:lnRef idx="2">
+            <a:schemeClr val="accent6"/>
+          </a:lnRef>
+          <a:fillRef idx="1">
+            <a:schemeClr val="lt1"/>
+          </a:fillRef>
+          <a:effectRef idx="0">
+            <a:schemeClr val="accent6"/>
+          </a:effectRef>
+          <a:fontRef idx="minor">
+            <a:schemeClr val="dk1"/>
+          </a:fontRef>
+        </p:style>
       </p:pic>
+      <p:sp>
+        <p:nvSpPr>
+          <p:cNvPr id="4" name="Obdĺžnik 3">
+            <a:extLst>
+              <a:ext uri="{FF2B5EF4-FFF2-40B4-BE49-F238E27FC236}">
+                <a16:creationId xmlns:a16="http://schemas.microsoft.com/office/drawing/2014/main" id="{6B48A83F-24BA-4E36-9F3B-DA10512A2698}"/>
+              </a:ext>
+            </a:extLst>
+          </p:cNvPr>
+          <p:cNvSpPr/>
+          <p:nvPr/>
+        </p:nvSpPr>
+        <p:spPr>
+          <a:xfrm>
+            <a:off x="1104901" y="3026979"/>
+            <a:ext cx="2448910" cy="2596054"/>
+          </a:xfrm>
+          <a:prstGeom prst="rect">
+            <a:avLst/>
+          </a:prstGeom>
+          <a:ln/>
+        </p:spPr>
+        <p:style>
+          <a:lnRef idx="2">
+            <a:schemeClr val="accent6"/>
+          </a:lnRef>
+          <a:fillRef idx="1">
+            <a:schemeClr val="lt1"/>
+          </a:fillRef>
+          <a:effectRef idx="0">
+            <a:schemeClr val="accent6"/>
+          </a:effectRef>
+          <a:fontRef idx="minor">
+            <a:schemeClr val="dk1"/>
+          </a:fontRef>
+        </p:style>
+        <p:txBody>
+          <a:bodyPr rtlCol="0" anchor="ctr"/>
+          <a:lstStyle/>
+          <a:p>
+            <a:pPr algn="ctr"/>
+            <a:r>
+              <a:rPr lang="sk-SK" dirty="0">
+                <a:solidFill>
+                  <a:srgbClr val="FF0000"/>
+                </a:solidFill>
+              </a:rPr>
+              <a:t>Tabuľka s používateľskými účtami. Stĺpec „Akcie“ – čo ten používateľ vykonal keď bol prihlásený. Sú tu 4 tlačidlá – Editovať, Vymazať, Blokovať a RESET hesla</a:t>
+            </a:r>
+          </a:p>
+        </p:txBody>
+      </p:sp>
+      <p:cxnSp>
+        <p:nvCxnSpPr>
+          <p:cNvPr id="7" name="Rovná spojovacia šípka 6">
+            <a:extLst>
+              <a:ext uri="{FF2B5EF4-FFF2-40B4-BE49-F238E27FC236}">
+                <a16:creationId xmlns:a16="http://schemas.microsoft.com/office/drawing/2014/main" id="{F7CF8916-674C-4B97-B515-0AB8EC6BBEB8}"/>
+              </a:ext>
+            </a:extLst>
+          </p:cNvPr>
+          <p:cNvCxnSpPr>
+            <a:cxnSpLocks/>
+          </p:cNvCxnSpPr>
+          <p:nvPr/>
+        </p:nvCxnSpPr>
+        <p:spPr>
+          <a:xfrm flipV="1">
+            <a:off x="1881351" y="2396358"/>
+            <a:ext cx="136635" cy="630622"/>
+          </a:xfrm>
+          <a:prstGeom prst="straightConnector1">
+            <a:avLst/>
+          </a:prstGeom>
+          <a:ln>
+            <a:tailEnd type="triangle"/>
+          </a:ln>
+        </p:spPr>
+        <p:style>
+          <a:lnRef idx="1">
+            <a:schemeClr val="accent6"/>
+          </a:lnRef>
+          <a:fillRef idx="0">
+            <a:schemeClr val="accent6"/>
+          </a:fillRef>
+          <a:effectRef idx="0">
+            <a:schemeClr val="accent6"/>
+          </a:effectRef>
+          <a:fontRef idx="minor">
+            <a:schemeClr val="tx1"/>
+          </a:fontRef>
+        </p:style>
+      </p:cxnSp>
+      <p:cxnSp>
+        <p:nvCxnSpPr>
+          <p:cNvPr id="9" name="Rovná spojovacia šípka 8">
+            <a:extLst>
+              <a:ext uri="{FF2B5EF4-FFF2-40B4-BE49-F238E27FC236}">
+                <a16:creationId xmlns:a16="http://schemas.microsoft.com/office/drawing/2014/main" id="{F036D4AE-D11D-449C-823F-B070A469DAD2}"/>
+              </a:ext>
+            </a:extLst>
+          </p:cNvPr>
+          <p:cNvCxnSpPr/>
+          <p:nvPr/>
+        </p:nvCxnSpPr>
+        <p:spPr>
+          <a:xfrm flipV="1">
+            <a:off x="1870841" y="2522483"/>
+            <a:ext cx="1460938" cy="504496"/>
+          </a:xfrm>
+          <a:prstGeom prst="straightConnector1">
+            <a:avLst/>
+          </a:prstGeom>
+          <a:ln>
+            <a:tailEnd type="triangle"/>
+          </a:ln>
+        </p:spPr>
+        <p:style>
+          <a:lnRef idx="1">
+            <a:schemeClr val="accent6"/>
+          </a:lnRef>
+          <a:fillRef idx="0">
+            <a:schemeClr val="accent6"/>
+          </a:fillRef>
+          <a:effectRef idx="0">
+            <a:schemeClr val="accent6"/>
+          </a:effectRef>
+          <a:fontRef idx="minor">
+            <a:schemeClr val="tx1"/>
+          </a:fontRef>
+        </p:style>
+      </p:cxnSp>
+      <p:sp>
+        <p:nvSpPr>
+          <p:cNvPr id="11" name="Obdĺžnik 10">
+            <a:extLst>
+              <a:ext uri="{FF2B5EF4-FFF2-40B4-BE49-F238E27FC236}">
+                <a16:creationId xmlns:a16="http://schemas.microsoft.com/office/drawing/2014/main" id="{5D4733FA-2C9B-418E-9EA6-FD7F8DAB5276}"/>
+              </a:ext>
+            </a:extLst>
+          </p:cNvPr>
+          <p:cNvSpPr/>
+          <p:nvPr/>
+        </p:nvSpPr>
+        <p:spPr>
+          <a:xfrm>
+            <a:off x="4403834" y="3160988"/>
+            <a:ext cx="2900856" cy="1799895"/>
+          </a:xfrm>
+          <a:prstGeom prst="rect">
+            <a:avLst/>
+          </a:prstGeom>
+          <a:ln/>
+        </p:spPr>
+        <p:style>
+          <a:lnRef idx="2">
+            <a:schemeClr val="accent6"/>
+          </a:lnRef>
+          <a:fillRef idx="1">
+            <a:schemeClr val="lt1"/>
+          </a:fillRef>
+          <a:effectRef idx="0">
+            <a:schemeClr val="accent6"/>
+          </a:effectRef>
+          <a:fontRef idx="minor">
+            <a:schemeClr val="dk1"/>
+          </a:fontRef>
+        </p:style>
+        <p:txBody>
+          <a:bodyPr rtlCol="0" anchor="ctr"/>
+          <a:lstStyle/>
+          <a:p>
+            <a:pPr algn="ctr"/>
+            <a:r>
+              <a:rPr lang="sk-SK" dirty="0">
+                <a:solidFill>
+                  <a:srgbClr val="FF0000"/>
+                </a:solidFill>
+              </a:rPr>
+              <a:t>Filter na vyhľadanie používateľského účtu podľa istých dát. </a:t>
+            </a:r>
+          </a:p>
+        </p:txBody>
+      </p:sp>
+      <p:cxnSp>
+        <p:nvCxnSpPr>
+          <p:cNvPr id="13" name="Rovná spojovacia šípka 12">
+            <a:extLst>
+              <a:ext uri="{FF2B5EF4-FFF2-40B4-BE49-F238E27FC236}">
+                <a16:creationId xmlns:a16="http://schemas.microsoft.com/office/drawing/2014/main" id="{9FD09E3E-151F-4245-95E1-EA71C9AF06EB}"/>
+              </a:ext>
+            </a:extLst>
+          </p:cNvPr>
+          <p:cNvCxnSpPr/>
+          <p:nvPr/>
+        </p:nvCxnSpPr>
+        <p:spPr>
+          <a:xfrm flipH="1" flipV="1">
+            <a:off x="4172607" y="1502979"/>
+            <a:ext cx="966952" cy="1660635"/>
+          </a:xfrm>
+          <a:prstGeom prst="straightConnector1">
+            <a:avLst/>
+          </a:prstGeom>
+          <a:ln>
+            <a:tailEnd type="triangle"/>
+          </a:ln>
+        </p:spPr>
+        <p:style>
+          <a:lnRef idx="2">
+            <a:schemeClr val="accent6"/>
+          </a:lnRef>
+          <a:fillRef idx="0">
+            <a:schemeClr val="accent6"/>
+          </a:fillRef>
+          <a:effectRef idx="1">
+            <a:schemeClr val="accent6"/>
+          </a:effectRef>
+          <a:fontRef idx="minor">
+            <a:schemeClr val="tx1"/>
+          </a:fontRef>
+        </p:style>
+      </p:cxnSp>
+      <p:sp>
+        <p:nvSpPr>
+          <p:cNvPr id="14" name="Obdĺžnik 13">
+            <a:extLst>
+              <a:ext uri="{FF2B5EF4-FFF2-40B4-BE49-F238E27FC236}">
+                <a16:creationId xmlns:a16="http://schemas.microsoft.com/office/drawing/2014/main" id="{3C45A07D-D201-4441-A8A0-778E355D7796}"/>
+              </a:ext>
+            </a:extLst>
+          </p:cNvPr>
+          <p:cNvSpPr/>
+          <p:nvPr/>
+        </p:nvSpPr>
+        <p:spPr>
+          <a:xfrm>
+            <a:off x="9196552" y="3026979"/>
+            <a:ext cx="2785241" cy="1660635"/>
+          </a:xfrm>
+          <a:prstGeom prst="rect">
+            <a:avLst/>
+          </a:prstGeom>
+          <a:ln/>
+        </p:spPr>
+        <p:style>
+          <a:lnRef idx="2">
+            <a:schemeClr val="accent6"/>
+          </a:lnRef>
+          <a:fillRef idx="1">
+            <a:schemeClr val="lt1"/>
+          </a:fillRef>
+          <a:effectRef idx="0">
+            <a:schemeClr val="accent6"/>
+          </a:effectRef>
+          <a:fontRef idx="minor">
+            <a:schemeClr val="dk1"/>
+          </a:fontRef>
+        </p:style>
+        <p:txBody>
+          <a:bodyPr rtlCol="0" anchor="ctr"/>
+          <a:lstStyle/>
+          <a:p>
+            <a:pPr algn="ctr"/>
+            <a:r>
+              <a:rPr lang="sk-SK" dirty="0">
+                <a:solidFill>
+                  <a:srgbClr val="FF0000"/>
+                </a:solidFill>
+              </a:rPr>
+              <a:t>Tlačidlo na export používateľských účtov.</a:t>
+            </a:r>
+            <a:br>
+              <a:rPr lang="sk-SK" dirty="0">
+                <a:solidFill>
+                  <a:srgbClr val="FF0000"/>
+                </a:solidFill>
+              </a:rPr>
+            </a:br>
+            <a:r>
+              <a:rPr lang="sk-SK" dirty="0">
+                <a:solidFill>
+                  <a:srgbClr val="FF0000"/>
+                </a:solidFill>
+              </a:rPr>
+              <a:t>Tlačidlo na blokovanie všetkých účtov. A tlačidlo na pridanie nového účtu.</a:t>
+            </a:r>
+          </a:p>
+        </p:txBody>
+      </p:sp>
+      <p:cxnSp>
+        <p:nvCxnSpPr>
+          <p:cNvPr id="16" name="Rovná spojovacia šípka 15">
+            <a:extLst>
+              <a:ext uri="{FF2B5EF4-FFF2-40B4-BE49-F238E27FC236}">
+                <a16:creationId xmlns:a16="http://schemas.microsoft.com/office/drawing/2014/main" id="{725AE562-F043-46B9-B5B9-0DCDFA10A68A}"/>
+              </a:ext>
+            </a:extLst>
+          </p:cNvPr>
+          <p:cNvCxnSpPr/>
+          <p:nvPr/>
+        </p:nvCxnSpPr>
+        <p:spPr>
+          <a:xfrm flipV="1">
+            <a:off x="11351172" y="1807779"/>
+            <a:ext cx="0" cy="1219200"/>
+          </a:xfrm>
+          <a:prstGeom prst="straightConnector1">
+            <a:avLst/>
+          </a:prstGeom>
+          <a:ln>
+            <a:tailEnd type="triangle"/>
+          </a:ln>
+        </p:spPr>
+        <p:style>
+          <a:lnRef idx="1">
+            <a:schemeClr val="accent6"/>
+          </a:lnRef>
+          <a:fillRef idx="0">
+            <a:schemeClr val="accent6"/>
+          </a:fillRef>
+          <a:effectRef idx="0">
+            <a:schemeClr val="accent6"/>
+          </a:effectRef>
+          <a:fontRef idx="minor">
+            <a:schemeClr val="tx1"/>
+          </a:fontRef>
+        </p:style>
+      </p:cxnSp>
+      <p:sp>
+        <p:nvSpPr>
+          <p:cNvPr id="17" name="Obdĺžnik 16">
+            <a:extLst>
+              <a:ext uri="{FF2B5EF4-FFF2-40B4-BE49-F238E27FC236}">
+                <a16:creationId xmlns:a16="http://schemas.microsoft.com/office/drawing/2014/main" id="{870063AC-7813-4732-8808-C776460F4AEE}"/>
+              </a:ext>
+            </a:extLst>
+          </p:cNvPr>
+          <p:cNvSpPr/>
+          <p:nvPr/>
+        </p:nvSpPr>
+        <p:spPr>
+          <a:xfrm>
+            <a:off x="9427781" y="1513489"/>
+            <a:ext cx="2701159" cy="294290"/>
+          </a:xfrm>
+          <a:prstGeom prst="rect">
+            <a:avLst/>
+          </a:prstGeom>
+          <a:solidFill>
+            <a:schemeClr val="accent6">
+              <a:alpha val="50000"/>
+            </a:schemeClr>
+          </a:solidFill>
+          <a:ln>
+            <a:noFill/>
+          </a:ln>
+        </p:spPr>
+        <p:style>
+          <a:lnRef idx="0">
+            <a:scrgbClr r="0" g="0" b="0"/>
+          </a:lnRef>
+          <a:fillRef idx="0">
+            <a:scrgbClr r="0" g="0" b="0"/>
+          </a:fillRef>
+          <a:effectRef idx="0">
+            <a:scrgbClr r="0" g="0" b="0"/>
+          </a:effectRef>
+          <a:fontRef idx="minor">
+            <a:schemeClr val="lt1"/>
+          </a:fontRef>
+        </p:style>
+        <p:txBody>
+          <a:bodyPr rtlCol="0" anchor="ctr"/>
+          <a:lstStyle/>
+          <a:p>
+            <a:pPr algn="ctr"/>
+            <a:endParaRPr lang="sk-SK"/>
+          </a:p>
+        </p:txBody>
+      </p:sp>
     </p:spTree>
     <p:extLst>
       <p:ext uri="{BB962C8B-B14F-4D97-AF65-F5344CB8AC3E}">
@@ -19906,7 +22881,7 @@
                 <a:tabLst/>
                 <a:defRPr/>
               </a:pPr>
-              <a:t>8. 10. 2021</a:t>
+              <a:t>2. 11. 2021</a:t>
             </a:fld>
             <a:endParaRPr kumimoji="0" lang="fr-FR" sz="1000" b="0" i="0" u="none" strike="noStrike" kern="1200" cap="none" spc="0" normalizeH="0" baseline="0" noProof="0" dirty="0">
               <a:ln>
@@ -20050,6 +23025,97 @@
           </a:prstGeom>
         </p:spPr>
       </p:pic>
+      <p:sp>
+        <p:nvSpPr>
+          <p:cNvPr id="4" name="Obdĺžnik 3">
+            <a:extLst>
+              <a:ext uri="{FF2B5EF4-FFF2-40B4-BE49-F238E27FC236}">
+                <a16:creationId xmlns:a16="http://schemas.microsoft.com/office/drawing/2014/main" id="{D94CF489-3B13-400F-8C05-BD3B01226676}"/>
+              </a:ext>
+            </a:extLst>
+          </p:cNvPr>
+          <p:cNvSpPr/>
+          <p:nvPr/>
+        </p:nvSpPr>
+        <p:spPr>
+          <a:xfrm>
+            <a:off x="8797159" y="3429000"/>
+            <a:ext cx="2995448" cy="1058917"/>
+          </a:xfrm>
+          <a:prstGeom prst="rect">
+            <a:avLst/>
+          </a:prstGeom>
+          <a:ln/>
+        </p:spPr>
+        <p:style>
+          <a:lnRef idx="2">
+            <a:schemeClr val="accent6"/>
+          </a:lnRef>
+          <a:fillRef idx="1">
+            <a:schemeClr val="lt1"/>
+          </a:fillRef>
+          <a:effectRef idx="0">
+            <a:schemeClr val="accent6"/>
+          </a:effectRef>
+          <a:fontRef idx="minor">
+            <a:schemeClr val="dk1"/>
+          </a:fontRef>
+        </p:style>
+        <p:txBody>
+          <a:bodyPr rtlCol="0" anchor="ctr"/>
+          <a:lstStyle/>
+          <a:p>
+            <a:pPr algn="ctr"/>
+            <a:r>
+              <a:rPr lang="sk-SK" dirty="0">
+                <a:solidFill>
+                  <a:srgbClr val="FF0000"/>
+                </a:solidFill>
+              </a:rPr>
+              <a:t>Opäť dve tlačidlá, buď na vymazanie alebo vyhľadanie filtra.</a:t>
+            </a:r>
+          </a:p>
+        </p:txBody>
+      </p:sp>
+      <p:cxnSp>
+        <p:nvCxnSpPr>
+          <p:cNvPr id="7" name="Rovná spojovacia šípka 6">
+            <a:extLst>
+              <a:ext uri="{FF2B5EF4-FFF2-40B4-BE49-F238E27FC236}">
+                <a16:creationId xmlns:a16="http://schemas.microsoft.com/office/drawing/2014/main" id="{128AB5A1-1734-4D67-BB95-E573AC94A775}"/>
+              </a:ext>
+            </a:extLst>
+          </p:cNvPr>
+          <p:cNvCxnSpPr/>
+          <p:nvPr/>
+        </p:nvCxnSpPr>
+        <p:spPr>
+          <a:xfrm flipV="1">
+            <a:off x="11130455" y="1954924"/>
+            <a:ext cx="399393" cy="1474076"/>
+          </a:xfrm>
+          <a:prstGeom prst="straightConnector1">
+            <a:avLst/>
+          </a:prstGeom>
+          <a:ln>
+            <a:tailEnd type="triangle"/>
+          </a:ln>
+        </p:spPr>
+        <p:style>
+          <a:lnRef idx="3">
+            <a:schemeClr val="accent6"/>
+          </a:lnRef>
+          <a:fillRef idx="0">
+            <a:schemeClr val="accent6"/>
+          </a:fillRef>
+          <a:effectRef idx="2">
+            <a:schemeClr val="accent6"/>
+          </a:effectRef>
+          <a:fontRef idx="minor">
+            <a:schemeClr val="tx1"/>
+          </a:fontRef>
+        </p:style>
+      </p:cxnSp>
     </p:spTree>
     <p:extLst>
       <p:ext uri="{BB962C8B-B14F-4D97-AF65-F5344CB8AC3E}">
@@ -20150,7 +23216,7 @@
                 <a:tabLst/>
                 <a:defRPr/>
               </a:pPr>
-              <a:t>8. 10. 2021</a:t>
+              <a:t>2. 11. 2021</a:t>
             </a:fld>
             <a:endParaRPr kumimoji="0" lang="fr-FR" sz="1000" b="0" i="0" u="none" strike="noStrike" kern="1200" cap="none" spc="0" normalizeH="0" baseline="0" noProof="0" dirty="0">
               <a:ln>
@@ -20394,7 +23460,7 @@
                 <a:tabLst/>
                 <a:defRPr/>
               </a:pPr>
-              <a:t>8. 10. 2021</a:t>
+              <a:t>2. 11. 2021</a:t>
             </a:fld>
             <a:endParaRPr kumimoji="0" lang="fr-FR" sz="1000" b="0" i="0" u="none" strike="noStrike" kern="1200" cap="none" spc="0" normalizeH="0" baseline="0" noProof="0" dirty="0">
               <a:ln>
@@ -20538,6 +23604,298 @@
           </a:prstGeom>
         </p:spPr>
       </p:pic>
+      <p:sp>
+        <p:nvSpPr>
+          <p:cNvPr id="4" name="Obdĺžnik 3">
+            <a:extLst>
+              <a:ext uri="{FF2B5EF4-FFF2-40B4-BE49-F238E27FC236}">
+                <a16:creationId xmlns:a16="http://schemas.microsoft.com/office/drawing/2014/main" id="{C95A049F-8C0A-495A-A976-16E863128202}"/>
+              </a:ext>
+            </a:extLst>
+          </p:cNvPr>
+          <p:cNvSpPr/>
+          <p:nvPr/>
+        </p:nvSpPr>
+        <p:spPr>
+          <a:xfrm>
+            <a:off x="704851" y="3429000"/>
+            <a:ext cx="4508280" cy="1826172"/>
+          </a:xfrm>
+          <a:prstGeom prst="rect">
+            <a:avLst/>
+          </a:prstGeom>
+          <a:ln/>
+        </p:spPr>
+        <p:style>
+          <a:lnRef idx="2">
+            <a:schemeClr val="accent6"/>
+          </a:lnRef>
+          <a:fillRef idx="1">
+            <a:schemeClr val="lt1"/>
+          </a:fillRef>
+          <a:effectRef idx="0">
+            <a:schemeClr val="accent6"/>
+          </a:effectRef>
+          <a:fontRef idx="minor">
+            <a:schemeClr val="dk1"/>
+          </a:fontRef>
+        </p:style>
+        <p:txBody>
+          <a:bodyPr rtlCol="0" anchor="ctr"/>
+          <a:lstStyle/>
+          <a:p>
+            <a:pPr algn="ctr"/>
+            <a:r>
+              <a:rPr lang="sk-SK" dirty="0">
+                <a:solidFill>
+                  <a:srgbClr val="FF0000"/>
+                </a:solidFill>
+              </a:rPr>
+              <a:t>Správa skupín.</a:t>
+            </a:r>
+            <a:br>
+              <a:rPr lang="sk-SK" dirty="0">
+                <a:solidFill>
+                  <a:srgbClr val="FF0000"/>
+                </a:solidFill>
+              </a:rPr>
+            </a:br>
+            <a:r>
+              <a:rPr lang="sk-SK" dirty="0">
+                <a:solidFill>
+                  <a:srgbClr val="FF0000"/>
+                </a:solidFill>
+              </a:rPr>
+              <a:t>V tejto tabuľke je názov skupiny, jej popis, počet používateľov a akcie ktoré vykonala skupina. Stĺpec „Akcie“ sa dajú editovať alebo vymazať(prislúchajúce tlačidlá).</a:t>
+            </a:r>
+          </a:p>
+        </p:txBody>
+      </p:sp>
+      <p:cxnSp>
+        <p:nvCxnSpPr>
+          <p:cNvPr id="7" name="Rovná spojovacia šípka 6">
+            <a:extLst>
+              <a:ext uri="{FF2B5EF4-FFF2-40B4-BE49-F238E27FC236}">
+                <a16:creationId xmlns:a16="http://schemas.microsoft.com/office/drawing/2014/main" id="{612F2F5E-CBFD-4A8F-99D0-88129A4B64CE}"/>
+              </a:ext>
+            </a:extLst>
+          </p:cNvPr>
+          <p:cNvCxnSpPr>
+            <a:cxnSpLocks/>
+          </p:cNvCxnSpPr>
+          <p:nvPr/>
+        </p:nvCxnSpPr>
+        <p:spPr>
+          <a:xfrm flipV="1">
+            <a:off x="4529959" y="2680138"/>
+            <a:ext cx="840827" cy="748862"/>
+          </a:xfrm>
+          <a:prstGeom prst="straightConnector1">
+            <a:avLst/>
+          </a:prstGeom>
+          <a:ln>
+            <a:tailEnd type="triangle"/>
+          </a:ln>
+        </p:spPr>
+        <p:style>
+          <a:lnRef idx="1">
+            <a:schemeClr val="accent6"/>
+          </a:lnRef>
+          <a:fillRef idx="0">
+            <a:schemeClr val="accent6"/>
+          </a:fillRef>
+          <a:effectRef idx="0">
+            <a:schemeClr val="accent6"/>
+          </a:effectRef>
+          <a:fontRef idx="minor">
+            <a:schemeClr val="tx1"/>
+          </a:fontRef>
+        </p:style>
+      </p:cxnSp>
+      <p:sp>
+        <p:nvSpPr>
+          <p:cNvPr id="8" name="Obdĺžnik 7">
+            <a:extLst>
+              <a:ext uri="{FF2B5EF4-FFF2-40B4-BE49-F238E27FC236}">
+                <a16:creationId xmlns:a16="http://schemas.microsoft.com/office/drawing/2014/main" id="{22C1F1BF-2AFB-4FDD-BD8C-08018896C55E}"/>
+              </a:ext>
+            </a:extLst>
+          </p:cNvPr>
+          <p:cNvSpPr/>
+          <p:nvPr/>
+        </p:nvSpPr>
+        <p:spPr>
+          <a:xfrm>
+            <a:off x="3846786" y="1881352"/>
+            <a:ext cx="1177159" cy="798786"/>
+          </a:xfrm>
+          <a:prstGeom prst="rect">
+            <a:avLst/>
+          </a:prstGeom>
+          <a:solidFill>
+            <a:schemeClr val="accent6">
+              <a:alpha val="50000"/>
+            </a:schemeClr>
+          </a:solidFill>
+          <a:ln>
+            <a:noFill/>
+          </a:ln>
+        </p:spPr>
+        <p:style>
+          <a:lnRef idx="0">
+            <a:scrgbClr r="0" g="0" b="0"/>
+          </a:lnRef>
+          <a:fillRef idx="0">
+            <a:scrgbClr r="0" g="0" b="0"/>
+          </a:fillRef>
+          <a:effectRef idx="0">
+            <a:scrgbClr r="0" g="0" b="0"/>
+          </a:effectRef>
+          <a:fontRef idx="minor">
+            <a:schemeClr val="lt1"/>
+          </a:fontRef>
+        </p:style>
+        <p:txBody>
+          <a:bodyPr rtlCol="0" anchor="ctr"/>
+          <a:lstStyle/>
+          <a:p>
+            <a:pPr algn="ctr"/>
+            <a:endParaRPr lang="sk-SK"/>
+          </a:p>
+        </p:txBody>
+      </p:sp>
+      <p:cxnSp>
+        <p:nvCxnSpPr>
+          <p:cNvPr id="10" name="Rovná spojovacia šípka 9">
+            <a:extLst>
+              <a:ext uri="{FF2B5EF4-FFF2-40B4-BE49-F238E27FC236}">
+                <a16:creationId xmlns:a16="http://schemas.microsoft.com/office/drawing/2014/main" id="{B2CD807D-4242-46C0-84BD-C15DF00881CD}"/>
+              </a:ext>
+            </a:extLst>
+          </p:cNvPr>
+          <p:cNvCxnSpPr>
+            <a:cxnSpLocks/>
+          </p:cNvCxnSpPr>
+          <p:nvPr/>
+        </p:nvCxnSpPr>
+        <p:spPr>
+          <a:xfrm flipV="1">
+            <a:off x="4529959" y="2680138"/>
+            <a:ext cx="246993" cy="748862"/>
+          </a:xfrm>
+          <a:prstGeom prst="straightConnector1">
+            <a:avLst/>
+          </a:prstGeom>
+          <a:ln>
+            <a:tailEnd type="triangle"/>
+          </a:ln>
+        </p:spPr>
+        <p:style>
+          <a:lnRef idx="1">
+            <a:schemeClr val="accent6"/>
+          </a:lnRef>
+          <a:fillRef idx="0">
+            <a:schemeClr val="accent6"/>
+          </a:fillRef>
+          <a:effectRef idx="0">
+            <a:schemeClr val="accent6"/>
+          </a:effectRef>
+          <a:fontRef idx="minor">
+            <a:schemeClr val="tx1"/>
+          </a:fontRef>
+        </p:style>
+      </p:cxnSp>
+      <p:sp>
+        <p:nvSpPr>
+          <p:cNvPr id="13" name="Obdĺžnik 12">
+            <a:extLst>
+              <a:ext uri="{FF2B5EF4-FFF2-40B4-BE49-F238E27FC236}">
+                <a16:creationId xmlns:a16="http://schemas.microsoft.com/office/drawing/2014/main" id="{9EC7AA88-DA70-4D86-8C34-B0E952443450}"/>
+              </a:ext>
+            </a:extLst>
+          </p:cNvPr>
+          <p:cNvSpPr/>
+          <p:nvPr/>
+        </p:nvSpPr>
+        <p:spPr>
+          <a:xfrm>
+            <a:off x="9553904" y="1250731"/>
+            <a:ext cx="2238703" cy="2532993"/>
+          </a:xfrm>
+          <a:prstGeom prst="rect">
+            <a:avLst/>
+          </a:prstGeom>
+          <a:ln/>
+        </p:spPr>
+        <p:style>
+          <a:lnRef idx="2">
+            <a:schemeClr val="accent6"/>
+          </a:lnRef>
+          <a:fillRef idx="1">
+            <a:schemeClr val="lt1"/>
+          </a:fillRef>
+          <a:effectRef idx="0">
+            <a:schemeClr val="accent6"/>
+          </a:effectRef>
+          <a:fontRef idx="minor">
+            <a:schemeClr val="dk1"/>
+          </a:fontRef>
+        </p:style>
+        <p:txBody>
+          <a:bodyPr rtlCol="0" anchor="ctr"/>
+          <a:lstStyle/>
+          <a:p>
+            <a:pPr algn="ctr"/>
+            <a:r>
+              <a:rPr lang="sk-SK" dirty="0">
+                <a:solidFill>
+                  <a:srgbClr val="FF0000"/>
+                </a:solidFill>
+              </a:rPr>
+              <a:t>Tlačidlo na pridanie novej skupiny</a:t>
+            </a:r>
+          </a:p>
+        </p:txBody>
+      </p:sp>
+      <p:cxnSp>
+        <p:nvCxnSpPr>
+          <p:cNvPr id="15" name="Rovná spojovacia šípka 14">
+            <a:extLst>
+              <a:ext uri="{FF2B5EF4-FFF2-40B4-BE49-F238E27FC236}">
+                <a16:creationId xmlns:a16="http://schemas.microsoft.com/office/drawing/2014/main" id="{AE469FB1-6726-4339-96E8-5DB4AB3386F8}"/>
+              </a:ext>
+            </a:extLst>
+          </p:cNvPr>
+          <p:cNvCxnSpPr/>
+          <p:nvPr/>
+        </p:nvCxnSpPr>
+        <p:spPr>
+          <a:xfrm flipH="1">
+            <a:off x="9059917" y="1429407"/>
+            <a:ext cx="493987" cy="0"/>
+          </a:xfrm>
+          <a:prstGeom prst="straightConnector1">
+            <a:avLst/>
+          </a:prstGeom>
+          <a:ln>
+            <a:tailEnd type="triangle"/>
+          </a:ln>
+        </p:spPr>
+        <p:style>
+          <a:lnRef idx="3">
+            <a:schemeClr val="accent6"/>
+          </a:lnRef>
+          <a:fillRef idx="0">
+            <a:schemeClr val="accent6"/>
+          </a:fillRef>
+          <a:effectRef idx="2">
+            <a:schemeClr val="accent6"/>
+          </a:effectRef>
+          <a:fontRef idx="minor">
+            <a:schemeClr val="tx1"/>
+          </a:fontRef>
+        </p:style>
+      </p:cxnSp>
     </p:spTree>
     <p:extLst>
       <p:ext uri="{BB962C8B-B14F-4D97-AF65-F5344CB8AC3E}">
@@ -20638,7 +23996,7 @@
                 <a:tabLst/>
                 <a:defRPr/>
               </a:pPr>
-              <a:t>8. 10. 2021</a:t>
+              <a:t>2. 11. 2021</a:t>
             </a:fld>
             <a:endParaRPr kumimoji="0" lang="fr-FR" sz="1000" b="0" i="0" u="none" strike="noStrike" kern="1200" cap="none" spc="0" normalizeH="0" baseline="0" noProof="0" dirty="0">
               <a:ln>
@@ -21016,6 +24374,416 @@
           </a:prstGeom>
         </p:spPr>
       </p:pic>
+      <p:sp>
+        <p:nvSpPr>
+          <p:cNvPr id="3" name="Obdĺžnik 2">
+            <a:extLst>
+              <a:ext uri="{FF2B5EF4-FFF2-40B4-BE49-F238E27FC236}">
+                <a16:creationId xmlns:a16="http://schemas.microsoft.com/office/drawing/2014/main" id="{EE3AD110-BCCA-42B4-B95A-99E34C7EAB9C}"/>
+              </a:ext>
+            </a:extLst>
+          </p:cNvPr>
+          <p:cNvSpPr/>
+          <p:nvPr/>
+        </p:nvSpPr>
+        <p:spPr>
+          <a:xfrm>
+            <a:off x="7910945" y="1662545"/>
+            <a:ext cx="2369127" cy="581891"/>
+          </a:xfrm>
+          <a:prstGeom prst="rect">
+            <a:avLst/>
+          </a:prstGeom>
+          <a:ln/>
+        </p:spPr>
+        <p:style>
+          <a:lnRef idx="2">
+            <a:schemeClr val="accent6"/>
+          </a:lnRef>
+          <a:fillRef idx="1">
+            <a:schemeClr val="lt1"/>
+          </a:fillRef>
+          <a:effectRef idx="0">
+            <a:schemeClr val="accent6"/>
+          </a:effectRef>
+          <a:fontRef idx="minor">
+            <a:schemeClr val="dk1"/>
+          </a:fontRef>
+        </p:style>
+        <p:txBody>
+          <a:bodyPr rtlCol="0" anchor="ctr"/>
+          <a:lstStyle/>
+          <a:p>
+            <a:pPr algn="ctr"/>
+            <a:r>
+              <a:rPr lang="sk-SK" dirty="0">
+                <a:solidFill>
+                  <a:srgbClr val="FF0000"/>
+                </a:solidFill>
+              </a:rPr>
+              <a:t>Treba zadať používateľské meno</a:t>
+            </a:r>
+          </a:p>
+        </p:txBody>
+      </p:sp>
+      <p:sp>
+        <p:nvSpPr>
+          <p:cNvPr id="5" name="Obdĺžnik 4">
+            <a:extLst>
+              <a:ext uri="{FF2B5EF4-FFF2-40B4-BE49-F238E27FC236}">
+                <a16:creationId xmlns:a16="http://schemas.microsoft.com/office/drawing/2014/main" id="{13F39744-03C5-4F47-A0F3-B94CCE2F6A21}"/>
+              </a:ext>
+            </a:extLst>
+          </p:cNvPr>
+          <p:cNvSpPr/>
+          <p:nvPr/>
+        </p:nvSpPr>
+        <p:spPr>
+          <a:xfrm>
+            <a:off x="7786253" y="2437045"/>
+            <a:ext cx="2618509" cy="1163783"/>
+          </a:xfrm>
+          <a:prstGeom prst="rect">
+            <a:avLst/>
+          </a:prstGeom>
+          <a:ln/>
+        </p:spPr>
+        <p:style>
+          <a:lnRef idx="2">
+            <a:schemeClr val="accent6"/>
+          </a:lnRef>
+          <a:fillRef idx="1">
+            <a:schemeClr val="lt1"/>
+          </a:fillRef>
+          <a:effectRef idx="0">
+            <a:schemeClr val="accent6"/>
+          </a:effectRef>
+          <a:fontRef idx="minor">
+            <a:schemeClr val="dk1"/>
+          </a:fontRef>
+        </p:style>
+        <p:txBody>
+          <a:bodyPr rtlCol="0" anchor="ctr"/>
+          <a:lstStyle/>
+          <a:p>
+            <a:pPr algn="ctr"/>
+            <a:r>
+              <a:rPr lang="sk-SK" dirty="0">
+                <a:solidFill>
+                  <a:srgbClr val="FF0000"/>
+                </a:solidFill>
+              </a:rPr>
+              <a:t>Treba zadať heslo k používateľskému menu(také aká je v databáze)</a:t>
+            </a:r>
+          </a:p>
+        </p:txBody>
+      </p:sp>
+      <p:sp>
+        <p:nvSpPr>
+          <p:cNvPr id="6" name="Obdĺžnik 5">
+            <a:extLst>
+              <a:ext uri="{FF2B5EF4-FFF2-40B4-BE49-F238E27FC236}">
+                <a16:creationId xmlns:a16="http://schemas.microsoft.com/office/drawing/2014/main" id="{A86444AB-627E-42CC-9333-AEAC0E968E04}"/>
+              </a:ext>
+            </a:extLst>
+          </p:cNvPr>
+          <p:cNvSpPr/>
+          <p:nvPr/>
+        </p:nvSpPr>
+        <p:spPr>
+          <a:xfrm>
+            <a:off x="4308764" y="4059381"/>
+            <a:ext cx="2604654" cy="1496291"/>
+          </a:xfrm>
+          <a:prstGeom prst="rect">
+            <a:avLst/>
+          </a:prstGeom>
+          <a:ln/>
+        </p:spPr>
+        <p:style>
+          <a:lnRef idx="2">
+            <a:schemeClr val="accent6"/>
+          </a:lnRef>
+          <a:fillRef idx="1">
+            <a:schemeClr val="lt1"/>
+          </a:fillRef>
+          <a:effectRef idx="0">
+            <a:schemeClr val="accent6"/>
+          </a:effectRef>
+          <a:fontRef idx="minor">
+            <a:schemeClr val="dk1"/>
+          </a:fontRef>
+        </p:style>
+        <p:txBody>
+          <a:bodyPr rtlCol="0" anchor="ctr"/>
+          <a:lstStyle/>
+          <a:p>
+            <a:pPr algn="ctr"/>
+            <a:r>
+              <a:rPr lang="sk-SK" dirty="0">
+                <a:solidFill>
+                  <a:srgbClr val="FF0000"/>
+                </a:solidFill>
+              </a:rPr>
+              <a:t>Tlačidlo „Prihlásiť“ prihlási používateľa do systému na základe správneho mena a hesla</a:t>
+            </a:r>
+          </a:p>
+        </p:txBody>
+      </p:sp>
+      <p:cxnSp>
+        <p:nvCxnSpPr>
+          <p:cNvPr id="8" name="Rovná spojovacia šípka 7">
+            <a:extLst>
+              <a:ext uri="{FF2B5EF4-FFF2-40B4-BE49-F238E27FC236}">
+                <a16:creationId xmlns:a16="http://schemas.microsoft.com/office/drawing/2014/main" id="{7C75B8BC-964D-412B-AB80-7F620D097623}"/>
+              </a:ext>
+            </a:extLst>
+          </p:cNvPr>
+          <p:cNvCxnSpPr/>
+          <p:nvPr/>
+        </p:nvCxnSpPr>
+        <p:spPr>
+          <a:xfrm flipV="1">
+            <a:off x="5971309" y="3275156"/>
+            <a:ext cx="124691" cy="784225"/>
+          </a:xfrm>
+          <a:prstGeom prst="straightConnector1">
+            <a:avLst/>
+          </a:prstGeom>
+          <a:ln>
+            <a:tailEnd type="triangle"/>
+          </a:ln>
+        </p:spPr>
+        <p:style>
+          <a:lnRef idx="1">
+            <a:schemeClr val="accent6"/>
+          </a:lnRef>
+          <a:fillRef idx="0">
+            <a:schemeClr val="accent6"/>
+          </a:fillRef>
+          <a:effectRef idx="0">
+            <a:schemeClr val="accent6"/>
+          </a:effectRef>
+          <a:fontRef idx="minor">
+            <a:schemeClr val="tx1"/>
+          </a:fontRef>
+        </p:style>
+      </p:cxnSp>
+      <p:cxnSp>
+        <p:nvCxnSpPr>
+          <p:cNvPr id="10" name="Rovná spojovacia šípka 9">
+            <a:extLst>
+              <a:ext uri="{FF2B5EF4-FFF2-40B4-BE49-F238E27FC236}">
+                <a16:creationId xmlns:a16="http://schemas.microsoft.com/office/drawing/2014/main" id="{59BEF53E-300F-4A67-86A1-79A055C22C7F}"/>
+              </a:ext>
+            </a:extLst>
+          </p:cNvPr>
+          <p:cNvCxnSpPr/>
+          <p:nvPr/>
+        </p:nvCxnSpPr>
+        <p:spPr>
+          <a:xfrm flipH="1" flipV="1">
+            <a:off x="7024255" y="2590800"/>
+            <a:ext cx="761998" cy="124691"/>
+          </a:xfrm>
+          <a:prstGeom prst="straightConnector1">
+            <a:avLst/>
+          </a:prstGeom>
+          <a:ln>
+            <a:tailEnd type="triangle"/>
+          </a:ln>
+        </p:spPr>
+        <p:style>
+          <a:lnRef idx="1">
+            <a:schemeClr val="accent6"/>
+          </a:lnRef>
+          <a:fillRef idx="0">
+            <a:schemeClr val="accent6"/>
+          </a:fillRef>
+          <a:effectRef idx="0">
+            <a:schemeClr val="accent6"/>
+          </a:effectRef>
+          <a:fontRef idx="minor">
+            <a:schemeClr val="tx1"/>
+          </a:fontRef>
+        </p:style>
+      </p:cxnSp>
+      <p:cxnSp>
+        <p:nvCxnSpPr>
+          <p:cNvPr id="12" name="Rovná spojovacia šípka 11">
+            <a:extLst>
+              <a:ext uri="{FF2B5EF4-FFF2-40B4-BE49-F238E27FC236}">
+                <a16:creationId xmlns:a16="http://schemas.microsoft.com/office/drawing/2014/main" id="{B1D64E25-D247-4559-A0E8-FABEC2144941}"/>
+              </a:ext>
+            </a:extLst>
+          </p:cNvPr>
+          <p:cNvCxnSpPr/>
+          <p:nvPr/>
+        </p:nvCxnSpPr>
+        <p:spPr>
+          <a:xfrm flipH="1">
+            <a:off x="6913418" y="1953491"/>
+            <a:ext cx="997527" cy="313114"/>
+          </a:xfrm>
+          <a:prstGeom prst="straightConnector1">
+            <a:avLst/>
+          </a:prstGeom>
+          <a:ln>
+            <a:tailEnd type="triangle"/>
+          </a:ln>
+        </p:spPr>
+        <p:style>
+          <a:lnRef idx="1">
+            <a:schemeClr val="accent6"/>
+          </a:lnRef>
+          <a:fillRef idx="0">
+            <a:schemeClr val="accent6"/>
+          </a:fillRef>
+          <a:effectRef idx="0">
+            <a:schemeClr val="accent6"/>
+          </a:effectRef>
+          <a:fontRef idx="minor">
+            <a:schemeClr val="tx1"/>
+          </a:fontRef>
+        </p:style>
+      </p:cxnSp>
+      <p:sp>
+        <p:nvSpPr>
+          <p:cNvPr id="7" name="Obdĺžnik 6">
+            <a:extLst>
+              <a:ext uri="{FF2B5EF4-FFF2-40B4-BE49-F238E27FC236}">
+                <a16:creationId xmlns:a16="http://schemas.microsoft.com/office/drawing/2014/main" id="{BD9BDE56-F113-46DC-9EAE-85CA4E87E6A8}"/>
+              </a:ext>
+            </a:extLst>
+          </p:cNvPr>
+          <p:cNvSpPr/>
+          <p:nvPr/>
+        </p:nvSpPr>
+        <p:spPr>
+          <a:xfrm>
+            <a:off x="7672552" y="4151586"/>
+            <a:ext cx="2618509" cy="1254462"/>
+          </a:xfrm>
+          <a:prstGeom prst="rect">
+            <a:avLst/>
+          </a:prstGeom>
+          <a:solidFill>
+            <a:schemeClr val="accent3">
+              <a:alpha val="50000"/>
+            </a:schemeClr>
+          </a:solidFill>
+          <a:ln>
+            <a:noFill/>
+          </a:ln>
+        </p:spPr>
+        <p:style>
+          <a:lnRef idx="0">
+            <a:scrgbClr r="0" g="0" b="0"/>
+          </a:lnRef>
+          <a:fillRef idx="0">
+            <a:scrgbClr r="0" g="0" b="0"/>
+          </a:fillRef>
+          <a:effectRef idx="0">
+            <a:scrgbClr r="0" g="0" b="0"/>
+          </a:effectRef>
+          <a:fontRef idx="minor">
+            <a:schemeClr val="lt1"/>
+          </a:fontRef>
+        </p:style>
+        <p:txBody>
+          <a:bodyPr rtlCol="0" anchor="ctr"/>
+          <a:lstStyle/>
+          <a:p>
+            <a:pPr algn="ctr"/>
+            <a:r>
+              <a:rPr lang="sk-SK" dirty="0">
+                <a:solidFill>
+                  <a:srgbClr val="FF0000"/>
+                </a:solidFill>
+              </a:rPr>
+              <a:t>Heslo a meno je možné zadať ručne alebo načítať prislúchajúci čiarový kód </a:t>
+            </a:r>
+          </a:p>
+        </p:txBody>
+      </p:sp>
+      <p:cxnSp>
+        <p:nvCxnSpPr>
+          <p:cNvPr id="11" name="Rovná spojovacia šípka 10">
+            <a:extLst>
+              <a:ext uri="{FF2B5EF4-FFF2-40B4-BE49-F238E27FC236}">
+                <a16:creationId xmlns:a16="http://schemas.microsoft.com/office/drawing/2014/main" id="{C7585EEF-EB5D-4DA3-A0D8-539D229C2A5C}"/>
+              </a:ext>
+            </a:extLst>
+          </p:cNvPr>
+          <p:cNvCxnSpPr/>
+          <p:nvPr/>
+        </p:nvCxnSpPr>
+        <p:spPr>
+          <a:xfrm flipV="1">
+            <a:off x="9942786" y="3600828"/>
+            <a:ext cx="0" cy="550758"/>
+          </a:xfrm>
+          <a:prstGeom prst="straightConnector1">
+            <a:avLst/>
+          </a:prstGeom>
+          <a:ln>
+            <a:tailEnd type="triangle"/>
+          </a:ln>
+        </p:spPr>
+        <p:style>
+          <a:lnRef idx="3">
+            <a:schemeClr val="accent3"/>
+          </a:lnRef>
+          <a:fillRef idx="0">
+            <a:schemeClr val="accent3"/>
+          </a:fillRef>
+          <a:effectRef idx="2">
+            <a:schemeClr val="accent3"/>
+          </a:effectRef>
+          <a:fontRef idx="minor">
+            <a:schemeClr val="tx1"/>
+          </a:fontRef>
+        </p:style>
+      </p:cxnSp>
+      <p:cxnSp>
+        <p:nvCxnSpPr>
+          <p:cNvPr id="14" name="Rovná spojovacia šípka 13">
+            <a:extLst>
+              <a:ext uri="{FF2B5EF4-FFF2-40B4-BE49-F238E27FC236}">
+                <a16:creationId xmlns:a16="http://schemas.microsoft.com/office/drawing/2014/main" id="{577F9C2D-5725-42AE-A51C-5E8159F37404}"/>
+              </a:ext>
+            </a:extLst>
+          </p:cNvPr>
+          <p:cNvCxnSpPr/>
+          <p:nvPr/>
+        </p:nvCxnSpPr>
+        <p:spPr>
+          <a:xfrm flipV="1">
+            <a:off x="9942786" y="2244436"/>
+            <a:ext cx="0" cy="192609"/>
+          </a:xfrm>
+          <a:prstGeom prst="straightConnector1">
+            <a:avLst/>
+          </a:prstGeom>
+          <a:ln>
+            <a:tailEnd type="triangle"/>
+          </a:ln>
+        </p:spPr>
+        <p:style>
+          <a:lnRef idx="3">
+            <a:schemeClr val="accent3"/>
+          </a:lnRef>
+          <a:fillRef idx="0">
+            <a:schemeClr val="accent3"/>
+          </a:fillRef>
+          <a:effectRef idx="2">
+            <a:schemeClr val="accent3"/>
+          </a:effectRef>
+          <a:fontRef idx="minor">
+            <a:schemeClr val="tx1"/>
+          </a:fontRef>
+        </p:style>
+      </p:cxnSp>
     </p:spTree>
     <p:extLst>
       <p:ext uri="{BB962C8B-B14F-4D97-AF65-F5344CB8AC3E}">
@@ -21116,7 +24884,7 @@
                 <a:tabLst/>
                 <a:defRPr/>
               </a:pPr>
-              <a:t>8. 10. 2021</a:t>
+              <a:t>2. 11. 2021</a:t>
             </a:fld>
             <a:endParaRPr kumimoji="0" lang="fr-FR" sz="1000" b="0" i="0" u="none" strike="noStrike" kern="1200" cap="none" spc="0" normalizeH="0" baseline="0" noProof="0" dirty="0">
               <a:ln>
@@ -21260,6 +25028,322 @@
           </a:prstGeom>
         </p:spPr>
       </p:pic>
+      <p:sp>
+        <p:nvSpPr>
+          <p:cNvPr id="4" name="Obdĺžnik 3">
+            <a:extLst>
+              <a:ext uri="{FF2B5EF4-FFF2-40B4-BE49-F238E27FC236}">
+                <a16:creationId xmlns:a16="http://schemas.microsoft.com/office/drawing/2014/main" id="{E64A2735-C624-4407-85BA-F78BDF95F14E}"/>
+              </a:ext>
+            </a:extLst>
+          </p:cNvPr>
+          <p:cNvSpPr/>
+          <p:nvPr/>
+        </p:nvSpPr>
+        <p:spPr>
+          <a:xfrm>
+            <a:off x="231228" y="1408386"/>
+            <a:ext cx="2816772" cy="4151586"/>
+          </a:xfrm>
+          <a:prstGeom prst="rect">
+            <a:avLst/>
+          </a:prstGeom>
+          <a:ln/>
+        </p:spPr>
+        <p:style>
+          <a:lnRef idx="2">
+            <a:schemeClr val="accent6"/>
+          </a:lnRef>
+          <a:fillRef idx="1">
+            <a:schemeClr val="lt1"/>
+          </a:fillRef>
+          <a:effectRef idx="0">
+            <a:schemeClr val="accent6"/>
+          </a:effectRef>
+          <a:fontRef idx="minor">
+            <a:schemeClr val="dk1"/>
+          </a:fontRef>
+        </p:style>
+        <p:txBody>
+          <a:bodyPr rtlCol="0" anchor="ctr"/>
+          <a:lstStyle/>
+          <a:p>
+            <a:pPr algn="ctr"/>
+            <a:r>
+              <a:rPr lang="sk-SK" dirty="0">
+                <a:solidFill>
+                  <a:srgbClr val="FF0000"/>
+                </a:solidFill>
+              </a:rPr>
+              <a:t>Keď pridávame skupinu, treba vyplniť nasledujúce údaje o skupine </a:t>
+            </a:r>
+            <a:r>
+              <a:rPr lang="sk-SK" dirty="0" err="1">
+                <a:solidFill>
+                  <a:srgbClr val="FF0000"/>
+                </a:solidFill>
+              </a:rPr>
+              <a:t>tj</a:t>
+            </a:r>
+            <a:r>
+              <a:rPr lang="sk-SK" dirty="0">
+                <a:solidFill>
+                  <a:srgbClr val="FF0000"/>
+                </a:solidFill>
+              </a:rPr>
+              <a:t>. Názov skupiny a jej popis.</a:t>
+            </a:r>
+          </a:p>
+        </p:txBody>
+      </p:sp>
+      <p:sp>
+        <p:nvSpPr>
+          <p:cNvPr id="6" name="Obdĺžnik 5">
+            <a:extLst>
+              <a:ext uri="{FF2B5EF4-FFF2-40B4-BE49-F238E27FC236}">
+                <a16:creationId xmlns:a16="http://schemas.microsoft.com/office/drawing/2014/main" id="{AD18E628-99CE-44BC-BA7A-46C298C828F0}"/>
+              </a:ext>
+            </a:extLst>
+          </p:cNvPr>
+          <p:cNvSpPr/>
+          <p:nvPr/>
+        </p:nvSpPr>
+        <p:spPr>
+          <a:xfrm>
+            <a:off x="9122979" y="2233451"/>
+            <a:ext cx="2575035" cy="2827277"/>
+          </a:xfrm>
+          <a:prstGeom prst="rect">
+            <a:avLst/>
+          </a:prstGeom>
+          <a:ln/>
+        </p:spPr>
+        <p:style>
+          <a:lnRef idx="2">
+            <a:schemeClr val="accent6"/>
+          </a:lnRef>
+          <a:fillRef idx="1">
+            <a:schemeClr val="lt1"/>
+          </a:fillRef>
+          <a:effectRef idx="0">
+            <a:schemeClr val="accent6"/>
+          </a:effectRef>
+          <a:fontRef idx="minor">
+            <a:schemeClr val="dk1"/>
+          </a:fontRef>
+        </p:style>
+        <p:txBody>
+          <a:bodyPr rtlCol="0" anchor="ctr"/>
+          <a:lstStyle/>
+          <a:p>
+            <a:pPr algn="ctr"/>
+            <a:r>
+              <a:rPr lang="sk-SK" dirty="0">
+                <a:solidFill>
+                  <a:srgbClr val="FF0000"/>
+                </a:solidFill>
+              </a:rPr>
+              <a:t>Tlačidlo „Ulož“ znamená uloženie skupiny, ktorej sme údaje vyplnili.</a:t>
+            </a:r>
+            <a:br>
+              <a:rPr lang="sk-SK" dirty="0">
+                <a:solidFill>
+                  <a:srgbClr val="FF0000"/>
+                </a:solidFill>
+              </a:rPr>
+            </a:br>
+            <a:br>
+              <a:rPr lang="sk-SK" dirty="0">
+                <a:solidFill>
+                  <a:srgbClr val="FF0000"/>
+                </a:solidFill>
+              </a:rPr>
+            </a:br>
+            <a:r>
+              <a:rPr lang="sk-SK" dirty="0">
+                <a:solidFill>
+                  <a:srgbClr val="FF0000"/>
+                </a:solidFill>
+              </a:rPr>
+              <a:t>Tlačidlo „Ulož a nový “ uloží danú skupinu a môžeme ísť vytvoriť novú skupinu. Hneď nás to tam presunie</a:t>
+            </a:r>
+          </a:p>
+        </p:txBody>
+      </p:sp>
+      <p:cxnSp>
+        <p:nvCxnSpPr>
+          <p:cNvPr id="8" name="Rovná spojovacia šípka 7">
+            <a:extLst>
+              <a:ext uri="{FF2B5EF4-FFF2-40B4-BE49-F238E27FC236}">
+                <a16:creationId xmlns:a16="http://schemas.microsoft.com/office/drawing/2014/main" id="{2515CFFC-07F5-48A5-8AA0-7B4C5BFFD1D4}"/>
+              </a:ext>
+            </a:extLst>
+          </p:cNvPr>
+          <p:cNvCxnSpPr/>
+          <p:nvPr/>
+        </p:nvCxnSpPr>
+        <p:spPr>
+          <a:xfrm>
+            <a:off x="3048000" y="3069021"/>
+            <a:ext cx="409903" cy="0"/>
+          </a:xfrm>
+          <a:prstGeom prst="straightConnector1">
+            <a:avLst/>
+          </a:prstGeom>
+          <a:ln>
+            <a:tailEnd type="triangle"/>
+          </a:ln>
+        </p:spPr>
+        <p:style>
+          <a:lnRef idx="2">
+            <a:schemeClr val="accent6"/>
+          </a:lnRef>
+          <a:fillRef idx="0">
+            <a:schemeClr val="accent6"/>
+          </a:fillRef>
+          <a:effectRef idx="1">
+            <a:schemeClr val="accent6"/>
+          </a:effectRef>
+          <a:fontRef idx="minor">
+            <a:schemeClr val="tx1"/>
+          </a:fontRef>
+        </p:style>
+      </p:cxnSp>
+      <p:cxnSp>
+        <p:nvCxnSpPr>
+          <p:cNvPr id="9" name="Rovná spojovacia šípka 8">
+            <a:extLst>
+              <a:ext uri="{FF2B5EF4-FFF2-40B4-BE49-F238E27FC236}">
+                <a16:creationId xmlns:a16="http://schemas.microsoft.com/office/drawing/2014/main" id="{E219DD6D-BDF2-4191-A7B8-53EBC0FDA9AC}"/>
+              </a:ext>
+            </a:extLst>
+          </p:cNvPr>
+          <p:cNvCxnSpPr>
+            <a:cxnSpLocks/>
+          </p:cNvCxnSpPr>
+          <p:nvPr/>
+        </p:nvCxnSpPr>
+        <p:spPr>
+          <a:xfrm>
+            <a:off x="3048000" y="2779987"/>
+            <a:ext cx="578069" cy="0"/>
+          </a:xfrm>
+          <a:prstGeom prst="straightConnector1">
+            <a:avLst/>
+          </a:prstGeom>
+          <a:ln>
+            <a:tailEnd type="triangle"/>
+          </a:ln>
+        </p:spPr>
+        <p:style>
+          <a:lnRef idx="2">
+            <a:schemeClr val="accent6"/>
+          </a:lnRef>
+          <a:fillRef idx="0">
+            <a:schemeClr val="accent6"/>
+          </a:fillRef>
+          <a:effectRef idx="1">
+            <a:schemeClr val="accent6"/>
+          </a:effectRef>
+          <a:fontRef idx="minor">
+            <a:schemeClr val="tx1"/>
+          </a:fontRef>
+        </p:style>
+      </p:cxnSp>
+      <p:cxnSp>
+        <p:nvCxnSpPr>
+          <p:cNvPr id="11" name="Rovná spojovacia šípka 10">
+            <a:extLst>
+              <a:ext uri="{FF2B5EF4-FFF2-40B4-BE49-F238E27FC236}">
+                <a16:creationId xmlns:a16="http://schemas.microsoft.com/office/drawing/2014/main" id="{7717D63E-45C1-469B-826C-81A4D0B12FB4}"/>
+              </a:ext>
+            </a:extLst>
+          </p:cNvPr>
+          <p:cNvCxnSpPr>
+            <a:cxnSpLocks/>
+            <a:endCxn id="13" idx="3"/>
+          </p:cNvCxnSpPr>
+          <p:nvPr/>
+        </p:nvCxnSpPr>
+        <p:spPr>
+          <a:xfrm flipH="1">
+            <a:off x="8628993" y="3397470"/>
+            <a:ext cx="493986" cy="34158"/>
+          </a:xfrm>
+          <a:prstGeom prst="straightConnector1">
+            <a:avLst/>
+          </a:prstGeom>
+          <a:ln>
+            <a:tailEnd type="triangle"/>
+          </a:ln>
+        </p:spPr>
+        <p:style>
+          <a:lnRef idx="2">
+            <a:schemeClr val="accent6"/>
+          </a:lnRef>
+          <a:fillRef idx="0">
+            <a:schemeClr val="accent6"/>
+          </a:fillRef>
+          <a:effectRef idx="1">
+            <a:schemeClr val="accent6"/>
+          </a:effectRef>
+          <a:fontRef idx="minor">
+            <a:schemeClr val="tx1"/>
+          </a:fontRef>
+        </p:style>
+      </p:cxnSp>
+      <p:sp>
+        <p:nvSpPr>
+          <p:cNvPr id="13" name="Obdĺžnik 12">
+            <a:extLst>
+              <a:ext uri="{FF2B5EF4-FFF2-40B4-BE49-F238E27FC236}">
+                <a16:creationId xmlns:a16="http://schemas.microsoft.com/office/drawing/2014/main" id="{979BF42A-6E04-4D30-90E2-090902817B19}"/>
+              </a:ext>
+            </a:extLst>
+          </p:cNvPr>
+          <p:cNvSpPr/>
+          <p:nvPr/>
+        </p:nvSpPr>
+        <p:spPr>
+          <a:xfrm>
+            <a:off x="7189076" y="3216166"/>
+            <a:ext cx="1439917" cy="430924"/>
+          </a:xfrm>
+          <a:prstGeom prst="rect">
+            <a:avLst/>
+          </a:prstGeom>
+          <a:solidFill>
+            <a:schemeClr val="accent6">
+              <a:alpha val="50000"/>
+            </a:schemeClr>
+          </a:solidFill>
+          <a:ln>
+            <a:noFill/>
+          </a:ln>
+        </p:spPr>
+        <p:style>
+          <a:lnRef idx="0">
+            <a:scrgbClr r="0" g="0" b="0"/>
+          </a:lnRef>
+          <a:fillRef idx="0">
+            <a:scrgbClr r="0" g="0" b="0"/>
+          </a:fillRef>
+          <a:effectRef idx="0">
+            <a:scrgbClr r="0" g="0" b="0"/>
+          </a:effectRef>
+          <a:fontRef idx="minor">
+            <a:schemeClr val="lt1"/>
+          </a:fontRef>
+        </p:style>
+        <p:txBody>
+          <a:bodyPr rtlCol="0" anchor="ctr"/>
+          <a:lstStyle/>
+          <a:p>
+            <a:pPr algn="ctr"/>
+            <a:endParaRPr lang="sk-SK"/>
+          </a:p>
+        </p:txBody>
+      </p:sp>
     </p:spTree>
     <p:extLst>
       <p:ext uri="{BB962C8B-B14F-4D97-AF65-F5344CB8AC3E}">
@@ -21360,7 +25444,7 @@
                 <a:tabLst/>
                 <a:defRPr/>
               </a:pPr>
-              <a:t>8. 10. 2021</a:t>
+              <a:t>2. 11. 2021</a:t>
             </a:fld>
             <a:endParaRPr kumimoji="0" lang="fr-FR" sz="1000" b="0" i="0" u="none" strike="noStrike" kern="1200" cap="none" spc="0" normalizeH="0" baseline="0" noProof="0" dirty="0">
               <a:ln>
@@ -21604,7 +25688,7 @@
                 <a:tabLst/>
                 <a:defRPr/>
               </a:pPr>
-              <a:t>8. 10. 2021</a:t>
+              <a:t>2. 11. 2021</a:t>
             </a:fld>
             <a:endParaRPr kumimoji="0" lang="fr-FR" sz="1000" b="0" i="0" u="none" strike="noStrike" kern="1200" cap="none" spc="0" normalizeH="0" baseline="0" noProof="0" dirty="0">
               <a:ln>
@@ -21748,6 +25832,281 @@
           </a:prstGeom>
         </p:spPr>
       </p:pic>
+      <p:sp>
+        <p:nvSpPr>
+          <p:cNvPr id="4" name="Obdĺžnik 3">
+            <a:extLst>
+              <a:ext uri="{FF2B5EF4-FFF2-40B4-BE49-F238E27FC236}">
+                <a16:creationId xmlns:a16="http://schemas.microsoft.com/office/drawing/2014/main" id="{4361CB9D-9E12-4024-92F8-28DDE37D2E0A}"/>
+              </a:ext>
+            </a:extLst>
+          </p:cNvPr>
+          <p:cNvSpPr/>
+          <p:nvPr/>
+        </p:nvSpPr>
+        <p:spPr>
+          <a:xfrm>
+            <a:off x="0" y="1450428"/>
+            <a:ext cx="1797269" cy="4319751"/>
+          </a:xfrm>
+          <a:prstGeom prst="rect">
+            <a:avLst/>
+          </a:prstGeom>
+          <a:ln/>
+        </p:spPr>
+        <p:style>
+          <a:lnRef idx="2">
+            <a:schemeClr val="accent6"/>
+          </a:lnRef>
+          <a:fillRef idx="1">
+            <a:schemeClr val="lt1"/>
+          </a:fillRef>
+          <a:effectRef idx="0">
+            <a:schemeClr val="accent6"/>
+          </a:effectRef>
+          <a:fontRef idx="minor">
+            <a:schemeClr val="dk1"/>
+          </a:fontRef>
+        </p:style>
+        <p:txBody>
+          <a:bodyPr rtlCol="0" anchor="ctr"/>
+          <a:lstStyle/>
+          <a:p>
+            <a:pPr algn="ctr"/>
+            <a:r>
+              <a:rPr lang="sk-SK" dirty="0">
+                <a:solidFill>
+                  <a:srgbClr val="FF0000"/>
+                </a:solidFill>
+              </a:rPr>
+              <a:t>Tabuľka s nastaveniami práv skupiny, či môže meniť, mazať, upravovať, exportovať, importovať, čítať.</a:t>
+            </a:r>
+          </a:p>
+        </p:txBody>
+      </p:sp>
+      <p:cxnSp>
+        <p:nvCxnSpPr>
+          <p:cNvPr id="7" name="Rovná spojovacia šípka 6">
+            <a:extLst>
+              <a:ext uri="{FF2B5EF4-FFF2-40B4-BE49-F238E27FC236}">
+                <a16:creationId xmlns:a16="http://schemas.microsoft.com/office/drawing/2014/main" id="{31887623-4CA3-4121-BE95-E552898EAE72}"/>
+              </a:ext>
+            </a:extLst>
+          </p:cNvPr>
+          <p:cNvCxnSpPr/>
+          <p:nvPr/>
+        </p:nvCxnSpPr>
+        <p:spPr>
+          <a:xfrm>
+            <a:off x="1797269" y="2690648"/>
+            <a:ext cx="220717" cy="0"/>
+          </a:xfrm>
+          <a:prstGeom prst="straightConnector1">
+            <a:avLst/>
+          </a:prstGeom>
+          <a:ln>
+            <a:tailEnd type="triangle"/>
+          </a:ln>
+        </p:spPr>
+        <p:style>
+          <a:lnRef idx="1">
+            <a:schemeClr val="accent6"/>
+          </a:lnRef>
+          <a:fillRef idx="0">
+            <a:schemeClr val="accent6"/>
+          </a:fillRef>
+          <a:effectRef idx="0">
+            <a:schemeClr val="accent6"/>
+          </a:effectRef>
+          <a:fontRef idx="minor">
+            <a:schemeClr val="tx1"/>
+          </a:fontRef>
+        </p:style>
+      </p:cxnSp>
+      <p:sp>
+        <p:nvSpPr>
+          <p:cNvPr id="8" name="Obdĺžnik 7">
+            <a:extLst>
+              <a:ext uri="{FF2B5EF4-FFF2-40B4-BE49-F238E27FC236}">
+                <a16:creationId xmlns:a16="http://schemas.microsoft.com/office/drawing/2014/main" id="{37ECA6D5-4AC2-4E02-BA9E-542D3B8B4E94}"/>
+              </a:ext>
+            </a:extLst>
+          </p:cNvPr>
+          <p:cNvSpPr/>
+          <p:nvPr/>
+        </p:nvSpPr>
+        <p:spPr>
+          <a:xfrm>
+            <a:off x="10510344" y="1337138"/>
+            <a:ext cx="1681655" cy="1868516"/>
+          </a:xfrm>
+          <a:prstGeom prst="rect">
+            <a:avLst/>
+          </a:prstGeom>
+          <a:ln/>
+        </p:spPr>
+        <p:style>
+          <a:lnRef idx="2">
+            <a:schemeClr val="accent6"/>
+          </a:lnRef>
+          <a:fillRef idx="1">
+            <a:schemeClr val="lt1"/>
+          </a:fillRef>
+          <a:effectRef idx="0">
+            <a:schemeClr val="accent6"/>
+          </a:effectRef>
+          <a:fontRef idx="minor">
+            <a:schemeClr val="dk1"/>
+          </a:fontRef>
+        </p:style>
+        <p:txBody>
+          <a:bodyPr rtlCol="0" anchor="ctr"/>
+          <a:lstStyle/>
+          <a:p>
+            <a:pPr algn="ctr"/>
+            <a:r>
+              <a:rPr lang="sk-SK" dirty="0">
+                <a:solidFill>
+                  <a:srgbClr val="FF0000"/>
+                </a:solidFill>
+              </a:rPr>
+              <a:t>Vyberieme ktorú skupinu, ktorej chceme nastaviť práva.</a:t>
+            </a:r>
+          </a:p>
+        </p:txBody>
+      </p:sp>
+      <p:cxnSp>
+        <p:nvCxnSpPr>
+          <p:cNvPr id="10" name="Rovná spojovacia šípka 9">
+            <a:extLst>
+              <a:ext uri="{FF2B5EF4-FFF2-40B4-BE49-F238E27FC236}">
+                <a16:creationId xmlns:a16="http://schemas.microsoft.com/office/drawing/2014/main" id="{E4D27006-7F18-446E-89A6-E1DD8D13677B}"/>
+              </a:ext>
+            </a:extLst>
+          </p:cNvPr>
+          <p:cNvCxnSpPr/>
+          <p:nvPr/>
+        </p:nvCxnSpPr>
+        <p:spPr>
+          <a:xfrm flipH="1">
+            <a:off x="10152993" y="1450428"/>
+            <a:ext cx="346841" cy="0"/>
+          </a:xfrm>
+          <a:prstGeom prst="straightConnector1">
+            <a:avLst/>
+          </a:prstGeom>
+          <a:ln>
+            <a:tailEnd type="triangle"/>
+          </a:ln>
+        </p:spPr>
+        <p:style>
+          <a:lnRef idx="2">
+            <a:schemeClr val="accent6"/>
+          </a:lnRef>
+          <a:fillRef idx="0">
+            <a:schemeClr val="accent6"/>
+          </a:fillRef>
+          <a:effectRef idx="1">
+            <a:schemeClr val="accent6"/>
+          </a:effectRef>
+          <a:fontRef idx="minor">
+            <a:schemeClr val="tx1"/>
+          </a:fontRef>
+        </p:style>
+      </p:cxnSp>
+      <p:sp>
+        <p:nvSpPr>
+          <p:cNvPr id="11" name="Obdĺžnik 10">
+            <a:extLst>
+              <a:ext uri="{FF2B5EF4-FFF2-40B4-BE49-F238E27FC236}">
+                <a16:creationId xmlns:a16="http://schemas.microsoft.com/office/drawing/2014/main" id="{61C9A094-678A-4C8E-9134-DE7228DE2F16}"/>
+              </a:ext>
+            </a:extLst>
+          </p:cNvPr>
+          <p:cNvSpPr/>
+          <p:nvPr/>
+        </p:nvSpPr>
+        <p:spPr>
+          <a:xfrm>
+            <a:off x="10510344" y="3429000"/>
+            <a:ext cx="1681655" cy="2519855"/>
+          </a:xfrm>
+          <a:prstGeom prst="rect">
+            <a:avLst/>
+          </a:prstGeom>
+          <a:ln/>
+        </p:spPr>
+        <p:style>
+          <a:lnRef idx="2">
+            <a:schemeClr val="accent6"/>
+          </a:lnRef>
+          <a:fillRef idx="1">
+            <a:schemeClr val="lt1"/>
+          </a:fillRef>
+          <a:effectRef idx="0">
+            <a:schemeClr val="accent6"/>
+          </a:effectRef>
+          <a:fontRef idx="minor">
+            <a:schemeClr val="dk1"/>
+          </a:fontRef>
+        </p:style>
+        <p:txBody>
+          <a:bodyPr rtlCol="0" anchor="ctr"/>
+          <a:lstStyle/>
+          <a:p>
+            <a:pPr algn="ctr"/>
+            <a:r>
+              <a:rPr lang="sk-SK" dirty="0">
+                <a:solidFill>
+                  <a:srgbClr val="FF0000"/>
+                </a:solidFill>
+              </a:rPr>
+              <a:t>Tlačidlo „Ulož práva“ znamená uloženie nastavených práv.(po stlačení)</a:t>
+            </a:r>
+          </a:p>
+        </p:txBody>
+      </p:sp>
+      <p:cxnSp>
+        <p:nvCxnSpPr>
+          <p:cNvPr id="12" name="Rovná spojovacia šípka 11">
+            <a:extLst>
+              <a:ext uri="{FF2B5EF4-FFF2-40B4-BE49-F238E27FC236}">
+                <a16:creationId xmlns:a16="http://schemas.microsoft.com/office/drawing/2014/main" id="{4418B6B3-76C0-4FB7-B358-BC97E928404C}"/>
+              </a:ext>
+            </a:extLst>
+          </p:cNvPr>
+          <p:cNvCxnSpPr>
+            <a:cxnSpLocks/>
+          </p:cNvCxnSpPr>
+          <p:nvPr/>
+        </p:nvCxnSpPr>
+        <p:spPr>
+          <a:xfrm flipH="1" flipV="1">
+            <a:off x="10152993" y="1786759"/>
+            <a:ext cx="357352" cy="1823544"/>
+          </a:xfrm>
+          <a:prstGeom prst="straightConnector1">
+            <a:avLst/>
+          </a:prstGeom>
+          <a:ln>
+            <a:tailEnd type="triangle"/>
+          </a:ln>
+        </p:spPr>
+        <p:style>
+          <a:lnRef idx="3">
+            <a:schemeClr val="accent6"/>
+          </a:lnRef>
+          <a:fillRef idx="0">
+            <a:schemeClr val="accent6"/>
+          </a:fillRef>
+          <a:effectRef idx="2">
+            <a:schemeClr val="accent6"/>
+          </a:effectRef>
+          <a:fontRef idx="minor">
+            <a:schemeClr val="tx1"/>
+          </a:fontRef>
+        </p:style>
+      </p:cxnSp>
     </p:spTree>
     <p:extLst>
       <p:ext uri="{BB962C8B-B14F-4D97-AF65-F5344CB8AC3E}">
@@ -21848,7 +26207,7 @@
                 <a:tabLst/>
                 <a:defRPr/>
               </a:pPr>
-              <a:t>8. 10. 2021</a:t>
+              <a:t>2. 11. 2021</a:t>
             </a:fld>
             <a:endParaRPr kumimoji="0" lang="fr-FR" sz="1000" b="0" i="0" u="none" strike="noStrike" kern="1200" cap="none" spc="0" normalizeH="0" baseline="0" noProof="0" dirty="0">
               <a:ln>
@@ -22092,7 +26451,7 @@
                 <a:tabLst/>
                 <a:defRPr/>
               </a:pPr>
-              <a:t>8. 10. 2021</a:t>
+              <a:t>2. 11. 2021</a:t>
             </a:fld>
             <a:endParaRPr kumimoji="0" lang="fr-FR" sz="1000" b="0" i="0" u="none" strike="noStrike" kern="1200" cap="none" spc="0" normalizeH="0" baseline="0" noProof="0" dirty="0">
               <a:ln>
@@ -22336,7 +26695,7 @@
                 <a:tabLst/>
                 <a:defRPr/>
               </a:pPr>
-              <a:t>8. 10. 2021</a:t>
+              <a:t>2. 11. 2021</a:t>
             </a:fld>
             <a:endParaRPr kumimoji="0" lang="fr-FR" sz="1000" b="0" i="0" u="none" strike="noStrike" kern="1200" cap="none" spc="0" normalizeH="0" baseline="0" noProof="0" dirty="0">
               <a:ln>
@@ -22480,6 +26839,205 @@
           </a:prstGeom>
         </p:spPr>
       </p:pic>
+      <p:sp>
+        <p:nvSpPr>
+          <p:cNvPr id="4" name="Obdĺžnik 3">
+            <a:extLst>
+              <a:ext uri="{FF2B5EF4-FFF2-40B4-BE49-F238E27FC236}">
+                <a16:creationId xmlns:a16="http://schemas.microsoft.com/office/drawing/2014/main" id="{4208678F-839A-4460-A2BF-75FFC6400B1D}"/>
+              </a:ext>
+            </a:extLst>
+          </p:cNvPr>
+          <p:cNvSpPr/>
+          <p:nvPr/>
+        </p:nvSpPr>
+        <p:spPr>
+          <a:xfrm>
+            <a:off x="42041" y="1582233"/>
+            <a:ext cx="2869324" cy="3731172"/>
+          </a:xfrm>
+          <a:prstGeom prst="rect">
+            <a:avLst/>
+          </a:prstGeom>
+          <a:ln/>
+        </p:spPr>
+        <p:style>
+          <a:lnRef idx="2">
+            <a:schemeClr val="accent6"/>
+          </a:lnRef>
+          <a:fillRef idx="1">
+            <a:schemeClr val="lt1"/>
+          </a:fillRef>
+          <a:effectRef idx="0">
+            <a:schemeClr val="accent6"/>
+          </a:effectRef>
+          <a:fontRef idx="minor">
+            <a:schemeClr val="dk1"/>
+          </a:fontRef>
+        </p:style>
+        <p:txBody>
+          <a:bodyPr rtlCol="0" anchor="ctr"/>
+          <a:lstStyle/>
+          <a:p>
+            <a:pPr algn="ctr"/>
+            <a:r>
+              <a:rPr lang="sk-SK" dirty="0">
+                <a:solidFill>
+                  <a:srgbClr val="FF0000"/>
+                </a:solidFill>
+              </a:rPr>
+              <a:t>Tu zadáme používateľské údaje (osoba ktorá je prihlásená).</a:t>
+            </a:r>
+            <a:br>
+              <a:rPr lang="sk-SK" dirty="0">
+                <a:solidFill>
+                  <a:srgbClr val="FF0000"/>
+                </a:solidFill>
+              </a:rPr>
+            </a:br>
+            <a:r>
+              <a:rPr lang="sk-SK" dirty="0">
+                <a:solidFill>
+                  <a:srgbClr val="FF0000"/>
+                </a:solidFill>
+              </a:rPr>
+              <a:t>Tlačidlo „Zmena hesla“ nám zmení heslo. Tlačidlo „Ulož“ uloží vypísané/nastavené údaje do databázy.</a:t>
+            </a:r>
+          </a:p>
+        </p:txBody>
+      </p:sp>
+      <p:cxnSp>
+        <p:nvCxnSpPr>
+          <p:cNvPr id="7" name="Rovná spojovacia šípka 6">
+            <a:extLst>
+              <a:ext uri="{FF2B5EF4-FFF2-40B4-BE49-F238E27FC236}">
+                <a16:creationId xmlns:a16="http://schemas.microsoft.com/office/drawing/2014/main" id="{F03D183B-E23F-4F11-BF98-A55A04A29D1D}"/>
+              </a:ext>
+            </a:extLst>
+          </p:cNvPr>
+          <p:cNvCxnSpPr>
+            <a:cxnSpLocks/>
+          </p:cNvCxnSpPr>
+          <p:nvPr/>
+        </p:nvCxnSpPr>
+        <p:spPr>
+          <a:xfrm>
+            <a:off x="2911365" y="3615559"/>
+            <a:ext cx="231228" cy="0"/>
+          </a:xfrm>
+          <a:prstGeom prst="straightConnector1">
+            <a:avLst/>
+          </a:prstGeom>
+          <a:ln>
+            <a:tailEnd type="triangle"/>
+          </a:ln>
+        </p:spPr>
+        <p:style>
+          <a:lnRef idx="3">
+            <a:schemeClr val="accent6"/>
+          </a:lnRef>
+          <a:fillRef idx="0">
+            <a:schemeClr val="accent6"/>
+          </a:fillRef>
+          <a:effectRef idx="2">
+            <a:schemeClr val="accent6"/>
+          </a:effectRef>
+          <a:fontRef idx="minor">
+            <a:schemeClr val="tx1"/>
+          </a:fontRef>
+        </p:style>
+      </p:cxnSp>
+      <p:cxnSp>
+        <p:nvCxnSpPr>
+          <p:cNvPr id="10" name="Rovná spojovacia šípka 9">
+            <a:extLst>
+              <a:ext uri="{FF2B5EF4-FFF2-40B4-BE49-F238E27FC236}">
+                <a16:creationId xmlns:a16="http://schemas.microsoft.com/office/drawing/2014/main" id="{FDE95626-92E4-4F39-9266-38FC1FAB0636}"/>
+              </a:ext>
+            </a:extLst>
+          </p:cNvPr>
+          <p:cNvCxnSpPr/>
+          <p:nvPr/>
+        </p:nvCxnSpPr>
+        <p:spPr>
+          <a:xfrm>
+            <a:off x="2911365" y="4529959"/>
+            <a:ext cx="4529959" cy="0"/>
+          </a:xfrm>
+          <a:prstGeom prst="straightConnector1">
+            <a:avLst/>
+          </a:prstGeom>
+          <a:ln>
+            <a:tailEnd type="triangle"/>
+          </a:ln>
+        </p:spPr>
+        <p:style>
+          <a:lnRef idx="3">
+            <a:schemeClr val="accent6"/>
+          </a:lnRef>
+          <a:fillRef idx="0">
+            <a:schemeClr val="accent6"/>
+          </a:fillRef>
+          <a:effectRef idx="2">
+            <a:schemeClr val="accent6"/>
+          </a:effectRef>
+          <a:fontRef idx="minor">
+            <a:schemeClr val="tx1"/>
+          </a:fontRef>
+        </p:style>
+      </p:cxnSp>
+      <p:sp>
+        <p:nvSpPr>
+          <p:cNvPr id="11" name="Obdĺžnik: zaoblené rohy 10">
+            <a:extLst>
+              <a:ext uri="{FF2B5EF4-FFF2-40B4-BE49-F238E27FC236}">
+                <a16:creationId xmlns:a16="http://schemas.microsoft.com/office/drawing/2014/main" id="{66835FD1-4DFC-4C7E-AF51-A6DA4FB7F35E}"/>
+              </a:ext>
+            </a:extLst>
+          </p:cNvPr>
+          <p:cNvSpPr/>
+          <p:nvPr/>
+        </p:nvSpPr>
+        <p:spPr>
+          <a:xfrm>
+            <a:off x="7441324" y="4288221"/>
+            <a:ext cx="1597573" cy="357351"/>
+          </a:xfrm>
+          <a:prstGeom prst="roundRect">
+            <a:avLst/>
+          </a:prstGeom>
+          <a:solidFill>
+            <a:schemeClr val="accent6">
+              <a:alpha val="50000"/>
+            </a:schemeClr>
+          </a:solidFill>
+          <a:ln>
+            <a:noFill/>
+          </a:ln>
+        </p:spPr>
+        <p:style>
+          <a:lnRef idx="0">
+            <a:scrgbClr r="0" g="0" b="0"/>
+          </a:lnRef>
+          <a:fillRef idx="0">
+            <a:scrgbClr r="0" g="0" b="0"/>
+          </a:fillRef>
+          <a:effectRef idx="0">
+            <a:scrgbClr r="0" g="0" b="0"/>
+          </a:effectRef>
+          <a:fontRef idx="minor">
+            <a:schemeClr val="lt1"/>
+          </a:fontRef>
+        </p:style>
+        <p:txBody>
+          <a:bodyPr rtlCol="0" anchor="ctr"/>
+          <a:lstStyle/>
+          <a:p>
+            <a:pPr algn="ctr"/>
+            <a:endParaRPr lang="sk-SK"/>
+          </a:p>
+        </p:txBody>
+      </p:sp>
     </p:spTree>
     <p:extLst>
       <p:ext uri="{BB962C8B-B14F-4D97-AF65-F5344CB8AC3E}">
@@ -22580,7 +27138,7 @@
                 <a:tabLst/>
                 <a:defRPr/>
               </a:pPr>
-              <a:t>8. 10. 2021</a:t>
+              <a:t>2. 11. 2021</a:t>
             </a:fld>
             <a:endParaRPr kumimoji="0" lang="fr-FR" sz="1000" b="0" i="0" u="none" strike="noStrike" kern="1200" cap="none" spc="0" normalizeH="0" baseline="0" noProof="0" dirty="0">
               <a:ln>
@@ -22824,7 +27382,7 @@
                 <a:tabLst/>
                 <a:defRPr/>
               </a:pPr>
-              <a:t>8. 10. 2021</a:t>
+              <a:t>2. 11. 2021</a:t>
             </a:fld>
             <a:endParaRPr kumimoji="0" lang="fr-FR" sz="1000" b="0" i="0" u="none" strike="noStrike" kern="1200" cap="none" spc="0" normalizeH="0" baseline="0" noProof="0" dirty="0">
               <a:ln>
@@ -22968,6 +27526,286 @@
           </a:prstGeom>
         </p:spPr>
       </p:pic>
+      <p:sp>
+        <p:nvSpPr>
+          <p:cNvPr id="4" name="Obdĺžnik 3">
+            <a:extLst>
+              <a:ext uri="{FF2B5EF4-FFF2-40B4-BE49-F238E27FC236}">
+                <a16:creationId xmlns:a16="http://schemas.microsoft.com/office/drawing/2014/main" id="{70B73AFD-9F6D-407F-A88C-D997490F9345}"/>
+              </a:ext>
+            </a:extLst>
+          </p:cNvPr>
+          <p:cNvSpPr/>
+          <p:nvPr/>
+        </p:nvSpPr>
+        <p:spPr>
+          <a:xfrm>
+            <a:off x="8050924" y="4141074"/>
+            <a:ext cx="3710152" cy="1345325"/>
+          </a:xfrm>
+          <a:prstGeom prst="rect">
+            <a:avLst/>
+          </a:prstGeom>
+          <a:ln/>
+        </p:spPr>
+        <p:style>
+          <a:lnRef idx="2">
+            <a:schemeClr val="accent6"/>
+          </a:lnRef>
+          <a:fillRef idx="1">
+            <a:schemeClr val="lt1"/>
+          </a:fillRef>
+          <a:effectRef idx="0">
+            <a:schemeClr val="accent6"/>
+          </a:effectRef>
+          <a:fontRef idx="minor">
+            <a:schemeClr val="dk1"/>
+          </a:fontRef>
+        </p:style>
+        <p:txBody>
+          <a:bodyPr rtlCol="0" anchor="ctr"/>
+          <a:lstStyle/>
+          <a:p>
+            <a:pPr algn="ctr"/>
+            <a:r>
+              <a:rPr lang="sk-SK" dirty="0">
+                <a:solidFill>
+                  <a:srgbClr val="FF0000"/>
+                </a:solidFill>
+              </a:rPr>
+              <a:t>Máme tu filter, tlačidlo na export údajov a tlačidlo na vymazanie údajov.</a:t>
+            </a:r>
+          </a:p>
+        </p:txBody>
+      </p:sp>
+      <p:sp>
+        <p:nvSpPr>
+          <p:cNvPr id="5" name="Obdĺžnik 4">
+            <a:extLst>
+              <a:ext uri="{FF2B5EF4-FFF2-40B4-BE49-F238E27FC236}">
+                <a16:creationId xmlns:a16="http://schemas.microsoft.com/office/drawing/2014/main" id="{CEB5D7BD-7684-4AC1-A303-1B657D3FA780}"/>
+              </a:ext>
+            </a:extLst>
+          </p:cNvPr>
+          <p:cNvSpPr/>
+          <p:nvPr/>
+        </p:nvSpPr>
+        <p:spPr>
+          <a:xfrm>
+            <a:off x="189185" y="4572000"/>
+            <a:ext cx="5665076" cy="1539984"/>
+          </a:xfrm>
+          <a:prstGeom prst="rect">
+            <a:avLst/>
+          </a:prstGeom>
+          <a:ln/>
+        </p:spPr>
+        <p:style>
+          <a:lnRef idx="2">
+            <a:schemeClr val="accent6"/>
+          </a:lnRef>
+          <a:fillRef idx="1">
+            <a:schemeClr val="lt1"/>
+          </a:fillRef>
+          <a:effectRef idx="0">
+            <a:schemeClr val="accent6"/>
+          </a:effectRef>
+          <a:fontRef idx="minor">
+            <a:schemeClr val="dk1"/>
+          </a:fontRef>
+        </p:style>
+        <p:txBody>
+          <a:bodyPr rtlCol="0" anchor="ctr"/>
+          <a:lstStyle/>
+          <a:p>
+            <a:pPr algn="ctr"/>
+            <a:r>
+              <a:rPr lang="sk-SK" dirty="0">
+                <a:solidFill>
+                  <a:srgbClr val="FF0000"/>
+                </a:solidFill>
+              </a:rPr>
+              <a:t>Tabuľka obsahuje všetky relevantné udalosti ktoré nastanú.</a:t>
+            </a:r>
+          </a:p>
+        </p:txBody>
+      </p:sp>
+      <p:cxnSp>
+        <p:nvCxnSpPr>
+          <p:cNvPr id="8" name="Rovná spojovacia šípka 7">
+            <a:extLst>
+              <a:ext uri="{FF2B5EF4-FFF2-40B4-BE49-F238E27FC236}">
+                <a16:creationId xmlns:a16="http://schemas.microsoft.com/office/drawing/2014/main" id="{61E793B4-1F6B-440A-B4C1-0F2E0F90C19D}"/>
+              </a:ext>
+            </a:extLst>
+          </p:cNvPr>
+          <p:cNvCxnSpPr/>
+          <p:nvPr/>
+        </p:nvCxnSpPr>
+        <p:spPr>
+          <a:xfrm flipV="1">
+            <a:off x="1576552" y="3930869"/>
+            <a:ext cx="0" cy="651641"/>
+          </a:xfrm>
+          <a:prstGeom prst="straightConnector1">
+            <a:avLst/>
+          </a:prstGeom>
+          <a:ln>
+            <a:tailEnd type="triangle"/>
+          </a:ln>
+        </p:spPr>
+        <p:style>
+          <a:lnRef idx="2">
+            <a:schemeClr val="accent6"/>
+          </a:lnRef>
+          <a:fillRef idx="0">
+            <a:schemeClr val="accent6"/>
+          </a:fillRef>
+          <a:effectRef idx="1">
+            <a:schemeClr val="accent6"/>
+          </a:effectRef>
+          <a:fontRef idx="minor">
+            <a:schemeClr val="tx1"/>
+          </a:fontRef>
+        </p:style>
+      </p:cxnSp>
+      <p:cxnSp>
+        <p:nvCxnSpPr>
+          <p:cNvPr id="10" name="Rovná spojovacia šípka 9">
+            <a:extLst>
+              <a:ext uri="{FF2B5EF4-FFF2-40B4-BE49-F238E27FC236}">
+                <a16:creationId xmlns:a16="http://schemas.microsoft.com/office/drawing/2014/main" id="{8D735381-2433-4098-9DF2-F7FEC34DC732}"/>
+              </a:ext>
+            </a:extLst>
+          </p:cNvPr>
+          <p:cNvCxnSpPr>
+            <a:stCxn id="4" idx="0"/>
+          </p:cNvCxnSpPr>
+          <p:nvPr/>
+        </p:nvCxnSpPr>
+        <p:spPr>
+          <a:xfrm flipH="1" flipV="1">
+            <a:off x="8544910" y="1460938"/>
+            <a:ext cx="1361090" cy="2680136"/>
+          </a:xfrm>
+          <a:prstGeom prst="straightConnector1">
+            <a:avLst/>
+          </a:prstGeom>
+          <a:ln>
+            <a:tailEnd type="triangle"/>
+          </a:ln>
+        </p:spPr>
+        <p:style>
+          <a:lnRef idx="2">
+            <a:schemeClr val="accent6"/>
+          </a:lnRef>
+          <a:fillRef idx="0">
+            <a:schemeClr val="accent6"/>
+          </a:fillRef>
+          <a:effectRef idx="1">
+            <a:schemeClr val="accent6"/>
+          </a:effectRef>
+          <a:fontRef idx="minor">
+            <a:schemeClr val="tx1"/>
+          </a:fontRef>
+        </p:style>
+      </p:cxnSp>
+      <p:cxnSp>
+        <p:nvCxnSpPr>
+          <p:cNvPr id="12" name="Rovná spojovacia šípka 11">
+            <a:extLst>
+              <a:ext uri="{FF2B5EF4-FFF2-40B4-BE49-F238E27FC236}">
+                <a16:creationId xmlns:a16="http://schemas.microsoft.com/office/drawing/2014/main" id="{D5F7343D-B04F-428C-B8C9-1F62787C4BC4}"/>
+              </a:ext>
+            </a:extLst>
+          </p:cNvPr>
+          <p:cNvCxnSpPr>
+            <a:cxnSpLocks/>
+            <a:stCxn id="4" idx="0"/>
+          </p:cNvCxnSpPr>
+          <p:nvPr/>
+        </p:nvCxnSpPr>
+        <p:spPr>
+          <a:xfrm flipV="1">
+            <a:off x="9906000" y="1891862"/>
+            <a:ext cx="793531" cy="2249212"/>
+          </a:xfrm>
+          <a:prstGeom prst="straightConnector1">
+            <a:avLst/>
+          </a:prstGeom>
+          <a:ln>
+            <a:tailEnd type="triangle"/>
+          </a:ln>
+        </p:spPr>
+        <p:style>
+          <a:lnRef idx="3">
+            <a:schemeClr val="accent6"/>
+          </a:lnRef>
+          <a:fillRef idx="0">
+            <a:schemeClr val="accent6"/>
+          </a:fillRef>
+          <a:effectRef idx="2">
+            <a:schemeClr val="accent6"/>
+          </a:effectRef>
+          <a:fontRef idx="minor">
+            <a:schemeClr val="tx1"/>
+          </a:fontRef>
+        </p:style>
+      </p:cxnSp>
+      <p:sp>
+        <p:nvSpPr>
+          <p:cNvPr id="13" name="Obdĺžnik: zaoblené rohy 12">
+            <a:extLst>
+              <a:ext uri="{FF2B5EF4-FFF2-40B4-BE49-F238E27FC236}">
+                <a16:creationId xmlns:a16="http://schemas.microsoft.com/office/drawing/2014/main" id="{481B0C15-627E-4167-8B0A-D55FCC989053}"/>
+              </a:ext>
+            </a:extLst>
+          </p:cNvPr>
+          <p:cNvSpPr/>
+          <p:nvPr/>
+        </p:nvSpPr>
+        <p:spPr>
+          <a:xfrm>
+            <a:off x="10399986" y="1460938"/>
+            <a:ext cx="1686911" cy="409903"/>
+          </a:xfrm>
+          <a:prstGeom prst="roundRect">
+            <a:avLst/>
+          </a:prstGeom>
+          <a:noFill/>
+          <a:ln w="9525" cap="flat" cmpd="sng" algn="ctr">
+            <a:solidFill>
+              <a:schemeClr val="accent6"/>
+            </a:solidFill>
+            <a:prstDash val="solid"/>
+            <a:round/>
+            <a:headEnd type="none" w="med" len="med"/>
+            <a:tailEnd type="none" w="med" len="med"/>
+          </a:ln>
+        </p:spPr>
+        <p:style>
+          <a:lnRef idx="0">
+            <a:scrgbClr r="0" g="0" b="0"/>
+          </a:lnRef>
+          <a:fillRef idx="0">
+            <a:scrgbClr r="0" g="0" b="0"/>
+          </a:fillRef>
+          <a:effectRef idx="0">
+            <a:scrgbClr r="0" g="0" b="0"/>
+          </a:effectRef>
+          <a:fontRef idx="minor">
+            <a:schemeClr val="accent6"/>
+          </a:fontRef>
+        </p:style>
+        <p:txBody>
+          <a:bodyPr rtlCol="0" anchor="ctr"/>
+          <a:lstStyle/>
+          <a:p>
+            <a:pPr algn="ctr"/>
+            <a:endParaRPr lang="sk-SK"/>
+          </a:p>
+        </p:txBody>
+      </p:sp>
     </p:spTree>
     <p:extLst>
       <p:ext uri="{BB962C8B-B14F-4D97-AF65-F5344CB8AC3E}">
@@ -23068,7 +27906,7 @@
                 <a:tabLst/>
                 <a:defRPr/>
               </a:pPr>
-              <a:t>8. 10. 2021</a:t>
+              <a:t>2. 11. 2021</a:t>
             </a:fld>
             <a:endParaRPr kumimoji="0" lang="fr-FR" sz="1000" b="0" i="0" u="none" strike="noStrike" kern="1200" cap="none" spc="0" normalizeH="0" baseline="0" noProof="0" dirty="0">
               <a:ln>
@@ -23212,6 +28050,274 @@
           </a:prstGeom>
         </p:spPr>
       </p:pic>
+      <p:sp>
+        <p:nvSpPr>
+          <p:cNvPr id="4" name="Obdĺžnik 3">
+            <a:extLst>
+              <a:ext uri="{FF2B5EF4-FFF2-40B4-BE49-F238E27FC236}">
+                <a16:creationId xmlns:a16="http://schemas.microsoft.com/office/drawing/2014/main" id="{4285CCAF-A78E-4891-B823-CA6679FA3A6C}"/>
+              </a:ext>
+            </a:extLst>
+          </p:cNvPr>
+          <p:cNvSpPr/>
+          <p:nvPr/>
+        </p:nvSpPr>
+        <p:spPr>
+          <a:xfrm>
+            <a:off x="2617076" y="2280745"/>
+            <a:ext cx="3605048" cy="2575034"/>
+          </a:xfrm>
+          <a:prstGeom prst="rect">
+            <a:avLst/>
+          </a:prstGeom>
+          <a:ln/>
+        </p:spPr>
+        <p:style>
+          <a:lnRef idx="2">
+            <a:schemeClr val="accent6"/>
+          </a:lnRef>
+          <a:fillRef idx="1">
+            <a:schemeClr val="lt1"/>
+          </a:fillRef>
+          <a:effectRef idx="0">
+            <a:schemeClr val="accent6"/>
+          </a:effectRef>
+          <a:fontRef idx="minor">
+            <a:schemeClr val="dk1"/>
+          </a:fontRef>
+        </p:style>
+        <p:txBody>
+          <a:bodyPr rtlCol="0" anchor="ctr"/>
+          <a:lstStyle/>
+          <a:p>
+            <a:pPr algn="ctr"/>
+            <a:r>
+              <a:rPr lang="sk-SK" dirty="0">
+                <a:solidFill>
+                  <a:srgbClr val="FF0000"/>
+                </a:solidFill>
+              </a:rPr>
+              <a:t>Filter obsahuje možnosti vyhľadávania údajov, ktoré chceme.</a:t>
+            </a:r>
+            <a:br>
+              <a:rPr lang="sk-SK" dirty="0">
+                <a:solidFill>
+                  <a:srgbClr val="FF0000"/>
+                </a:solidFill>
+              </a:rPr>
+            </a:br>
+            <a:r>
+              <a:rPr lang="sk-SK" dirty="0">
+                <a:solidFill>
+                  <a:srgbClr val="FF0000"/>
+                </a:solidFill>
+              </a:rPr>
+              <a:t>Tlačidlo na vyhľadanie podľa filtra.</a:t>
+            </a:r>
+            <a:br>
+              <a:rPr lang="sk-SK" dirty="0">
+                <a:solidFill>
+                  <a:srgbClr val="FF0000"/>
+                </a:solidFill>
+              </a:rPr>
+            </a:br>
+            <a:r>
+              <a:rPr lang="sk-SK" dirty="0">
+                <a:solidFill>
+                  <a:srgbClr val="FF0000"/>
+                </a:solidFill>
+              </a:rPr>
+              <a:t>Tlačidlo na zmazanie filtra.</a:t>
+            </a:r>
+          </a:p>
+        </p:txBody>
+      </p:sp>
+      <p:cxnSp>
+        <p:nvCxnSpPr>
+          <p:cNvPr id="7" name="Rovná spojovacia šípka 6">
+            <a:extLst>
+              <a:ext uri="{FF2B5EF4-FFF2-40B4-BE49-F238E27FC236}">
+                <a16:creationId xmlns:a16="http://schemas.microsoft.com/office/drawing/2014/main" id="{601C95B6-8DC7-4EE5-B7BC-486F59CD8B84}"/>
+              </a:ext>
+            </a:extLst>
+          </p:cNvPr>
+          <p:cNvCxnSpPr/>
+          <p:nvPr/>
+        </p:nvCxnSpPr>
+        <p:spPr>
+          <a:xfrm flipH="1" flipV="1">
+            <a:off x="4740166" y="1849821"/>
+            <a:ext cx="115613" cy="430924"/>
+          </a:xfrm>
+          <a:prstGeom prst="straightConnector1">
+            <a:avLst/>
+          </a:prstGeom>
+          <a:ln>
+            <a:tailEnd type="triangle"/>
+          </a:ln>
+        </p:spPr>
+        <p:style>
+          <a:lnRef idx="3">
+            <a:schemeClr val="accent6"/>
+          </a:lnRef>
+          <a:fillRef idx="0">
+            <a:schemeClr val="accent6"/>
+          </a:fillRef>
+          <a:effectRef idx="2">
+            <a:schemeClr val="accent6"/>
+          </a:effectRef>
+          <a:fontRef idx="minor">
+            <a:schemeClr val="tx1"/>
+          </a:fontRef>
+        </p:style>
+      </p:cxnSp>
+      <p:cxnSp>
+        <p:nvCxnSpPr>
+          <p:cNvPr id="9" name="Rovná spojovacia šípka 8">
+            <a:extLst>
+              <a:ext uri="{FF2B5EF4-FFF2-40B4-BE49-F238E27FC236}">
+                <a16:creationId xmlns:a16="http://schemas.microsoft.com/office/drawing/2014/main" id="{1148BF91-5534-47DB-9ECD-AAE68F645FCA}"/>
+              </a:ext>
+            </a:extLst>
+          </p:cNvPr>
+          <p:cNvCxnSpPr/>
+          <p:nvPr/>
+        </p:nvCxnSpPr>
+        <p:spPr>
+          <a:xfrm flipV="1">
+            <a:off x="4855779" y="1933903"/>
+            <a:ext cx="6106511" cy="346842"/>
+          </a:xfrm>
+          <a:prstGeom prst="straightConnector1">
+            <a:avLst/>
+          </a:prstGeom>
+          <a:ln>
+            <a:tailEnd type="triangle"/>
+          </a:ln>
+        </p:spPr>
+        <p:style>
+          <a:lnRef idx="3">
+            <a:schemeClr val="accent6"/>
+          </a:lnRef>
+          <a:fillRef idx="0">
+            <a:schemeClr val="accent6"/>
+          </a:fillRef>
+          <a:effectRef idx="2">
+            <a:schemeClr val="accent6"/>
+          </a:effectRef>
+          <a:fontRef idx="minor">
+            <a:schemeClr val="tx1"/>
+          </a:fontRef>
+        </p:style>
+      </p:cxnSp>
+      <p:sp>
+        <p:nvSpPr>
+          <p:cNvPr id="10" name="Obdĺžnik: zaoblené rohy 9">
+            <a:extLst>
+              <a:ext uri="{FF2B5EF4-FFF2-40B4-BE49-F238E27FC236}">
+                <a16:creationId xmlns:a16="http://schemas.microsoft.com/office/drawing/2014/main" id="{87111B32-53C7-4F6C-BEA7-694765FC46E7}"/>
+              </a:ext>
+            </a:extLst>
+          </p:cNvPr>
+          <p:cNvSpPr/>
+          <p:nvPr/>
+        </p:nvSpPr>
+        <p:spPr>
+          <a:xfrm>
+            <a:off x="10962290" y="1818924"/>
+            <a:ext cx="1114097" cy="346842"/>
+          </a:xfrm>
+          <a:prstGeom prst="roundRect">
+            <a:avLst/>
+          </a:prstGeom>
+          <a:noFill/>
+          <a:ln w="9525" cap="flat" cmpd="sng" algn="ctr">
+            <a:solidFill>
+              <a:schemeClr val="accent6"/>
+            </a:solidFill>
+            <a:prstDash val="solid"/>
+            <a:round/>
+            <a:headEnd type="none" w="med" len="med"/>
+            <a:tailEnd type="none" w="med" len="med"/>
+          </a:ln>
+        </p:spPr>
+        <p:style>
+          <a:lnRef idx="0">
+            <a:scrgbClr r="0" g="0" b="0"/>
+          </a:lnRef>
+          <a:fillRef idx="0">
+            <a:scrgbClr r="0" g="0" b="0"/>
+          </a:fillRef>
+          <a:effectRef idx="0">
+            <a:scrgbClr r="0" g="0" b="0"/>
+          </a:effectRef>
+          <a:fontRef idx="minor">
+            <a:schemeClr val="accent6"/>
+          </a:fontRef>
+        </p:style>
+        <p:txBody>
+          <a:bodyPr rtlCol="0" anchor="ctr"/>
+          <a:lstStyle/>
+          <a:p>
+            <a:pPr algn="ctr"/>
+            <a:endParaRPr lang="sk-SK"/>
+          </a:p>
+        </p:txBody>
+      </p:sp>
+      <p:sp>
+        <p:nvSpPr>
+          <p:cNvPr id="11" name="Obdĺžnik: zaoblené rohy 10">
+            <a:extLst>
+              <a:ext uri="{FF2B5EF4-FFF2-40B4-BE49-F238E27FC236}">
+                <a16:creationId xmlns:a16="http://schemas.microsoft.com/office/drawing/2014/main" id="{920BAE80-D4F5-46E0-8BA8-430557DA2E6A}"/>
+              </a:ext>
+            </a:extLst>
+          </p:cNvPr>
+          <p:cNvSpPr/>
+          <p:nvPr/>
+        </p:nvSpPr>
+        <p:spPr>
+          <a:xfrm>
+            <a:off x="1104901" y="1502979"/>
+            <a:ext cx="9720754" cy="346842"/>
+          </a:xfrm>
+          <a:prstGeom prst="roundRect">
+            <a:avLst/>
+          </a:prstGeom>
+          <a:noFill/>
+          <a:ln w="9525" cap="flat" cmpd="sng" algn="ctr">
+            <a:solidFill>
+              <a:schemeClr val="accent6"/>
+            </a:solidFill>
+            <a:prstDash val="solid"/>
+            <a:round/>
+            <a:headEnd type="none" w="med" len="med"/>
+            <a:tailEnd type="none" w="med" len="med"/>
+          </a:ln>
+        </p:spPr>
+        <p:style>
+          <a:lnRef idx="0">
+            <a:scrgbClr r="0" g="0" b="0"/>
+          </a:lnRef>
+          <a:fillRef idx="0">
+            <a:scrgbClr r="0" g="0" b="0"/>
+          </a:fillRef>
+          <a:effectRef idx="0">
+            <a:scrgbClr r="0" g="0" b="0"/>
+          </a:effectRef>
+          <a:fontRef idx="minor">
+            <a:schemeClr val="accent6"/>
+          </a:fontRef>
+        </p:style>
+        <p:txBody>
+          <a:bodyPr rtlCol="0" anchor="ctr"/>
+          <a:lstStyle/>
+          <a:p>
+            <a:pPr algn="ctr"/>
+            <a:endParaRPr lang="sk-SK"/>
+          </a:p>
+        </p:txBody>
+      </p:sp>
     </p:spTree>
     <p:extLst>
       <p:ext uri="{BB962C8B-B14F-4D97-AF65-F5344CB8AC3E}">
@@ -23312,7 +28418,7 @@
                 <a:tabLst/>
                 <a:defRPr/>
               </a:pPr>
-              <a:t>8. 10. 2021</a:t>
+              <a:t>2. 11. 2021</a:t>
             </a:fld>
             <a:endParaRPr kumimoji="0" lang="fr-FR" sz="1000" b="0" i="0" u="none" strike="noStrike" kern="1200" cap="none" spc="0" normalizeH="0" baseline="0" noProof="0" dirty="0">
               <a:ln>
@@ -23456,6 +28562,240 @@
           </a:prstGeom>
         </p:spPr>
       </p:pic>
+      <p:sp>
+        <p:nvSpPr>
+          <p:cNvPr id="4" name="Obdĺžnik 3">
+            <a:extLst>
+              <a:ext uri="{FF2B5EF4-FFF2-40B4-BE49-F238E27FC236}">
+                <a16:creationId xmlns:a16="http://schemas.microsoft.com/office/drawing/2014/main" id="{5E1C640E-4680-40CA-8341-B8B8030E891F}"/>
+              </a:ext>
+            </a:extLst>
+          </p:cNvPr>
+          <p:cNvSpPr/>
+          <p:nvPr/>
+        </p:nvSpPr>
+        <p:spPr>
+          <a:xfrm>
+            <a:off x="8818179" y="1366345"/>
+            <a:ext cx="2900855" cy="998483"/>
+          </a:xfrm>
+          <a:prstGeom prst="rect">
+            <a:avLst/>
+          </a:prstGeom>
+          <a:ln/>
+        </p:spPr>
+        <p:style>
+          <a:lnRef idx="2">
+            <a:schemeClr val="accent6"/>
+          </a:lnRef>
+          <a:fillRef idx="1">
+            <a:schemeClr val="lt1"/>
+          </a:fillRef>
+          <a:effectRef idx="0">
+            <a:schemeClr val="accent6"/>
+          </a:effectRef>
+          <a:fontRef idx="minor">
+            <a:schemeClr val="dk1"/>
+          </a:fontRef>
+        </p:style>
+        <p:txBody>
+          <a:bodyPr rtlCol="0" anchor="ctr"/>
+          <a:lstStyle/>
+          <a:p>
+            <a:pPr algn="ctr"/>
+            <a:r>
+              <a:rPr lang="sk-SK" dirty="0">
+                <a:solidFill>
+                  <a:srgbClr val="FF0000"/>
+                </a:solidFill>
+              </a:rPr>
+              <a:t>Po stlačenia tlačidla na odhlásenie nám vyskočí </a:t>
+            </a:r>
+          </a:p>
+        </p:txBody>
+      </p:sp>
+      <p:sp>
+        <p:nvSpPr>
+          <p:cNvPr id="6" name="Obdĺžnik 5">
+            <a:extLst>
+              <a:ext uri="{FF2B5EF4-FFF2-40B4-BE49-F238E27FC236}">
+                <a16:creationId xmlns:a16="http://schemas.microsoft.com/office/drawing/2014/main" id="{B674FF24-5EA1-4E5A-9C9E-352EED259C43}"/>
+              </a:ext>
+            </a:extLst>
+          </p:cNvPr>
+          <p:cNvSpPr/>
+          <p:nvPr/>
+        </p:nvSpPr>
+        <p:spPr>
+          <a:xfrm>
+            <a:off x="8818178" y="2364827"/>
+            <a:ext cx="2900855" cy="1629103"/>
+          </a:xfrm>
+          <a:prstGeom prst="rect">
+            <a:avLst/>
+          </a:prstGeom>
+          <a:ln/>
+        </p:spPr>
+        <p:style>
+          <a:lnRef idx="2">
+            <a:schemeClr val="accent6"/>
+          </a:lnRef>
+          <a:fillRef idx="1">
+            <a:schemeClr val="lt1"/>
+          </a:fillRef>
+          <a:effectRef idx="0">
+            <a:schemeClr val="accent6"/>
+          </a:effectRef>
+          <a:fontRef idx="minor">
+            <a:schemeClr val="dk1"/>
+          </a:fontRef>
+        </p:style>
+        <p:txBody>
+          <a:bodyPr rtlCol="0" anchor="ctr"/>
+          <a:lstStyle/>
+          <a:p>
+            <a:pPr algn="ctr"/>
+            <a:r>
+              <a:rPr lang="sk-SK" dirty="0">
+                <a:solidFill>
+                  <a:srgbClr val="FF0000"/>
+                </a:solidFill>
+              </a:rPr>
+              <a:t>nová stránka kde sa nás systém pýta či sa naozaj chceme odhlásiť. Po odsúhlasení stlačením tlačidla „Áno“ používateľa odhlási. </a:t>
+            </a:r>
+          </a:p>
+        </p:txBody>
+      </p:sp>
+      <p:cxnSp>
+        <p:nvCxnSpPr>
+          <p:cNvPr id="9" name="Rovná spojovacia šípka 8">
+            <a:extLst>
+              <a:ext uri="{FF2B5EF4-FFF2-40B4-BE49-F238E27FC236}">
+                <a16:creationId xmlns:a16="http://schemas.microsoft.com/office/drawing/2014/main" id="{5960AB41-2980-4663-8778-D07F52D795A5}"/>
+              </a:ext>
+            </a:extLst>
+          </p:cNvPr>
+          <p:cNvCxnSpPr/>
+          <p:nvPr/>
+        </p:nvCxnSpPr>
+        <p:spPr>
+          <a:xfrm flipV="1">
+            <a:off x="11540359" y="945931"/>
+            <a:ext cx="178674" cy="420414"/>
+          </a:xfrm>
+          <a:prstGeom prst="straightConnector1">
+            <a:avLst/>
+          </a:prstGeom>
+          <a:ln>
+            <a:tailEnd type="triangle"/>
+          </a:ln>
+        </p:spPr>
+        <p:style>
+          <a:lnRef idx="3">
+            <a:schemeClr val="accent6"/>
+          </a:lnRef>
+          <a:fillRef idx="0">
+            <a:schemeClr val="accent6"/>
+          </a:fillRef>
+          <a:effectRef idx="2">
+            <a:schemeClr val="accent6"/>
+          </a:effectRef>
+          <a:fontRef idx="minor">
+            <a:schemeClr val="tx1"/>
+          </a:fontRef>
+        </p:style>
+      </p:cxnSp>
+      <p:sp>
+        <p:nvSpPr>
+          <p:cNvPr id="10" name="Obdĺžnik: zaoblené rohy 9">
+            <a:extLst>
+              <a:ext uri="{FF2B5EF4-FFF2-40B4-BE49-F238E27FC236}">
+                <a16:creationId xmlns:a16="http://schemas.microsoft.com/office/drawing/2014/main" id="{3B1636D1-52E8-4F97-957A-82BC6D9D36B8}"/>
+              </a:ext>
+            </a:extLst>
+          </p:cNvPr>
+          <p:cNvSpPr/>
+          <p:nvPr/>
+        </p:nvSpPr>
+        <p:spPr>
+          <a:xfrm>
+            <a:off x="11277600" y="672662"/>
+            <a:ext cx="840828" cy="304800"/>
+          </a:xfrm>
+          <a:prstGeom prst="roundRect">
+            <a:avLst/>
+          </a:prstGeom>
+          <a:solidFill>
+            <a:schemeClr val="accent3">
+              <a:alpha val="50000"/>
+            </a:schemeClr>
+          </a:solidFill>
+          <a:ln>
+            <a:noFill/>
+          </a:ln>
+        </p:spPr>
+        <p:style>
+          <a:lnRef idx="0">
+            <a:scrgbClr r="0" g="0" b="0"/>
+          </a:lnRef>
+          <a:fillRef idx="0">
+            <a:scrgbClr r="0" g="0" b="0"/>
+          </a:fillRef>
+          <a:effectRef idx="0">
+            <a:scrgbClr r="0" g="0" b="0"/>
+          </a:effectRef>
+          <a:fontRef idx="minor">
+            <a:schemeClr val="lt1"/>
+          </a:fontRef>
+        </p:style>
+        <p:txBody>
+          <a:bodyPr rtlCol="0" anchor="ctr"/>
+          <a:lstStyle/>
+          <a:p>
+            <a:pPr algn="ctr"/>
+            <a:endParaRPr lang="sk-SK"/>
+          </a:p>
+        </p:txBody>
+      </p:sp>
+      <p:cxnSp>
+        <p:nvCxnSpPr>
+          <p:cNvPr id="12" name="Rovná spojovacia šípka 11">
+            <a:extLst>
+              <a:ext uri="{FF2B5EF4-FFF2-40B4-BE49-F238E27FC236}">
+                <a16:creationId xmlns:a16="http://schemas.microsoft.com/office/drawing/2014/main" id="{127E0A5E-047D-4413-94C3-D5382D4D1CB8}"/>
+              </a:ext>
+            </a:extLst>
+          </p:cNvPr>
+          <p:cNvCxnSpPr/>
+          <p:nvPr/>
+        </p:nvCxnSpPr>
+        <p:spPr>
+          <a:xfrm flipH="1" flipV="1">
+            <a:off x="6663559" y="2301765"/>
+            <a:ext cx="2154619" cy="336332"/>
+          </a:xfrm>
+          <a:prstGeom prst="straightConnector1">
+            <a:avLst/>
+          </a:prstGeom>
+          <a:ln>
+            <a:tailEnd type="triangle"/>
+          </a:ln>
+        </p:spPr>
+        <p:style>
+          <a:lnRef idx="3">
+            <a:schemeClr val="accent6"/>
+          </a:lnRef>
+          <a:fillRef idx="0">
+            <a:schemeClr val="accent6"/>
+          </a:fillRef>
+          <a:effectRef idx="2">
+            <a:schemeClr val="accent6"/>
+          </a:effectRef>
+          <a:fontRef idx="minor">
+            <a:schemeClr val="tx1"/>
+          </a:fontRef>
+        </p:style>
+      </p:cxnSp>
     </p:spTree>
     <p:extLst>
       <p:ext uri="{BB962C8B-B14F-4D97-AF65-F5344CB8AC3E}">
@@ -23556,7 +28896,7 @@
                 <a:tabLst/>
                 <a:defRPr/>
               </a:pPr>
-              <a:t>8. 10. 2021</a:t>
+              <a:t>2. 11. 2021</a:t>
             </a:fld>
             <a:endParaRPr kumimoji="0" lang="fr-FR" sz="1000" b="0" i="0" u="none" strike="noStrike" kern="1200" cap="none" spc="0" normalizeH="0" baseline="0" noProof="0" dirty="0">
               <a:ln>
@@ -23700,6 +29040,175 @@
           </a:prstGeom>
         </p:spPr>
       </p:pic>
+      <p:sp>
+        <p:nvSpPr>
+          <p:cNvPr id="3" name="Obdĺžnik 2">
+            <a:extLst>
+              <a:ext uri="{FF2B5EF4-FFF2-40B4-BE49-F238E27FC236}">
+                <a16:creationId xmlns:a16="http://schemas.microsoft.com/office/drawing/2014/main" id="{283C7642-643F-477F-9E74-5C80215A49D9}"/>
+              </a:ext>
+            </a:extLst>
+          </p:cNvPr>
+          <p:cNvSpPr/>
+          <p:nvPr/>
+        </p:nvSpPr>
+        <p:spPr>
+          <a:xfrm>
+            <a:off x="7786255" y="2147454"/>
+            <a:ext cx="2466109" cy="2256379"/>
+          </a:xfrm>
+          <a:prstGeom prst="rect">
+            <a:avLst/>
+          </a:prstGeom>
+          <a:ln/>
+        </p:spPr>
+        <p:style>
+          <a:lnRef idx="2">
+            <a:schemeClr val="accent6"/>
+          </a:lnRef>
+          <a:fillRef idx="1">
+            <a:schemeClr val="lt1"/>
+          </a:fillRef>
+          <a:effectRef idx="0">
+            <a:schemeClr val="accent6"/>
+          </a:effectRef>
+          <a:fontRef idx="minor">
+            <a:schemeClr val="dk1"/>
+          </a:fontRef>
+        </p:style>
+        <p:txBody>
+          <a:bodyPr rtlCol="0" anchor="ctr"/>
+          <a:lstStyle/>
+          <a:p>
+            <a:pPr algn="ctr"/>
+            <a:r>
+              <a:rPr lang="sk-SK" dirty="0">
+                <a:solidFill>
+                  <a:srgbClr val="FF0000"/>
+                </a:solidFill>
+              </a:rPr>
+              <a:t>Ak používateľ nezadá správne meno alebo heslo, poprípade nezadá jedno zo spomínaných, systém mu to dá vedieť. Po stlačení tlačidla „Prihlásiť“</a:t>
+            </a:r>
+          </a:p>
+        </p:txBody>
+      </p:sp>
+      <p:cxnSp>
+        <p:nvCxnSpPr>
+          <p:cNvPr id="6" name="Rovná spojovacia šípka 5">
+            <a:extLst>
+              <a:ext uri="{FF2B5EF4-FFF2-40B4-BE49-F238E27FC236}">
+                <a16:creationId xmlns:a16="http://schemas.microsoft.com/office/drawing/2014/main" id="{36A27C20-5D05-4FCF-BBF5-471B8C960B8D}"/>
+              </a:ext>
+            </a:extLst>
+          </p:cNvPr>
+          <p:cNvCxnSpPr/>
+          <p:nvPr/>
+        </p:nvCxnSpPr>
+        <p:spPr>
+          <a:xfrm flipH="1">
+            <a:off x="6954982" y="2660073"/>
+            <a:ext cx="831273" cy="0"/>
+          </a:xfrm>
+          <a:prstGeom prst="straightConnector1">
+            <a:avLst/>
+          </a:prstGeom>
+          <a:ln>
+            <a:tailEnd type="triangle"/>
+          </a:ln>
+        </p:spPr>
+        <p:style>
+          <a:lnRef idx="1">
+            <a:schemeClr val="accent6"/>
+          </a:lnRef>
+          <a:fillRef idx="0">
+            <a:schemeClr val="accent6"/>
+          </a:fillRef>
+          <a:effectRef idx="0">
+            <a:schemeClr val="accent6"/>
+          </a:effectRef>
+          <a:fontRef idx="minor">
+            <a:schemeClr val="tx1"/>
+          </a:fontRef>
+        </p:style>
+      </p:cxnSp>
+      <p:cxnSp>
+        <p:nvCxnSpPr>
+          <p:cNvPr id="8" name="Rovná spojovacia šípka 7">
+            <a:extLst>
+              <a:ext uri="{FF2B5EF4-FFF2-40B4-BE49-F238E27FC236}">
+                <a16:creationId xmlns:a16="http://schemas.microsoft.com/office/drawing/2014/main" id="{7FCA54C9-7736-437C-AB74-991F3E851338}"/>
+              </a:ext>
+            </a:extLst>
+          </p:cNvPr>
+          <p:cNvCxnSpPr/>
+          <p:nvPr/>
+        </p:nvCxnSpPr>
+        <p:spPr>
+          <a:xfrm flipH="1" flipV="1">
+            <a:off x="7564582" y="1607127"/>
+            <a:ext cx="221673" cy="540328"/>
+          </a:xfrm>
+          <a:prstGeom prst="straightConnector1">
+            <a:avLst/>
+          </a:prstGeom>
+          <a:ln>
+            <a:tailEnd type="triangle"/>
+          </a:ln>
+        </p:spPr>
+        <p:style>
+          <a:lnRef idx="1">
+            <a:schemeClr val="accent6"/>
+          </a:lnRef>
+          <a:fillRef idx="0">
+            <a:schemeClr val="accent6"/>
+          </a:fillRef>
+          <a:effectRef idx="0">
+            <a:schemeClr val="accent6"/>
+          </a:effectRef>
+          <a:fontRef idx="minor">
+            <a:schemeClr val="tx1"/>
+          </a:fontRef>
+        </p:style>
+      </p:cxnSp>
+      <p:cxnSp>
+        <p:nvCxnSpPr>
+          <p:cNvPr id="10" name="Rovná spojovacia šípka 9">
+            <a:extLst>
+              <a:ext uri="{FF2B5EF4-FFF2-40B4-BE49-F238E27FC236}">
+                <a16:creationId xmlns:a16="http://schemas.microsoft.com/office/drawing/2014/main" id="{1286E74E-5343-4F9C-B92B-5427B2B8E3E5}"/>
+              </a:ext>
+            </a:extLst>
+          </p:cNvPr>
+          <p:cNvCxnSpPr/>
+          <p:nvPr/>
+        </p:nvCxnSpPr>
+        <p:spPr>
+          <a:xfrm flipH="1" flipV="1">
+            <a:off x="6968836" y="2438400"/>
+            <a:ext cx="817419" cy="193964"/>
+          </a:xfrm>
+          <a:prstGeom prst="straightConnector1">
+            <a:avLst/>
+          </a:prstGeom>
+          <a:ln>
+            <a:tailEnd type="triangle"/>
+          </a:ln>
+        </p:spPr>
+        <p:style>
+          <a:lnRef idx="1">
+            <a:schemeClr val="accent6"/>
+          </a:lnRef>
+          <a:fillRef idx="0">
+            <a:schemeClr val="accent6"/>
+          </a:fillRef>
+          <a:effectRef idx="0">
+            <a:schemeClr val="accent6"/>
+          </a:effectRef>
+          <a:fontRef idx="minor">
+            <a:schemeClr val="tx1"/>
+          </a:fontRef>
+        </p:style>
+      </p:cxnSp>
     </p:spTree>
     <p:extLst>
       <p:ext uri="{BB962C8B-B14F-4D97-AF65-F5344CB8AC3E}">
@@ -23800,7 +29309,7 @@
                 <a:tabLst/>
                 <a:defRPr/>
               </a:pPr>
-              <a:t>8. 10. 2021</a:t>
+              <a:t>2. 11. 2021</a:t>
             </a:fld>
             <a:endParaRPr kumimoji="0" lang="fr-FR" sz="1000" b="0" i="0" u="none" strike="noStrike" kern="1200" cap="none" spc="0" normalizeH="0" baseline="0" noProof="0" dirty="0">
               <a:ln>
@@ -23944,6 +29453,151 @@
           </a:prstGeom>
         </p:spPr>
       </p:pic>
+      <p:sp>
+        <p:nvSpPr>
+          <p:cNvPr id="4" name="Obdĺžnik 3">
+            <a:extLst>
+              <a:ext uri="{FF2B5EF4-FFF2-40B4-BE49-F238E27FC236}">
+                <a16:creationId xmlns:a16="http://schemas.microsoft.com/office/drawing/2014/main" id="{2A9A4FDA-3763-48A8-BEE8-DC7F3FB0C2C9}"/>
+              </a:ext>
+            </a:extLst>
+          </p:cNvPr>
+          <p:cNvSpPr/>
+          <p:nvPr/>
+        </p:nvSpPr>
+        <p:spPr>
+          <a:xfrm>
+            <a:off x="8639504" y="1849821"/>
+            <a:ext cx="2659117" cy="2081048"/>
+          </a:xfrm>
+          <a:prstGeom prst="rect">
+            <a:avLst/>
+          </a:prstGeom>
+          <a:ln/>
+        </p:spPr>
+        <p:style>
+          <a:lnRef idx="2">
+            <a:schemeClr val="dk1"/>
+          </a:lnRef>
+          <a:fillRef idx="1">
+            <a:schemeClr val="lt1"/>
+          </a:fillRef>
+          <a:effectRef idx="0">
+            <a:schemeClr val="dk1"/>
+          </a:effectRef>
+          <a:fontRef idx="minor">
+            <a:schemeClr val="dk1"/>
+          </a:fontRef>
+        </p:style>
+        <p:txBody>
+          <a:bodyPr rtlCol="0" anchor="ctr"/>
+          <a:lstStyle/>
+          <a:p>
+            <a:pPr algn="ctr"/>
+            <a:r>
+              <a:rPr lang="sk-SK" dirty="0">
+                <a:solidFill>
+                  <a:srgbClr val="FF0000"/>
+                </a:solidFill>
+              </a:rPr>
+              <a:t>Po odhlásení sa zobrazí prihlasovanie.</a:t>
+            </a:r>
+          </a:p>
+        </p:txBody>
+      </p:sp>
+      <p:sp>
+        <p:nvSpPr>
+          <p:cNvPr id="5" name="Ovál 4">
+            <a:extLst>
+              <a:ext uri="{FF2B5EF4-FFF2-40B4-BE49-F238E27FC236}">
+                <a16:creationId xmlns:a16="http://schemas.microsoft.com/office/drawing/2014/main" id="{325DB047-92C2-4302-8FF6-B20F4ED1209E}"/>
+              </a:ext>
+            </a:extLst>
+          </p:cNvPr>
+          <p:cNvSpPr/>
+          <p:nvPr/>
+        </p:nvSpPr>
+        <p:spPr>
+          <a:xfrm>
+            <a:off x="4687614" y="1849821"/>
+            <a:ext cx="2827283" cy="1755227"/>
+          </a:xfrm>
+          <a:prstGeom prst="ellipse">
+            <a:avLst/>
+          </a:prstGeom>
+          <a:solidFill>
+            <a:schemeClr val="accent6">
+              <a:alpha val="50000"/>
+            </a:schemeClr>
+          </a:solidFill>
+          <a:ln>
+            <a:noFill/>
+          </a:ln>
+        </p:spPr>
+        <p:style>
+          <a:lnRef idx="0">
+            <a:scrgbClr r="0" g="0" b="0"/>
+          </a:lnRef>
+          <a:fillRef idx="0">
+            <a:scrgbClr r="0" g="0" b="0"/>
+          </a:fillRef>
+          <a:effectRef idx="0">
+            <a:scrgbClr r="0" g="0" b="0"/>
+          </a:effectRef>
+          <a:fontRef idx="minor">
+            <a:schemeClr val="lt1"/>
+          </a:fontRef>
+        </p:style>
+        <p:txBody>
+          <a:bodyPr rtlCol="0" anchor="ctr"/>
+          <a:lstStyle/>
+          <a:p>
+            <a:pPr algn="ctr"/>
+            <a:endParaRPr lang="sk-SK"/>
+          </a:p>
+        </p:txBody>
+      </p:sp>
+      <p:cxnSp>
+        <p:nvCxnSpPr>
+          <p:cNvPr id="8" name="Rovná spojovacia šípka 7">
+            <a:extLst>
+              <a:ext uri="{FF2B5EF4-FFF2-40B4-BE49-F238E27FC236}">
+                <a16:creationId xmlns:a16="http://schemas.microsoft.com/office/drawing/2014/main" id="{AE82DD44-FC2F-49DE-99F8-293D7F8EFFA5}"/>
+              </a:ext>
+            </a:extLst>
+          </p:cNvPr>
+          <p:cNvCxnSpPr>
+            <a:endCxn id="5" idx="6"/>
+          </p:cNvCxnSpPr>
+          <p:nvPr/>
+        </p:nvCxnSpPr>
+        <p:spPr>
+          <a:xfrm flipH="1">
+            <a:off x="7514897" y="2727434"/>
+            <a:ext cx="1124606" cy="1"/>
+          </a:xfrm>
+          <a:prstGeom prst="straightConnector1">
+            <a:avLst/>
+          </a:prstGeom>
+          <a:ln>
+            <a:tailEnd type="triangle"/>
+          </a:ln>
+        </p:spPr>
+        <p:style>
+          <a:lnRef idx="3">
+            <a:schemeClr val="accent6"/>
+          </a:lnRef>
+          <a:fillRef idx="0">
+            <a:schemeClr val="accent6"/>
+          </a:fillRef>
+          <a:effectRef idx="2">
+            <a:schemeClr val="accent6"/>
+          </a:effectRef>
+          <a:fontRef idx="minor">
+            <a:schemeClr val="tx1"/>
+          </a:fontRef>
+        </p:style>
+      </p:cxnSp>
     </p:spTree>
     <p:extLst>
       <p:ext uri="{BB962C8B-B14F-4D97-AF65-F5344CB8AC3E}">
@@ -24114,7 +29768,7 @@
                 <a:tabLst/>
                 <a:defRPr/>
               </a:pPr>
-              <a:t>8. 10. 2021</a:t>
+              <a:t>2. 11. 2021</a:t>
             </a:fld>
             <a:endParaRPr kumimoji="0" lang="fr-FR" sz="1000" b="0" i="0" u="none" strike="noStrike" kern="1200" cap="none" spc="0" normalizeH="0" baseline="0" noProof="0" dirty="0">
               <a:ln>
@@ -24258,6 +29912,114 @@
           </a:prstGeom>
         </p:spPr>
       </p:pic>
+      <p:sp>
+        <p:nvSpPr>
+          <p:cNvPr id="3" name="Obdĺžnik 2">
+            <a:extLst>
+              <a:ext uri="{FF2B5EF4-FFF2-40B4-BE49-F238E27FC236}">
+                <a16:creationId xmlns:a16="http://schemas.microsoft.com/office/drawing/2014/main" id="{142991A2-AEA8-430B-86CE-C45432671103}"/>
+              </a:ext>
+            </a:extLst>
+          </p:cNvPr>
+          <p:cNvSpPr/>
+          <p:nvPr/>
+        </p:nvSpPr>
+        <p:spPr>
+          <a:xfrm>
+            <a:off x="1104901" y="1587062"/>
+            <a:ext cx="5527127" cy="1513490"/>
+          </a:xfrm>
+          <a:prstGeom prst="rect">
+            <a:avLst/>
+          </a:prstGeom>
+          <a:ln/>
+        </p:spPr>
+        <p:style>
+          <a:lnRef idx="2">
+            <a:schemeClr val="accent6"/>
+          </a:lnRef>
+          <a:fillRef idx="1">
+            <a:schemeClr val="lt1"/>
+          </a:fillRef>
+          <a:effectRef idx="0">
+            <a:schemeClr val="accent6"/>
+          </a:effectRef>
+          <a:fontRef idx="minor">
+            <a:schemeClr val="dk1"/>
+          </a:fontRef>
+        </p:style>
+        <p:txBody>
+          <a:bodyPr rtlCol="0" anchor="ctr"/>
+          <a:lstStyle/>
+          <a:p>
+            <a:pPr algn="ctr"/>
+            <a:r>
+              <a:rPr lang="sk-SK" dirty="0">
+                <a:solidFill>
+                  <a:srgbClr val="FF0000"/>
+                </a:solidFill>
+              </a:rPr>
+              <a:t>Po prihlásení sa nám zobrazí hlavná ponuka. Po </a:t>
+            </a:r>
+            <a:r>
+              <a:rPr lang="sk-SK" dirty="0" err="1">
+                <a:solidFill>
+                  <a:srgbClr val="FF0000"/>
+                </a:solidFill>
+              </a:rPr>
+              <a:t>nadíjdení</a:t>
+            </a:r>
+            <a:r>
+              <a:rPr lang="sk-SK" dirty="0">
+                <a:solidFill>
+                  <a:srgbClr val="FF0000"/>
+                </a:solidFill>
+              </a:rPr>
+              <a:t> myši nad navigáciou sa nám zobrazí výber podstránok pre danú funkciu. Po vybraní(klik myšou) danej podstránky sa nám zobrazí daná podstránka.</a:t>
+            </a:r>
+            <a:endParaRPr lang="sk-SK" dirty="0"/>
+          </a:p>
+        </p:txBody>
+      </p:sp>
+      <p:cxnSp>
+        <p:nvCxnSpPr>
+          <p:cNvPr id="6" name="Rovná spojovacia šípka 5">
+            <a:extLst>
+              <a:ext uri="{FF2B5EF4-FFF2-40B4-BE49-F238E27FC236}">
+                <a16:creationId xmlns:a16="http://schemas.microsoft.com/office/drawing/2014/main" id="{FA3E46D8-6AC4-49B7-8FB4-92082AC3C4A8}"/>
+              </a:ext>
+            </a:extLst>
+          </p:cNvPr>
+          <p:cNvCxnSpPr/>
+          <p:nvPr/>
+        </p:nvCxnSpPr>
+        <p:spPr>
+          <a:xfrm flipH="1" flipV="1">
+            <a:off x="1912883" y="1061545"/>
+            <a:ext cx="441434" cy="525517"/>
+          </a:xfrm>
+          <a:prstGeom prst="straightConnector1">
+            <a:avLst/>
+          </a:prstGeom>
+          <a:ln>
+            <a:tailEnd type="triangle"/>
+          </a:ln>
+        </p:spPr>
+        <p:style>
+          <a:lnRef idx="1">
+            <a:schemeClr val="accent6"/>
+          </a:lnRef>
+          <a:fillRef idx="0">
+            <a:schemeClr val="accent6"/>
+          </a:fillRef>
+          <a:effectRef idx="0">
+            <a:schemeClr val="accent6"/>
+          </a:effectRef>
+          <a:fontRef idx="minor">
+            <a:schemeClr val="tx1"/>
+          </a:fontRef>
+        </p:style>
+      </p:cxnSp>
     </p:spTree>
     <p:extLst>
       <p:ext uri="{BB962C8B-B14F-4D97-AF65-F5344CB8AC3E}">
@@ -24358,7 +30120,7 @@
                 <a:tabLst/>
                 <a:defRPr/>
               </a:pPr>
-              <a:t>8. 10. 2021</a:t>
+              <a:t>2. 11. 2021</a:t>
             </a:fld>
             <a:endParaRPr kumimoji="0" lang="fr-FR" sz="1000" b="0" i="0" u="none" strike="noStrike" kern="1200" cap="none" spc="0" normalizeH="0" baseline="0" noProof="0" dirty="0">
               <a:ln>
@@ -24602,7 +30364,7 @@
                 <a:tabLst/>
                 <a:defRPr/>
               </a:pPr>
-              <a:t>8. 10. 2021</a:t>
+              <a:t>2. 11. 2021</a:t>
             </a:fld>
             <a:endParaRPr kumimoji="0" lang="fr-FR" sz="1000" b="0" i="0" u="none" strike="noStrike" kern="1200" cap="none" spc="0" normalizeH="0" baseline="0" noProof="0" dirty="0">
               <a:ln>
@@ -24846,7 +30608,7 @@
                 <a:tabLst/>
                 <a:defRPr/>
               </a:pPr>
-              <a:t>8. 10. 2021</a:t>
+              <a:t>2. 11. 2021</a:t>
             </a:fld>
             <a:endParaRPr kumimoji="0" lang="fr-FR" sz="1000" b="0" i="0" u="none" strike="noStrike" kern="1200" cap="none" spc="0" normalizeH="0" baseline="0" noProof="0" dirty="0">
               <a:ln>
@@ -25090,7 +30852,7 @@
                 <a:tabLst/>
                 <a:defRPr/>
               </a:pPr>
-              <a:t>8. 10. 2021</a:t>
+              <a:t>2. 11. 2021</a:t>
             </a:fld>
             <a:endParaRPr kumimoji="0" lang="fr-FR" sz="1000" b="0" i="0" u="none" strike="noStrike" kern="1200" cap="none" spc="0" normalizeH="0" baseline="0" noProof="0" dirty="0">
               <a:ln>
